--- a/spring.pptx
+++ b/spring.pptx
@@ -133,7 +133,7 @@
   <pc:docChgLst>
     <pc:chgData name="Mohammed Amine BAGDOURI" userId="e89d4c646e9a864e" providerId="LiveId" clId="{280ACB38-255A-46C4-8476-5EBED5F8E428}"/>
     <pc:docChg chg="undo custSel addSld delSld modSld sldOrd">
-      <pc:chgData name="Mohammed Amine BAGDOURI" userId="e89d4c646e9a864e" providerId="LiveId" clId="{280ACB38-255A-46C4-8476-5EBED5F8E428}" dt="2024-09-08T19:10:59.912" v="788" actId="1076"/>
+      <pc:chgData name="Mohammed Amine BAGDOURI" userId="e89d4c646e9a864e" providerId="LiveId" clId="{280ACB38-255A-46C4-8476-5EBED5F8E428}" dt="2024-09-09T14:10:25.402" v="807" actId="1076"/>
       <pc:docMkLst>
         <pc:docMk/>
       </pc:docMkLst>
@@ -1416,13 +1416,13 @@
         </pc:spChg>
       </pc:sldChg>
       <pc:sldChg chg="addSp delSp modSp add mod">
-        <pc:chgData name="Mohammed Amine BAGDOURI" userId="e89d4c646e9a864e" providerId="LiveId" clId="{280ACB38-255A-46C4-8476-5EBED5F8E428}" dt="2024-09-08T19:10:59.912" v="788" actId="1076"/>
+        <pc:chgData name="Mohammed Amine BAGDOURI" userId="e89d4c646e9a864e" providerId="LiveId" clId="{280ACB38-255A-46C4-8476-5EBED5F8E428}" dt="2024-09-09T14:10:25.402" v="807" actId="1076"/>
         <pc:sldMkLst>
           <pc:docMk/>
           <pc:sldMk cId="1537051593" sldId="277"/>
         </pc:sldMkLst>
-        <pc:spChg chg="add mod">
-          <ac:chgData name="Mohammed Amine BAGDOURI" userId="e89d4c646e9a864e" providerId="LiveId" clId="{280ACB38-255A-46C4-8476-5EBED5F8E428}" dt="2024-09-08T19:10:59.912" v="788" actId="1076"/>
+        <pc:spChg chg="add del mod">
+          <ac:chgData name="Mohammed Amine BAGDOURI" userId="e89d4c646e9a864e" providerId="LiveId" clId="{280ACB38-255A-46C4-8476-5EBED5F8E428}" dt="2024-09-09T14:10:22.446" v="805" actId="478"/>
           <ac:spMkLst>
             <pc:docMk/>
             <pc:sldMk cId="1537051593" sldId="277"/>
@@ -1445,6 +1445,14 @@
             <ac:spMk id="19" creationId="{25D04C93-F343-AB2A-40B9-ECB00D065A9A}"/>
           </ac:spMkLst>
         </pc:spChg>
+        <pc:picChg chg="add mod">
+          <ac:chgData name="Mohammed Amine BAGDOURI" userId="e89d4c646e9a864e" providerId="LiveId" clId="{280ACB38-255A-46C4-8476-5EBED5F8E428}" dt="2024-09-09T14:10:25.402" v="807" actId="1076"/>
+          <ac:picMkLst>
+            <pc:docMk/>
+            <pc:sldMk cId="1537051593" sldId="277"/>
+            <ac:picMk id="4" creationId="{01771DAB-4C48-CDCA-12C5-12652B664607}"/>
+          </ac:picMkLst>
+        </pc:picChg>
       </pc:sldChg>
     </pc:docChg>
   </pc:docChgLst>
@@ -1533,7 +1541,7 @@
           <a:p>
             <a:fld id="{D7555D10-7538-40E9-AAF0-FAB234593202}" type="datetimeFigureOut">
               <a:rPr lang="en-US" smtClean="0"/>
-              <a:t>2024-09-08</a:t>
+              <a:t>2024-09-09</a:t>
             </a:fld>
             <a:endParaRPr lang="en-US"/>
           </a:p>
@@ -2367,7 +2375,7 @@
           <a:p>
             <a:fld id="{4A6147B4-E7DD-4AC4-BAAD-51EE4B9B08EB}" type="datetime1">
               <a:rPr lang="en-US" smtClean="0"/>
-              <a:t>2024-09-08</a:t>
+              <a:t>2024-09-09</a:t>
             </a:fld>
             <a:endParaRPr lang="en-US"/>
           </a:p>
@@ -2565,7 +2573,7 @@
           <a:p>
             <a:fld id="{D23D5D02-40B5-47A6-968B-7DDE7E2FE649}" type="datetime1">
               <a:rPr lang="en-US" smtClean="0"/>
-              <a:t>2024-09-08</a:t>
+              <a:t>2024-09-09</a:t>
             </a:fld>
             <a:endParaRPr lang="en-US"/>
           </a:p>
@@ -2773,7 +2781,7 @@
           <a:p>
             <a:fld id="{BCE36555-30F3-42DB-B8A4-70344020D5E6}" type="datetime1">
               <a:rPr lang="en-US" smtClean="0"/>
-              <a:t>2024-09-08</a:t>
+              <a:t>2024-09-09</a:t>
             </a:fld>
             <a:endParaRPr lang="en-US"/>
           </a:p>
@@ -2971,7 +2979,7 @@
           <a:p>
             <a:fld id="{BE2E8BBC-CE59-4EF0-A8F5-6EDC39203219}" type="datetime1">
               <a:rPr lang="en-US" smtClean="0"/>
-              <a:t>2024-09-08</a:t>
+              <a:t>2024-09-09</a:t>
             </a:fld>
             <a:endParaRPr lang="en-US"/>
           </a:p>
@@ -3246,7 +3254,7 @@
           <a:p>
             <a:fld id="{8D544647-B72D-4DEB-BC44-F072785F550E}" type="datetime1">
               <a:rPr lang="en-US" smtClean="0"/>
-              <a:t>2024-09-08</a:t>
+              <a:t>2024-09-09</a:t>
             </a:fld>
             <a:endParaRPr lang="en-US"/>
           </a:p>
@@ -3511,7 +3519,7 @@
           <a:p>
             <a:fld id="{E57B1BAF-F4DD-48DF-925E-01042C0460AF}" type="datetime1">
               <a:rPr lang="en-US" smtClean="0"/>
-              <a:t>2024-09-08</a:t>
+              <a:t>2024-09-09</a:t>
             </a:fld>
             <a:endParaRPr lang="en-US"/>
           </a:p>
@@ -3923,7 +3931,7 @@
           <a:p>
             <a:fld id="{E49C53FD-BE73-4D65-BE4C-5F924192171F}" type="datetime1">
               <a:rPr lang="en-US" smtClean="0"/>
-              <a:t>2024-09-08</a:t>
+              <a:t>2024-09-09</a:t>
             </a:fld>
             <a:endParaRPr lang="en-US"/>
           </a:p>
@@ -4064,7 +4072,7 @@
           <a:p>
             <a:fld id="{8BB01644-912B-4D6B-A648-4C3A4F875F69}" type="datetime1">
               <a:rPr lang="en-US" smtClean="0"/>
-              <a:t>2024-09-08</a:t>
+              <a:t>2024-09-09</a:t>
             </a:fld>
             <a:endParaRPr lang="en-US"/>
           </a:p>
@@ -4177,7 +4185,7 @@
           <a:p>
             <a:fld id="{F7202A4B-BF76-4AC0-A72E-E6034EA489A3}" type="datetime1">
               <a:rPr lang="en-US" smtClean="0"/>
-              <a:t>2024-09-08</a:t>
+              <a:t>2024-09-09</a:t>
             </a:fld>
             <a:endParaRPr lang="en-US"/>
           </a:p>
@@ -4488,7 +4496,7 @@
           <a:p>
             <a:fld id="{CB066C2F-B7E4-4C4F-A1BB-A68394687FDD}" type="datetime1">
               <a:rPr lang="en-US" smtClean="0"/>
-              <a:t>2024-09-08</a:t>
+              <a:t>2024-09-09</a:t>
             </a:fld>
             <a:endParaRPr lang="en-US"/>
           </a:p>
@@ -4776,7 +4784,7 @@
           <a:p>
             <a:fld id="{2DF42606-6751-4471-9EAA-5E71A7CA8DE9}" type="datetime1">
               <a:rPr lang="en-US" smtClean="0"/>
-              <a:t>2024-09-08</a:t>
+              <a:t>2024-09-09</a:t>
             </a:fld>
             <a:endParaRPr lang="en-US"/>
           </a:p>
@@ -5017,7 +5025,7 @@
           <a:p>
             <a:fld id="{1C940A13-7204-44F5-A053-3C567CA673DB}" type="datetime1">
               <a:rPr lang="en-US" smtClean="0"/>
-              <a:t>2024-09-08</a:t>
+              <a:t>2024-09-09</a:t>
             </a:fld>
             <a:endParaRPr lang="en-US"/>
           </a:p>
@@ -10036,106 +10044,36 @@
           </a:p>
         </p:txBody>
       </p:sp>
-      <p:sp>
-        <p:nvSpPr>
-          <p:cNvPr id="2" name="TextBox 1">
+      <p:pic>
+        <p:nvPicPr>
+          <p:cNvPr id="4" name="Picture 3">
             <a:extLst>
               <a:ext uri="{FF2B5EF4-FFF2-40B4-BE49-F238E27FC236}">
-                <a16:creationId xmlns:a16="http://schemas.microsoft.com/office/drawing/2014/main" id="{D66FC566-6239-B169-0C83-438575E212E1}"/>
+                <a16:creationId xmlns:a16="http://schemas.microsoft.com/office/drawing/2014/main" id="{01771DAB-4C48-CDCA-12C5-12652B664607}"/>
               </a:ext>
             </a:extLst>
           </p:cNvPr>
-          <p:cNvSpPr txBox="1"/>
+          <p:cNvPicPr>
+            <a:picLocks noChangeAspect="1"/>
+          </p:cNvPicPr>
           <p:nvPr/>
-        </p:nvSpPr>
+        </p:nvPicPr>
+        <p:blipFill>
+          <a:blip r:embed="rId3"/>
+          <a:stretch>
+            <a:fillRect/>
+          </a:stretch>
+        </p:blipFill>
         <p:spPr>
           <a:xfrm>
-            <a:off x="4935167" y="2827506"/>
-            <a:ext cx="1867710" cy="2031325"/>
+            <a:off x="4524155" y="1640267"/>
+            <a:ext cx="3143689" cy="5010849"/>
           </a:xfrm>
           <a:prstGeom prst="rect">
             <a:avLst/>
           </a:prstGeom>
-          <a:noFill/>
         </p:spPr>
-        <p:txBody>
-          <a:bodyPr wrap="square" rtlCol="0">
-            <a:spAutoFit/>
-          </a:bodyPr>
-          <a:lstStyle/>
-          <a:p>
-            <a:pPr marL="285750" indent="-285750">
-              <a:buFont typeface="Arial" panose="020B0604020202020204" pitchFamily="34" charset="0"/>
-              <a:buChar char="•"/>
-            </a:pPr>
-            <a:r>
-              <a:rPr lang="en-US" dirty="0"/>
-              <a:t>service</a:t>
-            </a:r>
-          </a:p>
-          <a:p>
-            <a:pPr marL="285750" indent="-285750">
-              <a:buFont typeface="Arial" panose="020B0604020202020204" pitchFamily="34" charset="0"/>
-              <a:buChar char="•"/>
-            </a:pPr>
-            <a:r>
-              <a:rPr lang="en-US" dirty="0"/>
-              <a:t>controller</a:t>
-            </a:r>
-          </a:p>
-          <a:p>
-            <a:pPr marL="285750" indent="-285750">
-              <a:buFont typeface="Arial" panose="020B0604020202020204" pitchFamily="34" charset="0"/>
-              <a:buChar char="•"/>
-            </a:pPr>
-            <a:r>
-              <a:rPr lang="en-US" dirty="0"/>
-              <a:t>repository</a:t>
-            </a:r>
-          </a:p>
-          <a:p>
-            <a:pPr marL="285750" indent="-285750">
-              <a:buFont typeface="Arial" panose="020B0604020202020204" pitchFamily="34" charset="0"/>
-              <a:buChar char="•"/>
-            </a:pPr>
-            <a:r>
-              <a:rPr lang="en-US" dirty="0"/>
-              <a:t>model</a:t>
-            </a:r>
-          </a:p>
-          <a:p>
-            <a:pPr marL="285750" indent="-285750">
-              <a:buFont typeface="Arial" panose="020B0604020202020204" pitchFamily="34" charset="0"/>
-              <a:buChar char="•"/>
-            </a:pPr>
-            <a:r>
-              <a:rPr lang="en-US" dirty="0" err="1"/>
-              <a:t>dto</a:t>
-            </a:r>
-            <a:endParaRPr lang="en-US" dirty="0"/>
-          </a:p>
-          <a:p>
-            <a:pPr marL="285750" indent="-285750">
-              <a:buFont typeface="Arial" panose="020B0604020202020204" pitchFamily="34" charset="0"/>
-              <a:buChar char="•"/>
-            </a:pPr>
-            <a:r>
-              <a:rPr lang="en-US" dirty="0"/>
-              <a:t>error</a:t>
-            </a:r>
-          </a:p>
-          <a:p>
-            <a:pPr marL="285750" indent="-285750">
-              <a:buFont typeface="Arial" panose="020B0604020202020204" pitchFamily="34" charset="0"/>
-              <a:buChar char="•"/>
-            </a:pPr>
-            <a:r>
-              <a:rPr lang="en-US" dirty="0"/>
-              <a:t>util</a:t>
-            </a:r>
-          </a:p>
-        </p:txBody>
-      </p:sp>
+      </p:pic>
     </p:spTree>
     <p:extLst>
       <p:ext uri="{BB962C8B-B14F-4D97-AF65-F5344CB8AC3E}">

--- a/spring.pptx
+++ b/spring.pptx
@@ -5,15 +5,18 @@
     <p:sldMasterId id="2147483648" r:id="rId1"/>
   </p:sldMasterIdLst>
   <p:notesMasterIdLst>
-    <p:notesMasterId r:id="rId8"/>
+    <p:notesMasterId r:id="rId11"/>
   </p:notesMasterIdLst>
   <p:sldIdLst>
     <p:sldId id="256" r:id="rId2"/>
     <p:sldId id="274" r:id="rId3"/>
     <p:sldId id="257" r:id="rId4"/>
-    <p:sldId id="275" r:id="rId5"/>
-    <p:sldId id="276" r:id="rId6"/>
-    <p:sldId id="277" r:id="rId7"/>
+    <p:sldId id="278" r:id="rId5"/>
+    <p:sldId id="279" r:id="rId6"/>
+    <p:sldId id="280" r:id="rId7"/>
+    <p:sldId id="275" r:id="rId8"/>
+    <p:sldId id="276" r:id="rId9"/>
+    <p:sldId id="277" r:id="rId10"/>
   </p:sldIdLst>
   <p:sldSz cx="12192000" cy="6858000"/>
   <p:notesSz cx="6858000" cy="9144000"/>
@@ -123,7 +126,7 @@
 <file path=ppt/revisionInfo.xml><?xml version="1.0" encoding="utf-8"?>
 <p1510:revInfo xmlns:a="http://schemas.openxmlformats.org/drawingml/2006/main" xmlns:r="http://schemas.openxmlformats.org/officeDocument/2006/relationships" xmlns:p1510="http://schemas.microsoft.com/office/powerpoint/2015/10/main">
   <p1510:revLst>
-    <p1510:client id="{280ACB38-255A-46C4-8476-5EBED5F8E428}" v="54" dt="2024-09-08T19:10:19.234"/>
+    <p1510:client id="{280ACB38-255A-46C4-8476-5EBED5F8E428}" v="80" dt="2024-09-16T01:43:25.378"/>
   </p1510:revLst>
 </p1510:revInfo>
 </file>
@@ -132,8 +135,8 @@
 <pc:chgInfo xmlns:a="http://schemas.openxmlformats.org/drawingml/2006/main" xmlns:r="http://schemas.openxmlformats.org/officeDocument/2006/relationships" xmlns:ac="http://schemas.microsoft.com/office/drawing/2013/main/command" xmlns:pc="http://schemas.microsoft.com/office/powerpoint/2013/main/command">
   <pc:docChgLst>
     <pc:chgData name="Mohammed Amine BAGDOURI" userId="e89d4c646e9a864e" providerId="LiveId" clId="{280ACB38-255A-46C4-8476-5EBED5F8E428}"/>
-    <pc:docChg chg="undo custSel addSld delSld modSld sldOrd">
-      <pc:chgData name="Mohammed Amine BAGDOURI" userId="e89d4c646e9a864e" providerId="LiveId" clId="{280ACB38-255A-46C4-8476-5EBED5F8E428}" dt="2024-09-09T14:10:25.402" v="807" actId="1076"/>
+    <pc:docChg chg="undo redo custSel addSld delSld modSld sldOrd">
+      <pc:chgData name="Mohammed Amine BAGDOURI" userId="e89d4c646e9a864e" providerId="LiveId" clId="{280ACB38-255A-46C4-8476-5EBED5F8E428}" dt="2024-09-16T01:43:34.812" v="911"/>
       <pc:docMkLst>
         <pc:docMk/>
       </pc:docMkLst>
@@ -1265,18 +1268,34 @@
           </ac:graphicFrameMkLst>
         </pc:graphicFrameChg>
       </pc:sldChg>
-      <pc:sldChg chg="addSp delSp modSp add mod">
-        <pc:chgData name="Mohammed Amine BAGDOURI" userId="e89d4c646e9a864e" providerId="LiveId" clId="{280ACB38-255A-46C4-8476-5EBED5F8E428}" dt="2024-09-08T18:46:32.031" v="586" actId="1076"/>
+      <pc:sldChg chg="addSp delSp modSp add mod ord">
+        <pc:chgData name="Mohammed Amine BAGDOURI" userId="e89d4c646e9a864e" providerId="LiveId" clId="{280ACB38-255A-46C4-8476-5EBED5F8E428}" dt="2024-09-16T01:43:25.377" v="909" actId="1076"/>
         <pc:sldMkLst>
           <pc:docMk/>
           <pc:sldMk cId="1516357171" sldId="275"/>
         </pc:sldMkLst>
         <pc:spChg chg="add mod">
-          <ac:chgData name="Mohammed Amine BAGDOURI" userId="e89d4c646e9a864e" providerId="LiveId" clId="{280ACB38-255A-46C4-8476-5EBED5F8E428}" dt="2024-09-08T18:46:32.031" v="586" actId="1076"/>
+          <ac:chgData name="Mohammed Amine BAGDOURI" userId="e89d4c646e9a864e" providerId="LiveId" clId="{280ACB38-255A-46C4-8476-5EBED5F8E428}" dt="2024-09-16T01:43:25.377" v="909" actId="1076"/>
           <ac:spMkLst>
             <pc:docMk/>
             <pc:sldMk cId="1516357171" sldId="275"/>
             <ac:spMk id="2" creationId="{A18784C6-629D-E065-3D67-57A31C290F2A}"/>
+          </ac:spMkLst>
+        </pc:spChg>
+        <pc:spChg chg="add del">
+          <ac:chgData name="Mohammed Amine BAGDOURI" userId="e89d4c646e9a864e" providerId="LiveId" clId="{280ACB38-255A-46C4-8476-5EBED5F8E428}" dt="2024-09-16T01:42:54.171" v="897" actId="478"/>
+          <ac:spMkLst>
+            <pc:docMk/>
+            <pc:sldMk cId="1516357171" sldId="275"/>
+            <ac:spMk id="3" creationId="{7BC77AF6-DDEF-3A1F-E623-39A1471A2CC0}"/>
+          </ac:spMkLst>
+        </pc:spChg>
+        <pc:spChg chg="add del">
+          <ac:chgData name="Mohammed Amine BAGDOURI" userId="e89d4c646e9a864e" providerId="LiveId" clId="{280ACB38-255A-46C4-8476-5EBED5F8E428}" dt="2024-09-16T01:43:22.620" v="908" actId="478"/>
+          <ac:spMkLst>
+            <pc:docMk/>
+            <pc:sldMk cId="1516357171" sldId="275"/>
+            <ac:spMk id="4" creationId="{5F21395D-B37C-667D-16D8-BDE220276CAF}"/>
           </ac:spMkLst>
         </pc:spChg>
         <pc:spChg chg="mod">
@@ -1368,8 +1387,8 @@
           </ac:picMkLst>
         </pc:picChg>
       </pc:sldChg>
-      <pc:sldChg chg="addSp delSp modSp add mod">
-        <pc:chgData name="Mohammed Amine BAGDOURI" userId="e89d4c646e9a864e" providerId="LiveId" clId="{280ACB38-255A-46C4-8476-5EBED5F8E428}" dt="2024-09-08T18:51:38.453" v="661" actId="478"/>
+      <pc:sldChg chg="addSp delSp modSp add mod ord">
+        <pc:chgData name="Mohammed Amine BAGDOURI" userId="e89d4c646e9a864e" providerId="LiveId" clId="{280ACB38-255A-46C4-8476-5EBED5F8E428}" dt="2024-09-16T01:43:34.812" v="911"/>
         <pc:sldMkLst>
           <pc:docMk/>
           <pc:sldMk cId="1964095133" sldId="276"/>
@@ -1416,7 +1435,7 @@
         </pc:spChg>
       </pc:sldChg>
       <pc:sldChg chg="addSp delSp modSp add mod">
-        <pc:chgData name="Mohammed Amine BAGDOURI" userId="e89d4c646e9a864e" providerId="LiveId" clId="{280ACB38-255A-46C4-8476-5EBED5F8E428}" dt="2024-09-09T14:10:25.402" v="807" actId="1076"/>
+        <pc:chgData name="Mohammed Amine BAGDOURI" userId="e89d4c646e9a864e" providerId="LiveId" clId="{280ACB38-255A-46C4-8476-5EBED5F8E428}" dt="2024-09-16T01:30:53.248" v="828" actId="1076"/>
         <pc:sldMkLst>
           <pc:docMk/>
           <pc:sldMk cId="1537051593" sldId="277"/>
@@ -1438,7 +1457,7 @@
           </ac:spMkLst>
         </pc:spChg>
         <pc:spChg chg="mod">
-          <ac:chgData name="Mohammed Amine BAGDOURI" userId="e89d4c646e9a864e" providerId="LiveId" clId="{280ACB38-255A-46C4-8476-5EBED5F8E428}" dt="2024-09-08T19:10:09.875" v="718" actId="20577"/>
+          <ac:chgData name="Mohammed Amine BAGDOURI" userId="e89d4c646e9a864e" providerId="LiveId" clId="{280ACB38-255A-46C4-8476-5EBED5F8E428}" dt="2024-09-16T01:30:49.959" v="827" actId="20577"/>
           <ac:spMkLst>
             <pc:docMk/>
             <pc:sldMk cId="1537051593" sldId="277"/>
@@ -1446,13 +1465,114 @@
           </ac:spMkLst>
         </pc:spChg>
         <pc:picChg chg="add mod">
-          <ac:chgData name="Mohammed Amine BAGDOURI" userId="e89d4c646e9a864e" providerId="LiveId" clId="{280ACB38-255A-46C4-8476-5EBED5F8E428}" dt="2024-09-09T14:10:25.402" v="807" actId="1076"/>
+          <ac:chgData name="Mohammed Amine BAGDOURI" userId="e89d4c646e9a864e" providerId="LiveId" clId="{280ACB38-255A-46C4-8476-5EBED5F8E428}" dt="2024-09-16T01:30:53.248" v="828" actId="1076"/>
+          <ac:picMkLst>
+            <pc:docMk/>
+            <pc:sldMk cId="1537051593" sldId="277"/>
+            <ac:picMk id="3" creationId="{3427CCA9-37E1-205F-16F8-FC25FDB67495}"/>
+          </ac:picMkLst>
+        </pc:picChg>
+        <pc:picChg chg="add del mod">
+          <ac:chgData name="Mohammed Amine BAGDOURI" userId="e89d4c646e9a864e" providerId="LiveId" clId="{280ACB38-255A-46C4-8476-5EBED5F8E428}" dt="2024-09-16T01:30:37.415" v="808" actId="478"/>
           <ac:picMkLst>
             <pc:docMk/>
             <pc:sldMk cId="1537051593" sldId="277"/>
             <ac:picMk id="4" creationId="{01771DAB-4C48-CDCA-12C5-12652B664607}"/>
           </ac:picMkLst>
         </pc:picChg>
+      </pc:sldChg>
+      <pc:sldChg chg="addSp delSp modSp add mod ord">
+        <pc:chgData name="Mohammed Amine BAGDOURI" userId="e89d4c646e9a864e" providerId="LiveId" clId="{280ACB38-255A-46C4-8476-5EBED5F8E428}" dt="2024-09-16T01:32:36.636" v="839" actId="114"/>
+        <pc:sldMkLst>
+          <pc:docMk/>
+          <pc:sldMk cId="1740456557" sldId="278"/>
+        </pc:sldMkLst>
+        <pc:spChg chg="del">
+          <ac:chgData name="Mohammed Amine BAGDOURI" userId="e89d4c646e9a864e" providerId="LiveId" clId="{280ACB38-255A-46C4-8476-5EBED5F8E428}" dt="2024-09-16T01:32:28.124" v="835" actId="478"/>
+          <ac:spMkLst>
+            <pc:docMk/>
+            <pc:sldMk cId="1740456557" sldId="278"/>
+            <ac:spMk id="2" creationId="{A18784C6-629D-E065-3D67-57A31C290F2A}"/>
+          </ac:spMkLst>
+        </pc:spChg>
+        <pc:spChg chg="add mod">
+          <ac:chgData name="Mohammed Amine BAGDOURI" userId="e89d4c646e9a864e" providerId="LiveId" clId="{280ACB38-255A-46C4-8476-5EBED5F8E428}" dt="2024-09-16T01:32:36.636" v="839" actId="114"/>
+          <ac:spMkLst>
+            <pc:docMk/>
+            <pc:sldMk cId="1740456557" sldId="278"/>
+            <ac:spMk id="3" creationId="{57683809-C31E-C95C-D069-C3317E8E17F3}"/>
+          </ac:spMkLst>
+        </pc:spChg>
+        <pc:spChg chg="mod">
+          <ac:chgData name="Mohammed Amine BAGDOURI" userId="e89d4c646e9a864e" providerId="LiveId" clId="{280ACB38-255A-46C4-8476-5EBED5F8E428}" dt="2024-09-16T01:32:25.070" v="834" actId="20577"/>
+          <ac:spMkLst>
+            <pc:docMk/>
+            <pc:sldMk cId="1740456557" sldId="278"/>
+            <ac:spMk id="19" creationId="{25D04C93-F343-AB2A-40B9-ECB00D065A9A}"/>
+          </ac:spMkLst>
+        </pc:spChg>
+      </pc:sldChg>
+      <pc:sldChg chg="addSp delSp modSp add mod">
+        <pc:chgData name="Mohammed Amine BAGDOURI" userId="e89d4c646e9a864e" providerId="LiveId" clId="{280ACB38-255A-46C4-8476-5EBED5F8E428}" dt="2024-09-16T01:33:55.231" v="854" actId="1076"/>
+        <pc:sldMkLst>
+          <pc:docMk/>
+          <pc:sldMk cId="2281188776" sldId="279"/>
+        </pc:sldMkLst>
+        <pc:spChg chg="add mod">
+          <ac:chgData name="Mohammed Amine BAGDOURI" userId="e89d4c646e9a864e" providerId="LiveId" clId="{280ACB38-255A-46C4-8476-5EBED5F8E428}" dt="2024-09-16T01:33:55.231" v="854" actId="1076"/>
+          <ac:spMkLst>
+            <pc:docMk/>
+            <pc:sldMk cId="2281188776" sldId="279"/>
+            <ac:spMk id="2" creationId="{2A863B4B-289A-96A9-78C2-20E13CE13523}"/>
+          </ac:spMkLst>
+        </pc:spChg>
+        <pc:spChg chg="del">
+          <ac:chgData name="Mohammed Amine BAGDOURI" userId="e89d4c646e9a864e" providerId="LiveId" clId="{280ACB38-255A-46C4-8476-5EBED5F8E428}" dt="2024-09-16T01:33:42.789" v="847" actId="478"/>
+          <ac:spMkLst>
+            <pc:docMk/>
+            <pc:sldMk cId="2281188776" sldId="279"/>
+            <ac:spMk id="3" creationId="{57683809-C31E-C95C-D069-C3317E8E17F3}"/>
+          </ac:spMkLst>
+        </pc:spChg>
+        <pc:spChg chg="mod">
+          <ac:chgData name="Mohammed Amine BAGDOURI" userId="e89d4c646e9a864e" providerId="LiveId" clId="{280ACB38-255A-46C4-8476-5EBED5F8E428}" dt="2024-09-16T01:32:47.327" v="846" actId="20577"/>
+          <ac:spMkLst>
+            <pc:docMk/>
+            <pc:sldMk cId="2281188776" sldId="279"/>
+            <ac:spMk id="19" creationId="{25D04C93-F343-AB2A-40B9-ECB00D065A9A}"/>
+          </ac:spMkLst>
+        </pc:spChg>
+      </pc:sldChg>
+      <pc:sldChg chg="addSp delSp modSp add mod ord">
+        <pc:chgData name="Mohammed Amine BAGDOURI" userId="e89d4c646e9a864e" providerId="LiveId" clId="{280ACB38-255A-46C4-8476-5EBED5F8E428}" dt="2024-09-16T01:36:03.264" v="873" actId="1076"/>
+        <pc:sldMkLst>
+          <pc:docMk/>
+          <pc:sldMk cId="3409250798" sldId="280"/>
+        </pc:sldMkLst>
+        <pc:spChg chg="add mod">
+          <ac:chgData name="Mohammed Amine BAGDOURI" userId="e89d4c646e9a864e" providerId="LiveId" clId="{280ACB38-255A-46C4-8476-5EBED5F8E428}" dt="2024-09-16T01:36:03.264" v="873" actId="1076"/>
+          <ac:spMkLst>
+            <pc:docMk/>
+            <pc:sldMk cId="3409250798" sldId="280"/>
+            <ac:spMk id="2" creationId="{D950613C-51C4-92A2-2666-CE608D1C9B85}"/>
+          </ac:spMkLst>
+        </pc:spChg>
+        <pc:spChg chg="del">
+          <ac:chgData name="Mohammed Amine BAGDOURI" userId="e89d4c646e9a864e" providerId="LiveId" clId="{280ACB38-255A-46C4-8476-5EBED5F8E428}" dt="2024-09-16T01:35:50.494" v="868" actId="478"/>
+          <ac:spMkLst>
+            <pc:docMk/>
+            <pc:sldMk cId="3409250798" sldId="280"/>
+            <ac:spMk id="5" creationId="{8CA6F484-B968-C59E-A6D7-9292E4E46439}"/>
+          </ac:spMkLst>
+        </pc:spChg>
+        <pc:spChg chg="mod">
+          <ac:chgData name="Mohammed Amine BAGDOURI" userId="e89d4c646e9a864e" providerId="LiveId" clId="{280ACB38-255A-46C4-8476-5EBED5F8E428}" dt="2024-09-16T01:34:12.446" v="867" actId="20577"/>
+          <ac:spMkLst>
+            <pc:docMk/>
+            <pc:sldMk cId="3409250798" sldId="280"/>
+            <ac:spMk id="19" creationId="{25D04C93-F343-AB2A-40B9-ECB00D065A9A}"/>
+          </ac:spMkLst>
+        </pc:spChg>
       </pc:sldChg>
     </pc:docChg>
   </pc:docChgLst>
@@ -1541,7 +1661,7 @@
           <a:p>
             <a:fld id="{D7555D10-7538-40E9-AAF0-FAB234593202}" type="datetimeFigureOut">
               <a:rPr lang="en-US" smtClean="0"/>
-              <a:t>2024-09-09</a:t>
+              <a:t>2024-09-16</a:t>
             </a:fld>
             <a:endParaRPr lang="en-US"/>
           </a:p>
@@ -2050,7 +2170,7 @@
     </p:spTree>
     <p:extLst>
       <p:ext uri="{BB962C8B-B14F-4D97-AF65-F5344CB8AC3E}">
-        <p14:creationId xmlns:p14="http://schemas.microsoft.com/office/powerpoint/2010/main" val="239664255"/>
+        <p14:creationId xmlns:p14="http://schemas.microsoft.com/office/powerpoint/2010/main" val="212268982"/>
       </p:ext>
     </p:extLst>
   </p:cSld>
@@ -2134,7 +2254,7 @@
     </p:spTree>
     <p:extLst>
       <p:ext uri="{BB962C8B-B14F-4D97-AF65-F5344CB8AC3E}">
-        <p14:creationId xmlns:p14="http://schemas.microsoft.com/office/powerpoint/2010/main" val="900344795"/>
+        <p14:creationId xmlns:p14="http://schemas.microsoft.com/office/powerpoint/2010/main" val="2445401843"/>
       </p:ext>
     </p:extLst>
   </p:cSld>
@@ -2210,6 +2330,258 @@
             <a:fld id="{3972A699-31B3-45FC-B984-BCDED1A6FD7F}" type="slidenum">
               <a:rPr lang="en-US" smtClean="0"/>
               <a:t>6</a:t>
+            </a:fld>
+            <a:endParaRPr lang="en-US"/>
+          </a:p>
+        </p:txBody>
+      </p:sp>
+    </p:spTree>
+    <p:extLst>
+      <p:ext uri="{BB962C8B-B14F-4D97-AF65-F5344CB8AC3E}">
+        <p14:creationId xmlns:p14="http://schemas.microsoft.com/office/powerpoint/2010/main" val="1285789266"/>
+      </p:ext>
+    </p:extLst>
+  </p:cSld>
+  <p:clrMapOvr>
+    <a:masterClrMapping/>
+  </p:clrMapOvr>
+</p:notes>
+</file>
+
+<file path=ppt/notesSlides/notesSlide6.xml><?xml version="1.0" encoding="utf-8"?>
+<p:notes xmlns:a="http://schemas.openxmlformats.org/drawingml/2006/main" xmlns:r="http://schemas.openxmlformats.org/officeDocument/2006/relationships" xmlns:p="http://schemas.openxmlformats.org/presentationml/2006/main">
+  <p:cSld>
+    <p:spTree>
+      <p:nvGrpSpPr>
+        <p:cNvPr id="1" name=""/>
+        <p:cNvGrpSpPr/>
+        <p:nvPr/>
+      </p:nvGrpSpPr>
+      <p:grpSpPr>
+        <a:xfrm>
+          <a:off x="0" y="0"/>
+          <a:ext cx="0" cy="0"/>
+          <a:chOff x="0" y="0"/>
+          <a:chExt cx="0" cy="0"/>
+        </a:xfrm>
+      </p:grpSpPr>
+      <p:sp>
+        <p:nvSpPr>
+          <p:cNvPr id="2" name="Slide Image Placeholder 1"/>
+          <p:cNvSpPr>
+            <a:spLocks noGrp="1" noRot="1" noChangeAspect="1"/>
+          </p:cNvSpPr>
+          <p:nvPr>
+            <p:ph type="sldImg"/>
+          </p:nvPr>
+        </p:nvSpPr>
+        <p:spPr/>
+      </p:sp>
+      <p:sp>
+        <p:nvSpPr>
+          <p:cNvPr id="3" name="Notes Placeholder 2"/>
+          <p:cNvSpPr>
+            <a:spLocks noGrp="1"/>
+          </p:cNvSpPr>
+          <p:nvPr>
+            <p:ph type="body" idx="1"/>
+          </p:nvPr>
+        </p:nvSpPr>
+        <p:spPr/>
+        <p:txBody>
+          <a:bodyPr/>
+          <a:lstStyle/>
+          <a:p>
+            <a:endParaRPr lang="en-US"/>
+          </a:p>
+        </p:txBody>
+      </p:sp>
+      <p:sp>
+        <p:nvSpPr>
+          <p:cNvPr id="4" name="Slide Number Placeholder 3"/>
+          <p:cNvSpPr>
+            <a:spLocks noGrp="1"/>
+          </p:cNvSpPr>
+          <p:nvPr>
+            <p:ph type="sldNum" sz="quarter" idx="5"/>
+          </p:nvPr>
+        </p:nvSpPr>
+        <p:spPr/>
+        <p:txBody>
+          <a:bodyPr/>
+          <a:lstStyle/>
+          <a:p>
+            <a:fld id="{3972A699-31B3-45FC-B984-BCDED1A6FD7F}" type="slidenum">
+              <a:rPr lang="en-US" smtClean="0"/>
+              <a:t>7</a:t>
+            </a:fld>
+            <a:endParaRPr lang="en-US"/>
+          </a:p>
+        </p:txBody>
+      </p:sp>
+    </p:spTree>
+    <p:extLst>
+      <p:ext uri="{BB962C8B-B14F-4D97-AF65-F5344CB8AC3E}">
+        <p14:creationId xmlns:p14="http://schemas.microsoft.com/office/powerpoint/2010/main" val="239664255"/>
+      </p:ext>
+    </p:extLst>
+  </p:cSld>
+  <p:clrMapOvr>
+    <a:masterClrMapping/>
+  </p:clrMapOvr>
+</p:notes>
+</file>
+
+<file path=ppt/notesSlides/notesSlide7.xml><?xml version="1.0" encoding="utf-8"?>
+<p:notes xmlns:a="http://schemas.openxmlformats.org/drawingml/2006/main" xmlns:r="http://schemas.openxmlformats.org/officeDocument/2006/relationships" xmlns:p="http://schemas.openxmlformats.org/presentationml/2006/main">
+  <p:cSld>
+    <p:spTree>
+      <p:nvGrpSpPr>
+        <p:cNvPr id="1" name=""/>
+        <p:cNvGrpSpPr/>
+        <p:nvPr/>
+      </p:nvGrpSpPr>
+      <p:grpSpPr>
+        <a:xfrm>
+          <a:off x="0" y="0"/>
+          <a:ext cx="0" cy="0"/>
+          <a:chOff x="0" y="0"/>
+          <a:chExt cx="0" cy="0"/>
+        </a:xfrm>
+      </p:grpSpPr>
+      <p:sp>
+        <p:nvSpPr>
+          <p:cNvPr id="2" name="Slide Image Placeholder 1"/>
+          <p:cNvSpPr>
+            <a:spLocks noGrp="1" noRot="1" noChangeAspect="1"/>
+          </p:cNvSpPr>
+          <p:nvPr>
+            <p:ph type="sldImg"/>
+          </p:nvPr>
+        </p:nvSpPr>
+        <p:spPr/>
+      </p:sp>
+      <p:sp>
+        <p:nvSpPr>
+          <p:cNvPr id="3" name="Notes Placeholder 2"/>
+          <p:cNvSpPr>
+            <a:spLocks noGrp="1"/>
+          </p:cNvSpPr>
+          <p:nvPr>
+            <p:ph type="body" idx="1"/>
+          </p:nvPr>
+        </p:nvSpPr>
+        <p:spPr/>
+        <p:txBody>
+          <a:bodyPr/>
+          <a:lstStyle/>
+          <a:p>
+            <a:endParaRPr lang="en-US"/>
+          </a:p>
+        </p:txBody>
+      </p:sp>
+      <p:sp>
+        <p:nvSpPr>
+          <p:cNvPr id="4" name="Slide Number Placeholder 3"/>
+          <p:cNvSpPr>
+            <a:spLocks noGrp="1"/>
+          </p:cNvSpPr>
+          <p:nvPr>
+            <p:ph type="sldNum" sz="quarter" idx="5"/>
+          </p:nvPr>
+        </p:nvSpPr>
+        <p:spPr/>
+        <p:txBody>
+          <a:bodyPr/>
+          <a:lstStyle/>
+          <a:p>
+            <a:fld id="{3972A699-31B3-45FC-B984-BCDED1A6FD7F}" type="slidenum">
+              <a:rPr lang="en-US" smtClean="0"/>
+              <a:t>8</a:t>
+            </a:fld>
+            <a:endParaRPr lang="en-US"/>
+          </a:p>
+        </p:txBody>
+      </p:sp>
+    </p:spTree>
+    <p:extLst>
+      <p:ext uri="{BB962C8B-B14F-4D97-AF65-F5344CB8AC3E}">
+        <p14:creationId xmlns:p14="http://schemas.microsoft.com/office/powerpoint/2010/main" val="900344795"/>
+      </p:ext>
+    </p:extLst>
+  </p:cSld>
+  <p:clrMapOvr>
+    <a:masterClrMapping/>
+  </p:clrMapOvr>
+</p:notes>
+</file>
+
+<file path=ppt/notesSlides/notesSlide8.xml><?xml version="1.0" encoding="utf-8"?>
+<p:notes xmlns:a="http://schemas.openxmlformats.org/drawingml/2006/main" xmlns:r="http://schemas.openxmlformats.org/officeDocument/2006/relationships" xmlns:p="http://schemas.openxmlformats.org/presentationml/2006/main">
+  <p:cSld>
+    <p:spTree>
+      <p:nvGrpSpPr>
+        <p:cNvPr id="1" name=""/>
+        <p:cNvGrpSpPr/>
+        <p:nvPr/>
+      </p:nvGrpSpPr>
+      <p:grpSpPr>
+        <a:xfrm>
+          <a:off x="0" y="0"/>
+          <a:ext cx="0" cy="0"/>
+          <a:chOff x="0" y="0"/>
+          <a:chExt cx="0" cy="0"/>
+        </a:xfrm>
+      </p:grpSpPr>
+      <p:sp>
+        <p:nvSpPr>
+          <p:cNvPr id="2" name="Slide Image Placeholder 1"/>
+          <p:cNvSpPr>
+            <a:spLocks noGrp="1" noRot="1" noChangeAspect="1"/>
+          </p:cNvSpPr>
+          <p:nvPr>
+            <p:ph type="sldImg"/>
+          </p:nvPr>
+        </p:nvSpPr>
+        <p:spPr/>
+      </p:sp>
+      <p:sp>
+        <p:nvSpPr>
+          <p:cNvPr id="3" name="Notes Placeholder 2"/>
+          <p:cNvSpPr>
+            <a:spLocks noGrp="1"/>
+          </p:cNvSpPr>
+          <p:nvPr>
+            <p:ph type="body" idx="1"/>
+          </p:nvPr>
+        </p:nvSpPr>
+        <p:spPr/>
+        <p:txBody>
+          <a:bodyPr/>
+          <a:lstStyle/>
+          <a:p>
+            <a:endParaRPr lang="en-US"/>
+          </a:p>
+        </p:txBody>
+      </p:sp>
+      <p:sp>
+        <p:nvSpPr>
+          <p:cNvPr id="4" name="Slide Number Placeholder 3"/>
+          <p:cNvSpPr>
+            <a:spLocks noGrp="1"/>
+          </p:cNvSpPr>
+          <p:nvPr>
+            <p:ph type="sldNum" sz="quarter" idx="5"/>
+          </p:nvPr>
+        </p:nvSpPr>
+        <p:spPr/>
+        <p:txBody>
+          <a:bodyPr/>
+          <a:lstStyle/>
+          <a:p>
+            <a:fld id="{3972A699-31B3-45FC-B984-BCDED1A6FD7F}" type="slidenum">
+              <a:rPr lang="en-US" smtClean="0"/>
+              <a:t>9</a:t>
             </a:fld>
             <a:endParaRPr lang="en-US"/>
           </a:p>
@@ -2375,7 +2747,7 @@
           <a:p>
             <a:fld id="{4A6147B4-E7DD-4AC4-BAAD-51EE4B9B08EB}" type="datetime1">
               <a:rPr lang="en-US" smtClean="0"/>
-              <a:t>2024-09-09</a:t>
+              <a:t>2024-09-16</a:t>
             </a:fld>
             <a:endParaRPr lang="en-US"/>
           </a:p>
@@ -2573,7 +2945,7 @@
           <a:p>
             <a:fld id="{D23D5D02-40B5-47A6-968B-7DDE7E2FE649}" type="datetime1">
               <a:rPr lang="en-US" smtClean="0"/>
-              <a:t>2024-09-09</a:t>
+              <a:t>2024-09-16</a:t>
             </a:fld>
             <a:endParaRPr lang="en-US"/>
           </a:p>
@@ -2781,7 +3153,7 @@
           <a:p>
             <a:fld id="{BCE36555-30F3-42DB-B8A4-70344020D5E6}" type="datetime1">
               <a:rPr lang="en-US" smtClean="0"/>
-              <a:t>2024-09-09</a:t>
+              <a:t>2024-09-16</a:t>
             </a:fld>
             <a:endParaRPr lang="en-US"/>
           </a:p>
@@ -2979,7 +3351,7 @@
           <a:p>
             <a:fld id="{BE2E8BBC-CE59-4EF0-A8F5-6EDC39203219}" type="datetime1">
               <a:rPr lang="en-US" smtClean="0"/>
-              <a:t>2024-09-09</a:t>
+              <a:t>2024-09-16</a:t>
             </a:fld>
             <a:endParaRPr lang="en-US"/>
           </a:p>
@@ -3254,7 +3626,7 @@
           <a:p>
             <a:fld id="{8D544647-B72D-4DEB-BC44-F072785F550E}" type="datetime1">
               <a:rPr lang="en-US" smtClean="0"/>
-              <a:t>2024-09-09</a:t>
+              <a:t>2024-09-16</a:t>
             </a:fld>
             <a:endParaRPr lang="en-US"/>
           </a:p>
@@ -3519,7 +3891,7 @@
           <a:p>
             <a:fld id="{E57B1BAF-F4DD-48DF-925E-01042C0460AF}" type="datetime1">
               <a:rPr lang="en-US" smtClean="0"/>
-              <a:t>2024-09-09</a:t>
+              <a:t>2024-09-16</a:t>
             </a:fld>
             <a:endParaRPr lang="en-US"/>
           </a:p>
@@ -3931,7 +4303,7 @@
           <a:p>
             <a:fld id="{E49C53FD-BE73-4D65-BE4C-5F924192171F}" type="datetime1">
               <a:rPr lang="en-US" smtClean="0"/>
-              <a:t>2024-09-09</a:t>
+              <a:t>2024-09-16</a:t>
             </a:fld>
             <a:endParaRPr lang="en-US"/>
           </a:p>
@@ -4072,7 +4444,7 @@
           <a:p>
             <a:fld id="{8BB01644-912B-4D6B-A648-4C3A4F875F69}" type="datetime1">
               <a:rPr lang="en-US" smtClean="0"/>
-              <a:t>2024-09-09</a:t>
+              <a:t>2024-09-16</a:t>
             </a:fld>
             <a:endParaRPr lang="en-US"/>
           </a:p>
@@ -4185,7 +4557,7 @@
           <a:p>
             <a:fld id="{F7202A4B-BF76-4AC0-A72E-E6034EA489A3}" type="datetime1">
               <a:rPr lang="en-US" smtClean="0"/>
-              <a:t>2024-09-09</a:t>
+              <a:t>2024-09-16</a:t>
             </a:fld>
             <a:endParaRPr lang="en-US"/>
           </a:p>
@@ -4496,7 +4868,7 @@
           <a:p>
             <a:fld id="{CB066C2F-B7E4-4C4F-A1BB-A68394687FDD}" type="datetime1">
               <a:rPr lang="en-US" smtClean="0"/>
-              <a:t>2024-09-09</a:t>
+              <a:t>2024-09-16</a:t>
             </a:fld>
             <a:endParaRPr lang="en-US"/>
           </a:p>
@@ -4784,7 +5156,7 @@
           <a:p>
             <a:fld id="{2DF42606-6751-4471-9EAA-5E71A7CA8DE9}" type="datetime1">
               <a:rPr lang="en-US" smtClean="0"/>
-              <a:t>2024-09-09</a:t>
+              <a:t>2024-09-16</a:t>
             </a:fld>
             <a:endParaRPr lang="en-US"/>
           </a:p>
@@ -5025,7 +5397,7 @@
           <a:p>
             <a:fld id="{1C940A13-7204-44F5-A053-3C567CA673DB}" type="datetime1">
               <a:rPr lang="en-US" smtClean="0"/>
-              <a:t>2024-09-09</a:t>
+              <a:t>2024-09-16</a:t>
             </a:fld>
             <a:endParaRPr lang="en-US"/>
           </a:p>
@@ -8722,17 +9094,17 @@
             <a:pPr algn="ctr"/>
             <a:r>
               <a:rPr lang="en-US" sz="4400" b="1" dirty="0"/>
-              <a:t>Service</a:t>
+              <a:t>DTO</a:t>
             </a:r>
           </a:p>
         </p:txBody>
       </p:sp>
       <p:sp>
         <p:nvSpPr>
-          <p:cNvPr id="2" name="Rectangle 1">
+          <p:cNvPr id="3" name="Rectangle 1">
             <a:extLst>
               <a:ext uri="{FF2B5EF4-FFF2-40B4-BE49-F238E27FC236}">
-                <a16:creationId xmlns:a16="http://schemas.microsoft.com/office/drawing/2014/main" id="{A18784C6-629D-E065-3D67-57A31C290F2A}"/>
+                <a16:creationId xmlns:a16="http://schemas.microsoft.com/office/drawing/2014/main" id="{57683809-C31E-C95C-D069-C3317E8E17F3}"/>
               </a:ext>
             </a:extLst>
           </p:cNvPr>
@@ -8743,8 +9115,8 @@
         </p:nvSpPr>
         <p:spPr bwMode="auto">
           <a:xfrm>
-            <a:off x="4484451" y="2728636"/>
-            <a:ext cx="3223097" cy="1938992"/>
+            <a:off x="4905983" y="2702696"/>
+            <a:ext cx="2380034" cy="1938992"/>
           </a:xfrm>
           <a:prstGeom prst="rect">
             <a:avLst/>
@@ -8804,7 +9176,7 @@
               <a:tabLst/>
             </a:pPr>
             <a:r>
-              <a:rPr kumimoji="0" lang="en-US" altLang="en-US" sz="1200" i="1" u="none" strike="noStrike" cap="none" normalizeH="0" baseline="0" dirty="0">
+              <a:rPr kumimoji="0" lang="en-US" altLang="en-US" sz="1200" b="0" i="1" u="none" strike="noStrike" cap="none" normalizeH="0" baseline="0">
                 <a:ln>
                   <a:noFill/>
                 </a:ln>
@@ -8814,10 +9186,10 @@
                 <a:effectLst/>
                 <a:latin typeface="JetBrains Mono"/>
               </a:rPr>
-              <a:t>@Service</a:t>
+              <a:t>@Getter</a:t>
             </a:r>
             <a:br>
-              <a:rPr kumimoji="0" lang="en-US" altLang="en-US" sz="1200" i="1" u="none" strike="noStrike" cap="none" normalizeH="0" baseline="0" dirty="0">
+              <a:rPr kumimoji="0" lang="en-US" altLang="en-US" sz="1200" b="0" i="1" u="none" strike="noStrike" cap="none" normalizeH="0" baseline="0">
                 <a:ln>
                   <a:noFill/>
                 </a:ln>
@@ -8829,7 +9201,7 @@
               </a:rPr>
             </a:br>
             <a:r>
-              <a:rPr kumimoji="0" lang="en-US" altLang="en-US" sz="1200" i="1" u="none" strike="noStrike" cap="none" normalizeH="0" baseline="0" dirty="0">
+              <a:rPr kumimoji="0" lang="en-US" altLang="en-US" sz="1200" b="0" i="1" u="none" strike="noStrike" cap="none" normalizeH="0" baseline="0">
                 <a:ln>
                   <a:noFill/>
                 </a:ln>
@@ -8839,10 +9211,10 @@
                 <a:effectLst/>
                 <a:latin typeface="JetBrains Mono"/>
               </a:rPr>
-              <a:t>@AllArgsConstructor</a:t>
+              <a:t>@Setter</a:t>
             </a:r>
             <a:br>
-              <a:rPr kumimoji="0" lang="en-US" altLang="en-US" sz="1200" i="1" u="none" strike="noStrike" cap="none" normalizeH="0" baseline="0" dirty="0">
+              <a:rPr kumimoji="0" lang="en-US" altLang="en-US" sz="1200" b="0" i="1" u="none" strike="noStrike" cap="none" normalizeH="0" baseline="0">
                 <a:ln>
                   <a:noFill/>
                 </a:ln>
@@ -8854,7 +9226,57 @@
               </a:rPr>
             </a:br>
             <a:r>
-              <a:rPr kumimoji="0" lang="en-US" altLang="en-US" sz="1200" i="1" u="none" strike="noStrike" cap="none" normalizeH="0" baseline="0" dirty="0">
+              <a:rPr kumimoji="0" lang="en-US" altLang="en-US" sz="1200" b="0" i="1" u="none" strike="noStrike" cap="none" normalizeH="0" baseline="0">
+                <a:ln>
+                  <a:noFill/>
+                </a:ln>
+                <a:solidFill>
+                  <a:srgbClr val="B3AE60"/>
+                </a:solidFill>
+                <a:effectLst/>
+                <a:latin typeface="JetBrains Mono"/>
+              </a:rPr>
+              <a:t>@ToString</a:t>
+            </a:r>
+            <a:br>
+              <a:rPr kumimoji="0" lang="en-US" altLang="en-US" sz="1200" b="0" i="1" u="none" strike="noStrike" cap="none" normalizeH="0" baseline="0">
+                <a:ln>
+                  <a:noFill/>
+                </a:ln>
+                <a:solidFill>
+                  <a:srgbClr val="B3AE60"/>
+                </a:solidFill>
+                <a:effectLst/>
+                <a:latin typeface="JetBrains Mono"/>
+              </a:rPr>
+            </a:br>
+            <a:r>
+              <a:rPr kumimoji="0" lang="en-US" altLang="en-US" sz="1200" b="0" i="1" u="none" strike="noStrike" cap="none" normalizeH="0" baseline="0">
+                <a:ln>
+                  <a:noFill/>
+                </a:ln>
+                <a:solidFill>
+                  <a:srgbClr val="B3AE60"/>
+                </a:solidFill>
+                <a:effectLst/>
+                <a:latin typeface="JetBrains Mono"/>
+              </a:rPr>
+              <a:t>@EqualsAndHashCode</a:t>
+            </a:r>
+            <a:br>
+              <a:rPr kumimoji="0" lang="en-US" altLang="en-US" sz="1200" b="0" i="1" u="none" strike="noStrike" cap="none" normalizeH="0" baseline="0">
+                <a:ln>
+                  <a:noFill/>
+                </a:ln>
+                <a:solidFill>
+                  <a:srgbClr val="B3AE60"/>
+                </a:solidFill>
+                <a:effectLst/>
+                <a:latin typeface="JetBrains Mono"/>
+              </a:rPr>
+            </a:br>
+            <a:r>
+              <a:rPr kumimoji="0" lang="en-US" altLang="en-US" sz="1200" b="0" i="1" u="none" strike="noStrike" cap="none" normalizeH="0" baseline="0">
                 <a:ln>
                   <a:noFill/>
                 </a:ln>
@@ -8867,7 +9289,7 @@
               <a:t>public class </a:t>
             </a:r>
             <a:r>
-              <a:rPr kumimoji="0" lang="en-US" altLang="en-US" sz="1200" i="1" u="none" strike="noStrike" cap="none" normalizeH="0" baseline="0" dirty="0" err="1">
+              <a:rPr kumimoji="0" lang="en-US" altLang="en-US" sz="1200" b="0" i="1" u="none" strike="noStrike" cap="none" normalizeH="0" baseline="0">
                 <a:ln>
                   <a:noFill/>
                 </a:ln>
@@ -8877,10 +9299,10 @@
                 <a:effectLst/>
                 <a:latin typeface="JetBrains Mono"/>
               </a:rPr>
-              <a:t>UserService</a:t>
-            </a:r>
-            <a:r>
-              <a:rPr kumimoji="0" lang="en-US" altLang="en-US" sz="1200" i="1" u="none" strike="noStrike" cap="none" normalizeH="0" baseline="0" dirty="0">
+              <a:t>UserDto {</a:t>
+            </a:r>
+            <a:br>
+              <a:rPr kumimoji="0" lang="en-US" altLang="en-US" sz="1200" b="0" i="1" u="none" strike="noStrike" cap="none" normalizeH="0" baseline="0">
                 <a:ln>
                   <a:noFill/>
                 </a:ln>
@@ -8890,10 +9312,74 @@
                 <a:effectLst/>
                 <a:latin typeface="JetBrains Mono"/>
               </a:rPr>
-              <a:t> {</a:t>
+            </a:br>
+            <a:r>
+              <a:rPr kumimoji="0" lang="en-US" altLang="en-US" sz="1200" b="0" i="1" u="none" strike="noStrike" cap="none" normalizeH="0" baseline="0">
+                <a:ln>
+                  <a:noFill/>
+                </a:ln>
+                <a:solidFill>
+                  <a:srgbClr val="BCBEC4"/>
+                </a:solidFill>
+                <a:effectLst/>
+                <a:latin typeface="JetBrains Mono"/>
+              </a:rPr>
+              <a:t>    </a:t>
+            </a:r>
+            <a:r>
+              <a:rPr kumimoji="0" lang="en-US" altLang="en-US" sz="1200" b="0" i="1" u="none" strike="noStrike" cap="none" normalizeH="0" baseline="0">
+                <a:ln>
+                  <a:noFill/>
+                </a:ln>
+                <a:solidFill>
+                  <a:srgbClr val="CF8E6D"/>
+                </a:solidFill>
+                <a:effectLst/>
+                <a:latin typeface="JetBrains Mono"/>
+              </a:rPr>
+              <a:t>private </a:t>
+            </a:r>
+            <a:r>
+              <a:rPr kumimoji="0" lang="en-US" altLang="en-US" sz="1200" b="0" i="1" u="none" strike="noStrike" cap="none" normalizeH="0" baseline="0">
+                <a:ln>
+                  <a:noFill/>
+                </a:ln>
+                <a:solidFill>
+                  <a:srgbClr val="BCBEC4"/>
+                </a:solidFill>
+                <a:effectLst/>
+                <a:latin typeface="JetBrains Mono"/>
+              </a:rPr>
+              <a:t>String </a:t>
+            </a:r>
+            <a:r>
+              <a:rPr kumimoji="0" lang="en-US" altLang="en-US" sz="1200" b="0" i="1" u="none" strike="noStrike" cap="none" normalizeH="0" baseline="0">
+                <a:ln>
+                  <a:noFill/>
+                </a:ln>
+                <a:solidFill>
+                  <a:srgbClr val="C77DBB"/>
+                </a:solidFill>
+                <a:effectLst/>
+                <a:latin typeface="JetBrains Mono"/>
+              </a:rPr>
+              <a:t>id</a:t>
+            </a:r>
+            <a:r>
+              <a:rPr kumimoji="0" lang="en-US" altLang="en-US" sz="1200" b="0" i="1" u="none" strike="noStrike" cap="none" normalizeH="0" baseline="0">
+                <a:ln>
+                  <a:noFill/>
+                </a:ln>
+                <a:solidFill>
+                  <a:srgbClr val="BCBEC4"/>
+                </a:solidFill>
+                <a:effectLst/>
+                <a:latin typeface="JetBrains Mono"/>
+              </a:rPr>
+              <a:t>;</a:t>
             </a:r>
             <a:br>
-              <a:rPr kumimoji="0" lang="en-US" altLang="en-US" sz="1200" i="1" u="none" strike="noStrike" cap="none" normalizeH="0" baseline="0" dirty="0">
+              <a:rPr kumimoji="0" lang="en-US" altLang="en-US" sz="1200" b="0" i="1" u="none" strike="noStrike" cap="none" normalizeH="0" baseline="0">
                 <a:ln>
                   <a:noFill/>
                 </a:ln>
@@ -8904,8 +9390,73 @@
                 <a:latin typeface="JetBrains Mono"/>
               </a:rPr>
             </a:br>
+            <a:r>
+              <a:rPr kumimoji="0" lang="en-US" altLang="en-US" sz="1200" b="0" i="1" u="none" strike="noStrike" cap="none" normalizeH="0" baseline="0">
+                <a:ln>
+                  <a:noFill/>
+                </a:ln>
+                <a:solidFill>
+                  <a:srgbClr val="BCBEC4"/>
+                </a:solidFill>
+                <a:effectLst/>
+                <a:latin typeface="JetBrains Mono"/>
+              </a:rPr>
+              <a:t>    </a:t>
+            </a:r>
+            <a:r>
+              <a:rPr kumimoji="0" lang="en-US" altLang="en-US" sz="1200" b="0" i="1" u="none" strike="noStrike" cap="none" normalizeH="0" baseline="0">
+                <a:ln>
+                  <a:noFill/>
+                </a:ln>
+                <a:solidFill>
+                  <a:srgbClr val="CF8E6D"/>
+                </a:solidFill>
+                <a:effectLst/>
+                <a:latin typeface="JetBrains Mono"/>
+              </a:rPr>
+              <a:t>private </a:t>
+            </a:r>
+            <a:r>
+              <a:rPr kumimoji="0" lang="en-US" altLang="en-US" sz="1200" b="0" i="1" u="none" strike="noStrike" cap="none" normalizeH="0" baseline="0">
+                <a:ln>
+                  <a:noFill/>
+                </a:ln>
+                <a:solidFill>
+                  <a:srgbClr val="BCBEC4"/>
+                </a:solidFill>
+                <a:effectLst/>
+                <a:latin typeface="JetBrains Mono"/>
+              </a:rPr>
+              <a:t>String </a:t>
+            </a:r>
+            <a:r>
+              <a:rPr kumimoji="0" lang="en-US" altLang="en-US" sz="1200" b="0" i="1" u="none" strike="noStrike" cap="none" normalizeH="0" baseline="0">
+                <a:ln>
+                  <a:noFill/>
+                </a:ln>
+                <a:solidFill>
+                  <a:srgbClr val="C77DBB"/>
+                </a:solidFill>
+                <a:effectLst/>
+                <a:latin typeface="JetBrains Mono"/>
+              </a:rPr>
+              <a:t>firstName</a:t>
+            </a:r>
+            <a:r>
+              <a:rPr kumimoji="0" lang="en-US" altLang="en-US" sz="1200" b="0" i="1" u="none" strike="noStrike" cap="none" normalizeH="0" baseline="0">
+                <a:ln>
+                  <a:noFill/>
+                </a:ln>
+                <a:solidFill>
+                  <a:srgbClr val="BCBEC4"/>
+                </a:solidFill>
+                <a:effectLst/>
+                <a:latin typeface="JetBrains Mono"/>
+              </a:rPr>
+              <a:t>;</a:t>
+            </a:r>
             <a:br>
-              <a:rPr kumimoji="0" lang="en-US" altLang="en-US" sz="1200" i="1" u="none" strike="noStrike" cap="none" normalizeH="0" baseline="0" dirty="0">
+              <a:rPr kumimoji="0" lang="en-US" altLang="en-US" sz="1200" b="0" i="1" u="none" strike="noStrike" cap="none" normalizeH="0" baseline="0">
                 <a:ln>
                   <a:noFill/>
                 </a:ln>
@@ -8917,7 +9468,7 @@
               </a:rPr>
             </a:br>
             <a:r>
-              <a:rPr kumimoji="0" lang="en-US" altLang="en-US" sz="1200" i="1" u="none" strike="noStrike" cap="none" normalizeH="0" baseline="0" dirty="0">
+              <a:rPr kumimoji="0" lang="en-US" altLang="en-US" sz="1200" b="0" i="1" u="none" strike="noStrike" cap="none" normalizeH="0" baseline="0">
                 <a:ln>
                   <a:noFill/>
                 </a:ln>
@@ -8930,7 +9481,7 @@
               <a:t>    </a:t>
             </a:r>
             <a:r>
-              <a:rPr kumimoji="0" lang="en-US" altLang="en-US" sz="1200" i="1" u="none" strike="noStrike" cap="none" normalizeH="0" baseline="0" dirty="0">
+              <a:rPr kumimoji="0" lang="en-US" altLang="en-US" sz="1200" b="0" i="1" u="none" strike="noStrike" cap="none" normalizeH="0" baseline="0">
                 <a:ln>
                   <a:noFill/>
                 </a:ln>
@@ -8940,10 +9491,10 @@
                 <a:effectLst/>
                 <a:latin typeface="JetBrains Mono"/>
               </a:rPr>
-              <a:t>private final </a:t>
-            </a:r>
-            <a:r>
-              <a:rPr kumimoji="0" lang="en-US" altLang="en-US" sz="1200" i="1" u="none" strike="noStrike" cap="none" normalizeH="0" baseline="0" dirty="0" err="1">
+              <a:t>private </a:t>
+            </a:r>
+            <a:r>
+              <a:rPr kumimoji="0" lang="en-US" altLang="en-US" sz="1200" b="0" i="1" u="none" strike="noStrike" cap="none" normalizeH="0" baseline="0">
                 <a:ln>
                   <a:noFill/>
                 </a:ln>
@@ -8953,10 +9504,23 @@
                 <a:effectLst/>
                 <a:latin typeface="JetBrains Mono"/>
               </a:rPr>
-              <a:t>UserRepository</a:t>
-            </a:r>
-            <a:r>
-              <a:rPr kumimoji="0" lang="en-US" altLang="en-US" sz="1200" i="1" u="none" strike="noStrike" cap="none" normalizeH="0" baseline="0" dirty="0">
+              <a:t>String </a:t>
+            </a:r>
+            <a:r>
+              <a:rPr kumimoji="0" lang="en-US" altLang="en-US" sz="1200" b="0" i="1" u="none" strike="noStrike" cap="none" normalizeH="0" baseline="0">
+                <a:ln>
+                  <a:noFill/>
+                </a:ln>
+                <a:solidFill>
+                  <a:srgbClr val="C77DBB"/>
+                </a:solidFill>
+                <a:effectLst/>
+                <a:latin typeface="JetBrains Mono"/>
+              </a:rPr>
+              <a:t>lastName</a:t>
+            </a:r>
+            <a:r>
+              <a:rPr kumimoji="0" lang="en-US" altLang="en-US" sz="1200" b="0" i="1" u="none" strike="noStrike" cap="none" normalizeH="0" baseline="0">
                 <a:ln>
                   <a:noFill/>
                 </a:ln>
@@ -8966,10 +9530,61 @@
                 <a:effectLst/>
                 <a:latin typeface="JetBrains Mono"/>
               </a:rPr>
-              <a:t> </a:t>
-            </a:r>
-            <a:r>
-              <a:rPr kumimoji="0" lang="en-US" altLang="en-US" sz="1200" i="1" u="none" strike="noStrike" cap="none" normalizeH="0" baseline="0" dirty="0" err="1">
+              <a:t>;</a:t>
+            </a:r>
+            <a:br>
+              <a:rPr kumimoji="0" lang="en-US" altLang="en-US" sz="1200" b="0" i="1" u="none" strike="noStrike" cap="none" normalizeH="0" baseline="0">
+                <a:ln>
+                  <a:noFill/>
+                </a:ln>
+                <a:solidFill>
+                  <a:srgbClr val="BCBEC4"/>
+                </a:solidFill>
+                <a:effectLst/>
+                <a:latin typeface="JetBrains Mono"/>
+              </a:rPr>
+            </a:br>
+            <a:r>
+              <a:rPr kumimoji="0" lang="en-US" altLang="en-US" sz="1200" b="0" i="1" u="none" strike="noStrike" cap="none" normalizeH="0" baseline="0">
+                <a:ln>
+                  <a:noFill/>
+                </a:ln>
+                <a:solidFill>
+                  <a:srgbClr val="BCBEC4"/>
+                </a:solidFill>
+                <a:effectLst/>
+                <a:latin typeface="JetBrains Mono"/>
+              </a:rPr>
+              <a:t>    </a:t>
+            </a:r>
+            <a:r>
+              <a:rPr kumimoji="0" lang="en-US" altLang="en-US" sz="1200" b="0" i="1" u="none" strike="noStrike" cap="none" normalizeH="0" baseline="0">
+                <a:ln>
+                  <a:noFill/>
+                </a:ln>
+                <a:solidFill>
+                  <a:srgbClr val="CF8E6D"/>
+                </a:solidFill>
+                <a:effectLst/>
+                <a:latin typeface="JetBrains Mono"/>
+              </a:rPr>
+              <a:t>private </a:t>
+            </a:r>
+            <a:r>
+              <a:rPr kumimoji="0" lang="en-US" altLang="en-US" sz="1200" b="0" i="1" u="none" strike="noStrike" cap="none" normalizeH="0" baseline="0">
+                <a:ln>
+                  <a:noFill/>
+                </a:ln>
+                <a:solidFill>
+                  <a:srgbClr val="BCBEC4"/>
+                </a:solidFill>
+                <a:effectLst/>
+                <a:latin typeface="JetBrains Mono"/>
+              </a:rPr>
+              <a:t>LocalDate </a:t>
+            </a:r>
+            <a:r>
+              <a:rPr kumimoji="0" lang="en-US" altLang="en-US" sz="1200" b="0" i="1" u="none" strike="noStrike" cap="none" normalizeH="0" baseline="0">
                 <a:ln>
                   <a:noFill/>
                 </a:ln>
@@ -8979,10 +9594,10 @@
                 <a:effectLst/>
                 <a:latin typeface="JetBrains Mono"/>
               </a:rPr>
-              <a:t>userRepository</a:t>
-            </a:r>
-            <a:r>
-              <a:rPr kumimoji="0" lang="en-US" altLang="en-US" sz="1200" i="1" u="none" strike="noStrike" cap="none" normalizeH="0" baseline="0" dirty="0">
+              <a:t>birthDate</a:t>
+            </a:r>
+            <a:r>
+              <a:rPr kumimoji="0" lang="en-US" altLang="en-US" sz="1200" b="0" i="1" u="none" strike="noStrike" cap="none" normalizeH="0" baseline="0">
                 <a:ln>
                   <a:noFill/>
                 </a:ln>
@@ -8995,7 +9610,7 @@
               <a:t>;</a:t>
             </a:r>
             <a:br>
-              <a:rPr kumimoji="0" lang="en-US" altLang="en-US" sz="1200" i="1" u="none" strike="noStrike" cap="none" normalizeH="0" baseline="0" dirty="0">
+              <a:rPr kumimoji="0" lang="en-US" altLang="en-US" sz="1200" b="0" i="1" u="none" strike="noStrike" cap="none" normalizeH="0" baseline="0">
                 <a:ln>
                   <a:noFill/>
                 </a:ln>
@@ -9006,8 +9621,8 @@
                 <a:latin typeface="JetBrains Mono"/>
               </a:rPr>
             </a:br>
-            <a:br>
-              <a:rPr kumimoji="0" lang="en-US" altLang="en-US" sz="1200" i="1" u="none" strike="noStrike" cap="none" normalizeH="0" baseline="0" dirty="0">
+            <a:r>
+              <a:rPr kumimoji="0" lang="en-US" altLang="en-US" sz="1200" b="0" i="1" u="none" strike="noStrike" cap="none" normalizeH="0" baseline="0">
                 <a:ln>
                   <a:noFill/>
                 </a:ln>
@@ -9017,213 +9632,9 @@
                 <a:effectLst/>
                 <a:latin typeface="JetBrains Mono"/>
               </a:rPr>
-            </a:br>
-            <a:r>
-              <a:rPr kumimoji="0" lang="en-US" altLang="en-US" sz="1200" i="1" u="none" strike="noStrike" cap="none" normalizeH="0" baseline="0" dirty="0">
-                <a:ln>
-                  <a:noFill/>
-                </a:ln>
-                <a:solidFill>
-                  <a:srgbClr val="BCBEC4"/>
-                </a:solidFill>
-                <a:effectLst/>
-                <a:latin typeface="JetBrains Mono"/>
-              </a:rPr>
-              <a:t>    </a:t>
-            </a:r>
-            <a:r>
-              <a:rPr kumimoji="0" lang="en-US" altLang="en-US" sz="1200" i="1" u="none" strike="noStrike" cap="none" normalizeH="0" baseline="0" dirty="0">
-                <a:ln>
-                  <a:noFill/>
-                </a:ln>
-                <a:solidFill>
-                  <a:srgbClr val="CF8E6D"/>
-                </a:solidFill>
-                <a:effectLst/>
-                <a:latin typeface="JetBrains Mono"/>
-              </a:rPr>
-              <a:t>public </a:t>
-            </a:r>
-            <a:r>
-              <a:rPr kumimoji="0" lang="en-US" altLang="en-US" sz="1200" i="1" u="none" strike="noStrike" cap="none" normalizeH="0" baseline="0" dirty="0" err="1">
-                <a:ln>
-                  <a:noFill/>
-                </a:ln>
-                <a:solidFill>
-                  <a:srgbClr val="BCBEC4"/>
-                </a:solidFill>
-                <a:effectLst/>
-                <a:latin typeface="JetBrains Mono"/>
-              </a:rPr>
-              <a:t>UserDto</a:t>
-            </a:r>
-            <a:r>
-              <a:rPr kumimoji="0" lang="en-US" altLang="en-US" sz="1200" i="1" u="none" strike="noStrike" cap="none" normalizeH="0" baseline="0" dirty="0">
-                <a:ln>
-                  <a:noFill/>
-                </a:ln>
-                <a:solidFill>
-                  <a:srgbClr val="CF8E6D"/>
-                </a:solidFill>
-                <a:effectLst/>
-                <a:latin typeface="JetBrains Mono"/>
-              </a:rPr>
-              <a:t> </a:t>
-            </a:r>
-            <a:r>
-              <a:rPr kumimoji="0" lang="en-US" altLang="en-US" sz="1200" i="1" u="none" strike="noStrike" cap="none" normalizeH="0" baseline="0" dirty="0" err="1">
-                <a:ln>
-                  <a:noFill/>
-                </a:ln>
-                <a:solidFill>
-                  <a:srgbClr val="56A8F5"/>
-                </a:solidFill>
-                <a:effectLst/>
-                <a:latin typeface="JetBrains Mono"/>
-              </a:rPr>
-              <a:t>createUser</a:t>
-            </a:r>
-            <a:r>
-              <a:rPr kumimoji="0" lang="en-US" altLang="en-US" sz="1200" i="1" u="none" strike="noStrike" cap="none" normalizeH="0" baseline="0" dirty="0">
-                <a:ln>
-                  <a:noFill/>
-                </a:ln>
-                <a:solidFill>
-                  <a:srgbClr val="BCBEC4"/>
-                </a:solidFill>
-                <a:effectLst/>
-                <a:latin typeface="JetBrains Mono"/>
-              </a:rPr>
-              <a:t>(</a:t>
-            </a:r>
-            <a:r>
-              <a:rPr kumimoji="0" lang="en-US" altLang="en-US" sz="1200" i="1" u="none" strike="noStrike" cap="none" normalizeH="0" baseline="0" dirty="0" err="1">
-                <a:ln>
-                  <a:noFill/>
-                </a:ln>
-                <a:solidFill>
-                  <a:srgbClr val="BCBEC4"/>
-                </a:solidFill>
-                <a:effectLst/>
-                <a:latin typeface="JetBrains Mono"/>
-              </a:rPr>
-              <a:t>UserDto</a:t>
-            </a:r>
-            <a:r>
-              <a:rPr kumimoji="0" lang="en-US" altLang="en-US" sz="1200" i="1" u="none" strike="noStrike" cap="none" normalizeH="0" baseline="0" dirty="0">
-                <a:ln>
-                  <a:noFill/>
-                </a:ln>
-                <a:solidFill>
-                  <a:srgbClr val="BCBEC4"/>
-                </a:solidFill>
-                <a:effectLst/>
-                <a:latin typeface="JetBrains Mono"/>
-              </a:rPr>
-              <a:t> user) {</a:t>
-            </a:r>
-            <a:br>
-              <a:rPr kumimoji="0" lang="en-US" altLang="en-US" sz="1200" i="1" u="none" strike="noStrike" cap="none" normalizeH="0" baseline="0" dirty="0">
-                <a:ln>
-                  <a:noFill/>
-                </a:ln>
-                <a:solidFill>
-                  <a:srgbClr val="BCBEC4"/>
-                </a:solidFill>
-                <a:effectLst/>
-                <a:latin typeface="JetBrains Mono"/>
-              </a:rPr>
-            </a:br>
-            <a:r>
-              <a:rPr kumimoji="0" lang="en-US" altLang="en-US" sz="1200" i="1" u="none" strike="noStrike" cap="none" normalizeH="0" baseline="0" dirty="0">
-                <a:ln>
-                  <a:noFill/>
-                </a:ln>
-                <a:solidFill>
-                  <a:srgbClr val="BCBEC4"/>
-                </a:solidFill>
-                <a:effectLst/>
-                <a:latin typeface="JetBrains Mono"/>
-              </a:rPr>
-              <a:t>        </a:t>
-            </a:r>
-            <a:r>
-              <a:rPr kumimoji="0" lang="en-US" altLang="en-US" sz="1200" i="1" u="none" strike="noStrike" cap="none" normalizeH="0" baseline="0" dirty="0">
-                <a:ln>
-                  <a:noFill/>
-                </a:ln>
-                <a:solidFill>
-                  <a:srgbClr val="7A7E85"/>
-                </a:solidFill>
-                <a:effectLst/>
-                <a:latin typeface="JetBrains Mono"/>
-              </a:rPr>
-              <a:t>...</a:t>
-            </a:r>
-            <a:br>
-              <a:rPr kumimoji="0" lang="en-US" altLang="en-US" sz="1200" i="1" u="none" strike="noStrike" cap="none" normalizeH="0" baseline="0" dirty="0">
-                <a:ln>
-                  <a:noFill/>
-                </a:ln>
-                <a:solidFill>
-                  <a:srgbClr val="7A7E85"/>
-                </a:solidFill>
-                <a:effectLst/>
-                <a:latin typeface="JetBrains Mono"/>
-              </a:rPr>
-            </a:br>
-            <a:r>
-              <a:rPr kumimoji="0" lang="en-US" altLang="en-US" sz="1200" i="1" u="none" strike="noStrike" cap="none" normalizeH="0" baseline="0" dirty="0">
-                <a:ln>
-                  <a:noFill/>
-                </a:ln>
-                <a:solidFill>
-                  <a:srgbClr val="7A7E85"/>
-                </a:solidFill>
-                <a:effectLst/>
-                <a:latin typeface="JetBrains Mono"/>
-              </a:rPr>
-              <a:t>    </a:t>
-            </a:r>
-            <a:r>
-              <a:rPr kumimoji="0" lang="en-US" altLang="en-US" sz="1200" i="1" u="none" strike="noStrike" cap="none" normalizeH="0" baseline="0" dirty="0">
-                <a:ln>
-                  <a:noFill/>
-                </a:ln>
-                <a:solidFill>
-                  <a:srgbClr val="BCBEC4"/>
-                </a:solidFill>
-                <a:effectLst/>
-                <a:latin typeface="JetBrains Mono"/>
-              </a:rPr>
               <a:t>}</a:t>
             </a:r>
-            <a:br>
-              <a:rPr kumimoji="0" lang="en-US" altLang="en-US" sz="1200" i="1" u="none" strike="noStrike" cap="none" normalizeH="0" baseline="0" dirty="0">
-                <a:ln>
-                  <a:noFill/>
-                </a:ln>
-                <a:solidFill>
-                  <a:srgbClr val="BCBEC4"/>
-                </a:solidFill>
-                <a:effectLst/>
-                <a:latin typeface="JetBrains Mono"/>
-              </a:rPr>
-            </a:br>
-            <a:r>
-              <a:rPr kumimoji="0" lang="en-US" altLang="en-US" sz="1200" i="1" u="none" strike="noStrike" cap="none" normalizeH="0" baseline="0" dirty="0">
-                <a:ln>
-                  <a:noFill/>
-                </a:ln>
-                <a:solidFill>
-                  <a:srgbClr val="BCBEC4"/>
-                </a:solidFill>
-                <a:effectLst/>
-                <a:latin typeface="JetBrains Mono"/>
-              </a:rPr>
-              <a:t>}</a:t>
-            </a:r>
-            <a:endParaRPr kumimoji="0" lang="en-US" altLang="en-US" sz="1800" i="1" u="none" strike="noStrike" cap="none" normalizeH="0" baseline="0" dirty="0">
+            <a:endParaRPr kumimoji="0" lang="en-US" altLang="en-US" sz="1800" b="0" i="1" u="none" strike="noStrike" cap="none" normalizeH="0" baseline="0">
               <a:ln>
                 <a:noFill/>
               </a:ln>
@@ -9239,7 +9650,7 @@
     </p:spTree>
     <p:extLst>
       <p:ext uri="{BB962C8B-B14F-4D97-AF65-F5344CB8AC3E}">
-        <p14:creationId xmlns:p14="http://schemas.microsoft.com/office/powerpoint/2010/main" val="1516357171"/>
+        <p14:creationId xmlns:p14="http://schemas.microsoft.com/office/powerpoint/2010/main" val="1740456557"/>
       </p:ext>
     </p:extLst>
   </p:cSld>
@@ -9297,17 +9708,17 @@
             <a:pPr algn="ctr"/>
             <a:r>
               <a:rPr lang="en-US" sz="4400" b="1" dirty="0"/>
-              <a:t>Controller</a:t>
+              <a:t>Entity</a:t>
             </a:r>
           </a:p>
         </p:txBody>
       </p:sp>
       <p:sp>
         <p:nvSpPr>
-          <p:cNvPr id="5" name="Rectangle 3">
+          <p:cNvPr id="2" name="Rectangle 1">
             <a:extLst>
               <a:ext uri="{FF2B5EF4-FFF2-40B4-BE49-F238E27FC236}">
-                <a16:creationId xmlns:a16="http://schemas.microsoft.com/office/drawing/2014/main" id="{8CA6F484-B968-C59E-A6D7-9292E4E46439}"/>
+                <a16:creationId xmlns:a16="http://schemas.microsoft.com/office/drawing/2014/main" id="{2A863B4B-289A-96A9-78C2-20E13CE13523}"/>
               </a:ext>
             </a:extLst>
           </p:cNvPr>
@@ -9318,8 +9729,8 @@
         </p:nvSpPr>
         <p:spPr bwMode="auto">
           <a:xfrm>
-            <a:off x="4056434" y="2699613"/>
-            <a:ext cx="4079132" cy="2308324"/>
+            <a:off x="4977319" y="2471091"/>
+            <a:ext cx="2237362" cy="2492990"/>
           </a:xfrm>
           <a:prstGeom prst="rect">
             <a:avLst/>
@@ -9389,7 +9800,7 @@
                 <a:effectLst/>
                 <a:latin typeface="JetBrains Mono"/>
               </a:rPr>
-              <a:t>@RestController</a:t>
+              <a:t>@Entity</a:t>
             </a:r>
             <a:br>
               <a:rPr kumimoji="0" lang="en-US" altLang="en-US" sz="1200" b="0" i="1" u="none" strike="noStrike" cap="none" normalizeH="0" baseline="0" dirty="0">
@@ -9414,46 +9825,7 @@
                 <a:effectLst/>
                 <a:latin typeface="JetBrains Mono"/>
               </a:rPr>
-              <a:t>@RequestMapping</a:t>
-            </a:r>
-            <a:r>
-              <a:rPr kumimoji="0" lang="en-US" altLang="en-US" sz="1200" b="0" i="1" u="none" strike="noStrike" cap="none" normalizeH="0" baseline="0" dirty="0">
-                <a:ln>
-                  <a:noFill/>
-                </a:ln>
-                <a:solidFill>
-                  <a:srgbClr val="BCBEC4"/>
-                </a:solidFill>
-                <a:effectLst/>
-                <a:latin typeface="JetBrains Mono"/>
-              </a:rPr>
-              <a:t>(</a:t>
-            </a:r>
-            <a:r>
-              <a:rPr kumimoji="0" lang="en-US" altLang="en-US" sz="1200" b="0" i="1" u="none" strike="noStrike" cap="none" normalizeH="0" baseline="0" dirty="0">
-                <a:ln>
-                  <a:noFill/>
-                </a:ln>
-                <a:solidFill>
-                  <a:srgbClr val="6AAB73"/>
-                </a:solidFill>
-                <a:effectLst/>
-                <a:latin typeface="JetBrains Mono"/>
-              </a:rPr>
-              <a:t>"users"</a:t>
-            </a:r>
-            <a:r>
-              <a:rPr kumimoji="0" lang="en-US" altLang="en-US" sz="1200" b="0" i="1" u="none" strike="noStrike" cap="none" normalizeH="0" baseline="0" dirty="0">
-                <a:ln>
-                  <a:noFill/>
-                </a:ln>
-                <a:solidFill>
-                  <a:srgbClr val="BCBEC4"/>
-                </a:solidFill>
-                <a:effectLst/>
-                <a:latin typeface="JetBrains Mono"/>
-              </a:rPr>
-              <a:t>)</a:t>
+              <a:t>@Getter</a:t>
             </a:r>
             <a:br>
               <a:rPr kumimoji="0" lang="en-US" altLang="en-US" sz="1200" b="0" i="1" u="none" strike="noStrike" cap="none" normalizeH="0" baseline="0" dirty="0">
@@ -9461,7 +9833,7 @@
                   <a:noFill/>
                 </a:ln>
                 <a:solidFill>
-                  <a:srgbClr val="BCBEC4"/>
+                  <a:srgbClr val="B3AE60"/>
                 </a:solidFill>
                 <a:effectLst/>
                 <a:latin typeface="JetBrains Mono"/>
@@ -9478,7 +9850,7 @@
                 <a:effectLst/>
                 <a:latin typeface="JetBrains Mono"/>
               </a:rPr>
-              <a:t>@AllArgsConstructor</a:t>
+              <a:t>@Setter</a:t>
             </a:r>
             <a:br>
               <a:rPr kumimoji="0" lang="en-US" altLang="en-US" sz="1200" b="0" i="1" u="none" strike="noStrike" cap="none" normalizeH="0" baseline="0" dirty="0">
@@ -9498,38 +9870,12 @@
                   <a:noFill/>
                 </a:ln>
                 <a:solidFill>
-                  <a:srgbClr val="CF8E6D"/>
-                </a:solidFill>
-                <a:effectLst/>
-                <a:latin typeface="JetBrains Mono"/>
-              </a:rPr>
-              <a:t>public class </a:t>
-            </a:r>
-            <a:r>
-              <a:rPr kumimoji="0" lang="en-US" altLang="en-US" sz="1200" b="0" i="1" u="none" strike="noStrike" cap="none" normalizeH="0" baseline="0" dirty="0" err="1">
-                <a:ln>
-                  <a:noFill/>
-                </a:ln>
-                <a:solidFill>
-                  <a:srgbClr val="BCBEC4"/>
-                </a:solidFill>
-                <a:effectLst/>
-                <a:latin typeface="JetBrains Mono"/>
-              </a:rPr>
-              <a:t>UserController</a:t>
-            </a:r>
-            <a:r>
-              <a:rPr kumimoji="0" lang="en-US" altLang="en-US" sz="1200" b="0" i="1" u="none" strike="noStrike" cap="none" normalizeH="0" baseline="0" dirty="0">
-                <a:ln>
-                  <a:noFill/>
-                </a:ln>
-                <a:solidFill>
-                  <a:srgbClr val="BCBEC4"/>
-                </a:solidFill>
-                <a:effectLst/>
-                <a:latin typeface="JetBrains Mono"/>
-              </a:rPr>
-              <a:t> {</a:t>
+                  <a:srgbClr val="B3AE60"/>
+                </a:solidFill>
+                <a:effectLst/>
+                <a:latin typeface="JetBrains Mono"/>
+              </a:rPr>
+              <a:t>@ToString</a:t>
             </a:r>
             <a:br>
               <a:rPr kumimoji="0" lang="en-US" altLang="en-US" sz="1200" b="0" i="1" u="none" strike="noStrike" cap="none" normalizeH="0" baseline="0" dirty="0">
@@ -9537,24 +9883,37 @@
                   <a:noFill/>
                 </a:ln>
                 <a:solidFill>
+                  <a:srgbClr val="B3AE60"/>
+                </a:solidFill>
+                <a:effectLst/>
+                <a:latin typeface="JetBrains Mono"/>
+              </a:rPr>
+            </a:br>
+            <a:r>
+              <a:rPr kumimoji="0" lang="en-US" altLang="en-US" sz="1200" b="0" i="1" u="none" strike="noStrike" cap="none" normalizeH="0" baseline="0" dirty="0">
+                <a:ln>
+                  <a:noFill/>
+                </a:ln>
+                <a:solidFill>
+                  <a:srgbClr val="CF8E6D"/>
+                </a:solidFill>
+                <a:effectLst/>
+                <a:latin typeface="JetBrains Mono"/>
+              </a:rPr>
+              <a:t>public class </a:t>
+            </a:r>
+            <a:r>
+              <a:rPr kumimoji="0" lang="en-US" altLang="en-US" sz="1200" b="0" i="1" u="none" strike="noStrike" cap="none" normalizeH="0" baseline="0" dirty="0">
+                <a:ln>
+                  <a:noFill/>
+                </a:ln>
+                <a:solidFill>
                   <a:srgbClr val="BCBEC4"/>
                 </a:solidFill>
                 <a:effectLst/>
                 <a:latin typeface="JetBrains Mono"/>
               </a:rPr>
-            </a:br>
-            <a:r>
-              <a:rPr kumimoji="0" lang="en-US" altLang="en-US" sz="1200" b="0" i="1" u="none" strike="noStrike" cap="none" normalizeH="0" baseline="0" dirty="0">
-                <a:ln>
-                  <a:noFill/>
-                </a:ln>
-                <a:solidFill>
-                  <a:srgbClr val="BCBEC4"/>
-                </a:solidFill>
-                <a:effectLst/>
-                <a:latin typeface="JetBrains Mono"/>
-              </a:rPr>
-              <a:t>    </a:t>
+              <a:t>User {</a:t>
             </a:r>
             <a:br>
               <a:rPr kumimoji="0" lang="en-US" altLang="en-US" sz="1200" b="0" i="1" u="none" strike="noStrike" cap="none" normalizeH="0" baseline="0" dirty="0">
@@ -9581,71 +9940,6 @@
               </a:rPr>
               <a:t>    </a:t>
             </a:r>
-            <a:r>
-              <a:rPr kumimoji="0" lang="en-US" altLang="en-US" sz="1200" b="0" i="1" u="none" strike="noStrike" cap="none" normalizeH="0" baseline="0" dirty="0">
-                <a:ln>
-                  <a:noFill/>
-                </a:ln>
-                <a:solidFill>
-                  <a:srgbClr val="CF8E6D"/>
-                </a:solidFill>
-                <a:effectLst/>
-                <a:latin typeface="JetBrains Mono"/>
-              </a:rPr>
-              <a:t>private final </a:t>
-            </a:r>
-            <a:r>
-              <a:rPr kumimoji="0" lang="en-US" altLang="en-US" sz="1200" b="0" i="1" u="none" strike="noStrike" cap="none" normalizeH="0" baseline="0" dirty="0" err="1">
-                <a:ln>
-                  <a:noFill/>
-                </a:ln>
-                <a:solidFill>
-                  <a:srgbClr val="BCBEC4"/>
-                </a:solidFill>
-                <a:effectLst/>
-                <a:latin typeface="JetBrains Mono"/>
-              </a:rPr>
-              <a:t>UserService</a:t>
-            </a:r>
-            <a:r>
-              <a:rPr kumimoji="0" lang="en-US" altLang="en-US" sz="1200" b="0" i="1" u="none" strike="noStrike" cap="none" normalizeH="0" baseline="0" dirty="0">
-                <a:ln>
-                  <a:noFill/>
-                </a:ln>
-                <a:solidFill>
-                  <a:srgbClr val="BCBEC4"/>
-                </a:solidFill>
-                <a:effectLst/>
-                <a:latin typeface="JetBrains Mono"/>
-              </a:rPr>
-              <a:t> </a:t>
-            </a:r>
-            <a:r>
-              <a:rPr kumimoji="0" lang="en-US" altLang="en-US" sz="1200" b="0" i="1" u="none" strike="noStrike" cap="none" normalizeH="0" baseline="0" dirty="0" err="1">
-                <a:ln>
-                  <a:noFill/>
-                </a:ln>
-                <a:solidFill>
-                  <a:srgbClr val="C77DBB"/>
-                </a:solidFill>
-                <a:effectLst/>
-                <a:latin typeface="JetBrains Mono"/>
-              </a:rPr>
-              <a:t>userService</a:t>
-            </a:r>
-            <a:r>
-              <a:rPr kumimoji="0" lang="en-US" altLang="en-US" sz="1200" b="0" i="1" u="none" strike="noStrike" cap="none" normalizeH="0" baseline="0" dirty="0">
-                <a:ln>
-                  <a:noFill/>
-                </a:ln>
-                <a:solidFill>
-                  <a:srgbClr val="BCBEC4"/>
-                </a:solidFill>
-                <a:effectLst/>
-                <a:latin typeface="JetBrains Mono"/>
-              </a:rPr>
-              <a:t>;</a:t>
-            </a:r>
             <a:br>
               <a:rPr kumimoji="0" lang="en-US" altLang="en-US" sz="1200" b="0" i="1" u="none" strike="noStrike" cap="none" normalizeH="0" baseline="0" dirty="0">
                 <a:ln>
@@ -9671,43 +9965,95 @@
               </a:rPr>
               <a:t>    </a:t>
             </a:r>
+            <a:r>
+              <a:rPr kumimoji="0" lang="en-US" altLang="en-US" sz="1200" b="0" i="1" u="none" strike="noStrike" cap="none" normalizeH="0" baseline="0" dirty="0">
+                <a:ln>
+                  <a:noFill/>
+                </a:ln>
+                <a:solidFill>
+                  <a:srgbClr val="B3AE60"/>
+                </a:solidFill>
+                <a:effectLst/>
+                <a:latin typeface="JetBrains Mono"/>
+              </a:rPr>
+              <a:t>@Id</a:t>
+            </a:r>
             <a:br>
               <a:rPr kumimoji="0" lang="en-US" altLang="en-US" sz="1200" b="0" i="1" u="none" strike="noStrike" cap="none" normalizeH="0" baseline="0" dirty="0">
                 <a:ln>
                   <a:noFill/>
                 </a:ln>
                 <a:solidFill>
+                  <a:srgbClr val="B3AE60"/>
+                </a:solidFill>
+                <a:effectLst/>
+                <a:latin typeface="JetBrains Mono"/>
+              </a:rPr>
+            </a:br>
+            <a:r>
+              <a:rPr kumimoji="0" lang="en-US" altLang="en-US" sz="1200" b="0" i="1" u="none" strike="noStrike" cap="none" normalizeH="0" baseline="0" dirty="0">
+                <a:ln>
+                  <a:noFill/>
+                </a:ln>
+                <a:solidFill>
+                  <a:srgbClr val="B3AE60"/>
+                </a:solidFill>
+                <a:effectLst/>
+                <a:latin typeface="JetBrains Mono"/>
+              </a:rPr>
+              <a:t>    </a:t>
+            </a:r>
+            <a:r>
+              <a:rPr kumimoji="0" lang="en-US" altLang="en-US" sz="1200" b="0" i="1" u="none" strike="noStrike" cap="none" normalizeH="0" baseline="0" dirty="0">
+                <a:ln>
+                  <a:noFill/>
+                </a:ln>
+                <a:solidFill>
+                  <a:srgbClr val="CF8E6D"/>
+                </a:solidFill>
+                <a:effectLst/>
+                <a:latin typeface="JetBrains Mono"/>
+              </a:rPr>
+              <a:t>private </a:t>
+            </a:r>
+            <a:r>
+              <a:rPr kumimoji="0" lang="en-US" altLang="en-US" sz="1200" b="0" i="1" u="none" strike="noStrike" cap="none" normalizeH="0" baseline="0" dirty="0">
+                <a:ln>
+                  <a:noFill/>
+                </a:ln>
+                <a:solidFill>
                   <a:srgbClr val="BCBEC4"/>
                 </a:solidFill>
                 <a:effectLst/>
                 <a:latin typeface="JetBrains Mono"/>
               </a:rPr>
-            </a:br>
+              <a:t>String </a:t>
+            </a:r>
             <a:r>
               <a:rPr kumimoji="0" lang="en-US" altLang="en-US" sz="1200" b="0" i="1" u="none" strike="noStrike" cap="none" normalizeH="0" baseline="0" dirty="0">
                 <a:ln>
                   <a:noFill/>
                 </a:ln>
                 <a:solidFill>
+                  <a:srgbClr val="C77DBB"/>
+                </a:solidFill>
+                <a:effectLst/>
+                <a:latin typeface="JetBrains Mono"/>
+              </a:rPr>
+              <a:t>id</a:t>
+            </a:r>
+            <a:r>
+              <a:rPr kumimoji="0" lang="en-US" altLang="en-US" sz="1200" b="0" i="1" u="none" strike="noStrike" cap="none" normalizeH="0" baseline="0" dirty="0">
+                <a:ln>
+                  <a:noFill/>
+                </a:ln>
+                <a:solidFill>
                   <a:srgbClr val="BCBEC4"/>
                 </a:solidFill>
                 <a:effectLst/>
                 <a:latin typeface="JetBrains Mono"/>
               </a:rPr>
-              <a:t>    </a:t>
-            </a:r>
-            <a:r>
-              <a:rPr kumimoji="0" lang="en-US" altLang="en-US" sz="1200" b="0" i="1" u="none" strike="noStrike" cap="none" normalizeH="0" baseline="0" dirty="0">
-                <a:ln>
-                  <a:noFill/>
-                </a:ln>
-                <a:solidFill>
-                  <a:srgbClr val="B3AE60"/>
-                </a:solidFill>
-                <a:effectLst/>
-                <a:latin typeface="JetBrains Mono"/>
-              </a:rPr>
-              <a:t>@PostMapping</a:t>
+              <a:t>;</a:t>
             </a:r>
             <a:br>
               <a:rPr kumimoji="0" lang="en-US" altLang="en-US" sz="1200" b="0" i="1" u="none" strike="noStrike" cap="none" normalizeH="0" baseline="0" dirty="0">
@@ -9715,7 +10061,7 @@
                   <a:noFill/>
                 </a:ln>
                 <a:solidFill>
-                  <a:srgbClr val="B3AE60"/>
+                  <a:srgbClr val="BCBEC4"/>
                 </a:solidFill>
                 <a:effectLst/>
                 <a:latin typeface="JetBrains Mono"/>
@@ -9727,116 +10073,12 @@
                   <a:noFill/>
                 </a:ln>
                 <a:solidFill>
-                  <a:srgbClr val="B3AE60"/>
+                  <a:srgbClr val="BCBEC4"/>
                 </a:solidFill>
                 <a:effectLst/>
                 <a:latin typeface="JetBrains Mono"/>
               </a:rPr>
               <a:t>    </a:t>
-            </a:r>
-            <a:r>
-              <a:rPr kumimoji="0" lang="en-US" altLang="en-US" sz="1200" b="0" i="1" u="none" strike="noStrike" cap="none" normalizeH="0" baseline="0" dirty="0">
-                <a:ln>
-                  <a:noFill/>
-                </a:ln>
-                <a:solidFill>
-                  <a:srgbClr val="CF8E6D"/>
-                </a:solidFill>
-                <a:effectLst/>
-                <a:latin typeface="JetBrains Mono"/>
-              </a:rPr>
-              <a:t>public </a:t>
-            </a:r>
-            <a:r>
-              <a:rPr kumimoji="0" lang="en-US" altLang="en-US" sz="1200" b="0" i="1" u="none" strike="noStrike" cap="none" normalizeH="0" baseline="0" dirty="0" err="1">
-                <a:ln>
-                  <a:noFill/>
-                </a:ln>
-                <a:solidFill>
-                  <a:srgbClr val="BCBEC4"/>
-                </a:solidFill>
-                <a:effectLst/>
-                <a:latin typeface="JetBrains Mono"/>
-              </a:rPr>
-              <a:t>UserDto</a:t>
-            </a:r>
-            <a:r>
-              <a:rPr kumimoji="0" lang="en-US" altLang="en-US" sz="1200" b="0" i="1" u="none" strike="noStrike" cap="none" normalizeH="0" baseline="0" dirty="0">
-                <a:ln>
-                  <a:noFill/>
-                </a:ln>
-                <a:solidFill>
-                  <a:srgbClr val="BCBEC4"/>
-                </a:solidFill>
-                <a:effectLst/>
-                <a:latin typeface="JetBrains Mono"/>
-              </a:rPr>
-              <a:t> </a:t>
-            </a:r>
-            <a:r>
-              <a:rPr kumimoji="0" lang="en-US" altLang="en-US" sz="1200" b="0" i="1" u="none" strike="noStrike" cap="none" normalizeH="0" baseline="0" dirty="0" err="1">
-                <a:ln>
-                  <a:noFill/>
-                </a:ln>
-                <a:solidFill>
-                  <a:srgbClr val="56A8F5"/>
-                </a:solidFill>
-                <a:effectLst/>
-                <a:latin typeface="JetBrains Mono"/>
-              </a:rPr>
-              <a:t>createUser</a:t>
-            </a:r>
-            <a:r>
-              <a:rPr kumimoji="0" lang="en-US" altLang="en-US" sz="1200" b="0" i="1" u="none" strike="noStrike" cap="none" normalizeH="0" baseline="0" dirty="0">
-                <a:ln>
-                  <a:noFill/>
-                </a:ln>
-                <a:solidFill>
-                  <a:srgbClr val="BCBEC4"/>
-                </a:solidFill>
-                <a:effectLst/>
-                <a:latin typeface="JetBrains Mono"/>
-              </a:rPr>
-              <a:t>(</a:t>
-            </a:r>
-            <a:r>
-              <a:rPr kumimoji="0" lang="en-US" altLang="en-US" sz="1200" b="0" i="1" u="none" strike="noStrike" cap="none" normalizeH="0" baseline="0" dirty="0">
-                <a:ln>
-                  <a:noFill/>
-                </a:ln>
-                <a:solidFill>
-                  <a:srgbClr val="B3AE60"/>
-                </a:solidFill>
-                <a:effectLst/>
-                <a:latin typeface="JetBrains Mono"/>
-              </a:rPr>
-              <a:t>@RequestBody </a:t>
-            </a:r>
-            <a:r>
-              <a:rPr kumimoji="0" lang="en-US" altLang="en-US" sz="1200" b="0" i="1" u="none" strike="noStrike" cap="none" normalizeH="0" baseline="0" dirty="0" err="1">
-                <a:ln>
-                  <a:noFill/>
-                </a:ln>
-                <a:solidFill>
-                  <a:srgbClr val="BCBEC4"/>
-                </a:solidFill>
-                <a:effectLst/>
-                <a:latin typeface="JetBrains Mono"/>
-              </a:rPr>
-              <a:t>UserDto</a:t>
-            </a:r>
-            <a:r>
-              <a:rPr kumimoji="0" lang="en-US" altLang="en-US" sz="1200" b="0" i="1" u="none" strike="noStrike" cap="none" normalizeH="0" baseline="0" dirty="0">
-                <a:ln>
-                  <a:noFill/>
-                </a:ln>
-                <a:solidFill>
-                  <a:srgbClr val="BCBEC4"/>
-                </a:solidFill>
-                <a:effectLst/>
-                <a:latin typeface="JetBrains Mono"/>
-              </a:rPr>
-              <a:t> user) {</a:t>
             </a:r>
             <a:br>
               <a:rPr kumimoji="0" lang="en-US" altLang="en-US" sz="1200" b="0" i="1" u="none" strike="noStrike" cap="none" normalizeH="0" baseline="0" dirty="0">
@@ -9861,7 +10103,7 @@
                 <a:effectLst/>
                 <a:latin typeface="JetBrains Mono"/>
               </a:rPr>
-              <a:t>        </a:t>
+              <a:t>    </a:t>
             </a:r>
             <a:r>
               <a:rPr kumimoji="0" lang="en-US" altLang="en-US" sz="1200" b="0" i="1" u="none" strike="noStrike" cap="none" normalizeH="0" baseline="0" dirty="0">
@@ -9874,7 +10116,20 @@
                 <a:effectLst/>
                 <a:latin typeface="JetBrains Mono"/>
               </a:rPr>
-              <a:t>return </a:t>
+              <a:t>private </a:t>
+            </a:r>
+            <a:r>
+              <a:rPr kumimoji="0" lang="en-US" altLang="en-US" sz="1200" b="0" i="1" u="none" strike="noStrike" cap="none" normalizeH="0" baseline="0" dirty="0">
+                <a:ln>
+                  <a:noFill/>
+                </a:ln>
+                <a:solidFill>
+                  <a:srgbClr val="BCBEC4"/>
+                </a:solidFill>
+                <a:effectLst/>
+                <a:latin typeface="JetBrains Mono"/>
+              </a:rPr>
+              <a:t>String </a:t>
             </a:r>
             <a:r>
               <a:rPr kumimoji="0" lang="en-US" altLang="en-US" sz="1200" b="0" i="1" u="none" strike="noStrike" cap="none" normalizeH="0" baseline="0" dirty="0" err="1">
@@ -9887,10 +10142,10 @@
                 <a:effectLst/>
                 <a:latin typeface="JetBrains Mono"/>
               </a:rPr>
-              <a:t>userService</a:t>
-            </a:r>
-            <a:r>
-              <a:rPr kumimoji="0" lang="en-US" altLang="en-US" sz="1200" b="0" i="1" u="none" strike="noStrike" cap="none" normalizeH="0" baseline="0" dirty="0" err="1">
+              <a:t>firstName</a:t>
+            </a:r>
+            <a:r>
+              <a:rPr kumimoji="0" lang="en-US" altLang="en-US" sz="1200" b="0" i="1" u="none" strike="noStrike" cap="none" normalizeH="0" baseline="0" dirty="0">
                 <a:ln>
                   <a:noFill/>
                 </a:ln>
@@ -9900,20 +10155,7 @@
                 <a:effectLst/>
                 <a:latin typeface="JetBrains Mono"/>
               </a:rPr>
-              <a:t>.createUser</a:t>
-            </a:r>
-            <a:r>
-              <a:rPr kumimoji="0" lang="en-US" altLang="en-US" sz="1200" b="0" i="1" u="none" strike="noStrike" cap="none" normalizeH="0" baseline="0" dirty="0">
-                <a:ln>
-                  <a:noFill/>
-                </a:ln>
-                <a:solidFill>
-                  <a:srgbClr val="BCBEC4"/>
-                </a:solidFill>
-                <a:effectLst/>
-                <a:latin typeface="JetBrains Mono"/>
-              </a:rPr>
-              <a:t>(user);</a:t>
+              <a:t>;</a:t>
             </a:r>
             <a:br>
               <a:rPr kumimoji="0" lang="en-US" altLang="en-US" sz="1200" b="0" i="1" u="none" strike="noStrike" cap="none" normalizeH="0" baseline="0" dirty="0">
@@ -9938,7 +10180,149 @@
                 <a:effectLst/>
                 <a:latin typeface="JetBrains Mono"/>
               </a:rPr>
-              <a:t>    }</a:t>
+              <a:t>    </a:t>
+            </a:r>
+            <a:r>
+              <a:rPr kumimoji="0" lang="en-US" altLang="en-US" sz="1200" b="0" i="1" u="none" strike="noStrike" cap="none" normalizeH="0" baseline="0" dirty="0">
+                <a:ln>
+                  <a:noFill/>
+                </a:ln>
+                <a:solidFill>
+                  <a:srgbClr val="CF8E6D"/>
+                </a:solidFill>
+                <a:effectLst/>
+                <a:latin typeface="JetBrains Mono"/>
+              </a:rPr>
+              <a:t>private </a:t>
+            </a:r>
+            <a:r>
+              <a:rPr kumimoji="0" lang="en-US" altLang="en-US" sz="1200" b="0" i="1" u="none" strike="noStrike" cap="none" normalizeH="0" baseline="0" dirty="0">
+                <a:ln>
+                  <a:noFill/>
+                </a:ln>
+                <a:solidFill>
+                  <a:srgbClr val="BCBEC4"/>
+                </a:solidFill>
+                <a:effectLst/>
+                <a:latin typeface="JetBrains Mono"/>
+              </a:rPr>
+              <a:t>String </a:t>
+            </a:r>
+            <a:r>
+              <a:rPr kumimoji="0" lang="en-US" altLang="en-US" sz="1200" b="0" i="1" u="none" strike="noStrike" cap="none" normalizeH="0" baseline="0" dirty="0" err="1">
+                <a:ln>
+                  <a:noFill/>
+                </a:ln>
+                <a:solidFill>
+                  <a:srgbClr val="C77DBB"/>
+                </a:solidFill>
+                <a:effectLst/>
+                <a:latin typeface="JetBrains Mono"/>
+              </a:rPr>
+              <a:t>lastName</a:t>
+            </a:r>
+            <a:r>
+              <a:rPr kumimoji="0" lang="en-US" altLang="en-US" sz="1200" b="0" i="1" u="none" strike="noStrike" cap="none" normalizeH="0" baseline="0" dirty="0">
+                <a:ln>
+                  <a:noFill/>
+                </a:ln>
+                <a:solidFill>
+                  <a:srgbClr val="BCBEC4"/>
+                </a:solidFill>
+                <a:effectLst/>
+                <a:latin typeface="JetBrains Mono"/>
+              </a:rPr>
+              <a:t>;</a:t>
+            </a:r>
+            <a:br>
+              <a:rPr kumimoji="0" lang="en-US" altLang="en-US" sz="1200" b="0" i="1" u="none" strike="noStrike" cap="none" normalizeH="0" baseline="0" dirty="0">
+                <a:ln>
+                  <a:noFill/>
+                </a:ln>
+                <a:solidFill>
+                  <a:srgbClr val="BCBEC4"/>
+                </a:solidFill>
+                <a:effectLst/>
+                <a:latin typeface="JetBrains Mono"/>
+              </a:rPr>
+            </a:br>
+            <a:r>
+              <a:rPr kumimoji="0" lang="en-US" altLang="en-US" sz="1200" b="0" i="1" u="none" strike="noStrike" cap="none" normalizeH="0" baseline="0" dirty="0">
+                <a:ln>
+                  <a:noFill/>
+                </a:ln>
+                <a:solidFill>
+                  <a:srgbClr val="BCBEC4"/>
+                </a:solidFill>
+                <a:effectLst/>
+                <a:latin typeface="JetBrains Mono"/>
+              </a:rPr>
+              <a:t>    </a:t>
+            </a:r>
+            <a:r>
+              <a:rPr kumimoji="0" lang="en-US" altLang="en-US" sz="1200" b="0" i="1" u="none" strike="noStrike" cap="none" normalizeH="0" baseline="0" dirty="0">
+                <a:ln>
+                  <a:noFill/>
+                </a:ln>
+                <a:solidFill>
+                  <a:srgbClr val="CF8E6D"/>
+                </a:solidFill>
+                <a:effectLst/>
+                <a:latin typeface="JetBrains Mono"/>
+              </a:rPr>
+              <a:t>private </a:t>
+            </a:r>
+            <a:r>
+              <a:rPr kumimoji="0" lang="en-US" altLang="en-US" sz="1200" b="0" i="1" u="none" strike="noStrike" cap="none" normalizeH="0" baseline="0" dirty="0" err="1">
+                <a:ln>
+                  <a:noFill/>
+                </a:ln>
+                <a:solidFill>
+                  <a:srgbClr val="BCBEC4"/>
+                </a:solidFill>
+                <a:effectLst/>
+                <a:latin typeface="JetBrains Mono"/>
+              </a:rPr>
+              <a:t>LocalDate</a:t>
+            </a:r>
+            <a:r>
+              <a:rPr kumimoji="0" lang="en-US" altLang="en-US" sz="1200" b="0" i="1" u="none" strike="noStrike" cap="none" normalizeH="0" baseline="0" dirty="0">
+                <a:ln>
+                  <a:noFill/>
+                </a:ln>
+                <a:solidFill>
+                  <a:srgbClr val="BCBEC4"/>
+                </a:solidFill>
+                <a:effectLst/>
+                <a:latin typeface="JetBrains Mono"/>
+              </a:rPr>
+              <a:t> </a:t>
+            </a:r>
+            <a:r>
+              <a:rPr kumimoji="0" lang="en-US" altLang="en-US" sz="1200" b="0" i="1" u="none" strike="noStrike" cap="none" normalizeH="0" baseline="0" dirty="0" err="1">
+                <a:ln>
+                  <a:noFill/>
+                </a:ln>
+                <a:solidFill>
+                  <a:srgbClr val="C77DBB"/>
+                </a:solidFill>
+                <a:effectLst/>
+                <a:latin typeface="JetBrains Mono"/>
+              </a:rPr>
+              <a:t>birthDate</a:t>
+            </a:r>
+            <a:r>
+              <a:rPr kumimoji="0" lang="en-US" altLang="en-US" sz="1200" b="0" i="1" u="none" strike="noStrike" cap="none" normalizeH="0" baseline="0" dirty="0">
+                <a:ln>
+                  <a:noFill/>
+                </a:ln>
+                <a:solidFill>
+                  <a:srgbClr val="BCBEC4"/>
+                </a:solidFill>
+                <a:effectLst/>
+                <a:latin typeface="JetBrains Mono"/>
+              </a:rPr>
+              <a:t>;</a:t>
             </a:r>
             <a:br>
               <a:rPr kumimoji="0" lang="en-US" altLang="en-US" sz="1200" b="0" i="1" u="none" strike="noStrike" cap="none" normalizeH="0" baseline="0" dirty="0">
@@ -9981,7 +10365,7 @@
     </p:spTree>
     <p:extLst>
       <p:ext uri="{BB962C8B-B14F-4D97-AF65-F5344CB8AC3E}">
-        <p14:creationId xmlns:p14="http://schemas.microsoft.com/office/powerpoint/2010/main" val="1964095133"/>
+        <p14:creationId xmlns:p14="http://schemas.microsoft.com/office/powerpoint/2010/main" val="2281188776"/>
       </p:ext>
     </p:extLst>
   </p:cSld>
@@ -10039,17 +10423,2017 @@
             <a:pPr algn="ctr"/>
             <a:r>
               <a:rPr lang="en-US" sz="4400" b="1" dirty="0"/>
-              <a:t>Spring Application Packages</a:t>
+              <a:t>Repository</a:t>
+            </a:r>
+          </a:p>
+        </p:txBody>
+      </p:sp>
+      <p:sp>
+        <p:nvSpPr>
+          <p:cNvPr id="2" name="Rectangle 1">
+            <a:extLst>
+              <a:ext uri="{FF2B5EF4-FFF2-40B4-BE49-F238E27FC236}">
+                <a16:creationId xmlns:a16="http://schemas.microsoft.com/office/drawing/2014/main" id="{D950613C-51C4-92A2-2666-CE608D1C9B85}"/>
+              </a:ext>
+            </a:extLst>
+          </p:cNvPr>
+          <p:cNvSpPr>
+            <a:spLocks noChangeArrowheads="1"/>
+          </p:cNvSpPr>
+          <p:nvPr/>
+        </p:nvSpPr>
+        <p:spPr bwMode="auto">
+          <a:xfrm>
+            <a:off x="2276272" y="2681379"/>
+            <a:ext cx="7639456" cy="1384995"/>
+          </a:xfrm>
+          <a:prstGeom prst="rect">
+            <a:avLst/>
+          </a:prstGeom>
+          <a:solidFill>
+            <a:srgbClr val="1E1F22"/>
+          </a:solidFill>
+          <a:ln>
+            <a:noFill/>
+          </a:ln>
+          <a:effectLst/>
+          <a:extLst>
+            <a:ext uri="{91240B29-F687-4F45-9708-019B960494DF}">
+              <a14:hiddenLine xmlns:a14="http://schemas.microsoft.com/office/drawing/2010/main" w="9525">
+                <a:solidFill>
+                  <a:schemeClr val="tx1"/>
+                </a:solidFill>
+                <a:miter lim="800000"/>
+                <a:headEnd/>
+                <a:tailEnd/>
+              </a14:hiddenLine>
+            </a:ext>
+            <a:ext uri="{AF507438-7753-43E0-B8FC-AC1667EBCBE1}">
+              <a14:hiddenEffects xmlns:a14="http://schemas.microsoft.com/office/drawing/2010/main">
+                <a:effectLst>
+                  <a:outerShdw dist="35921" dir="2700000" algn="ctr" rotWithShape="0">
+                    <a:schemeClr val="bg2"/>
+                  </a:outerShdw>
+                </a:effectLst>
+              </a14:hiddenEffects>
+            </a:ext>
+          </a:extLst>
+        </p:spPr>
+        <p:txBody>
+          <a:bodyPr vert="horz" wrap="square" lIns="91440" tIns="45720" rIns="91440" bIns="45720" numCol="1" anchor="ctr" anchorCtr="0" compatLnSpc="1">
+            <a:prstTxWarp prst="textNoShape">
+              <a:avLst/>
+            </a:prstTxWarp>
+            <a:spAutoFit/>
+          </a:bodyPr>
+          <a:lstStyle/>
+          <a:p>
+            <a:pPr marL="0" marR="0" lvl="0" indent="0" algn="l" defTabSz="914400" rtl="0" eaLnBrk="0" fontAlgn="base" latinLnBrk="0" hangingPunct="0">
+              <a:lnSpc>
+                <a:spcPct val="100000"/>
+              </a:lnSpc>
+              <a:spcBef>
+                <a:spcPct val="0"/>
+              </a:spcBef>
+              <a:spcAft>
+                <a:spcPct val="0"/>
+              </a:spcAft>
+              <a:buClrTx/>
+              <a:buSzTx/>
+              <a:buFontTx/>
+              <a:buNone/>
+              <a:tabLst/>
+            </a:pPr>
+            <a:r>
+              <a:rPr kumimoji="0" lang="en-US" altLang="en-US" sz="1200" b="0" i="1" u="none" strike="noStrike" cap="none" normalizeH="0" baseline="0" dirty="0">
+                <a:ln>
+                  <a:noFill/>
+                </a:ln>
+                <a:solidFill>
+                  <a:srgbClr val="B3AE60"/>
+                </a:solidFill>
+                <a:effectLst/>
+                <a:latin typeface="JetBrains Mono"/>
+              </a:rPr>
+              <a:t>@Repository</a:t>
+            </a:r>
+            <a:br>
+              <a:rPr kumimoji="0" lang="en-US" altLang="en-US" sz="1200" b="0" i="1" u="none" strike="noStrike" cap="none" normalizeH="0" baseline="0" dirty="0">
+                <a:ln>
+                  <a:noFill/>
+                </a:ln>
+                <a:solidFill>
+                  <a:srgbClr val="B3AE60"/>
+                </a:solidFill>
+                <a:effectLst/>
+                <a:latin typeface="JetBrains Mono"/>
+              </a:rPr>
+            </a:br>
+            <a:r>
+              <a:rPr kumimoji="0" lang="en-US" altLang="en-US" sz="1200" b="0" i="1" u="none" strike="noStrike" cap="none" normalizeH="0" baseline="0" dirty="0">
+                <a:ln>
+                  <a:noFill/>
+                </a:ln>
+                <a:solidFill>
+                  <a:srgbClr val="CF8E6D"/>
+                </a:solidFill>
+                <a:effectLst/>
+                <a:latin typeface="JetBrains Mono"/>
+              </a:rPr>
+              <a:t>public interface </a:t>
+            </a:r>
+            <a:r>
+              <a:rPr kumimoji="0" lang="en-US" altLang="en-US" sz="1200" b="0" i="1" u="none" strike="noStrike" cap="none" normalizeH="0" baseline="0" dirty="0" err="1">
+                <a:ln>
+                  <a:noFill/>
+                </a:ln>
+                <a:solidFill>
+                  <a:srgbClr val="BCBEC4"/>
+                </a:solidFill>
+                <a:effectLst/>
+                <a:latin typeface="JetBrains Mono"/>
+              </a:rPr>
+              <a:t>UserRepository</a:t>
+            </a:r>
+            <a:r>
+              <a:rPr kumimoji="0" lang="en-US" altLang="en-US" sz="1200" b="0" i="1" u="none" strike="noStrike" cap="none" normalizeH="0" baseline="0" dirty="0">
+                <a:ln>
+                  <a:noFill/>
+                </a:ln>
+                <a:solidFill>
+                  <a:srgbClr val="BCBEC4"/>
+                </a:solidFill>
+                <a:effectLst/>
+                <a:latin typeface="JetBrains Mono"/>
+              </a:rPr>
+              <a:t> </a:t>
+            </a:r>
+            <a:r>
+              <a:rPr kumimoji="0" lang="en-US" altLang="en-US" sz="1200" b="0" i="1" u="none" strike="noStrike" cap="none" normalizeH="0" baseline="0" dirty="0">
+                <a:ln>
+                  <a:noFill/>
+                </a:ln>
+                <a:solidFill>
+                  <a:srgbClr val="CF8E6D"/>
+                </a:solidFill>
+                <a:effectLst/>
+                <a:latin typeface="JetBrains Mono"/>
+              </a:rPr>
+              <a:t>extends </a:t>
+            </a:r>
+            <a:r>
+              <a:rPr kumimoji="0" lang="en-US" altLang="en-US" sz="1200" b="0" i="1" u="none" strike="noStrike" cap="none" normalizeH="0" baseline="0" dirty="0" err="1">
+                <a:ln>
+                  <a:noFill/>
+                </a:ln>
+                <a:solidFill>
+                  <a:srgbClr val="BCBEC4"/>
+                </a:solidFill>
+                <a:effectLst/>
+                <a:latin typeface="JetBrains Mono"/>
+              </a:rPr>
+              <a:t>JpaRepository</a:t>
+            </a:r>
+            <a:r>
+              <a:rPr kumimoji="0" lang="en-US" altLang="en-US" sz="1200" b="0" i="1" u="none" strike="noStrike" cap="none" normalizeH="0" baseline="0" dirty="0">
+                <a:ln>
+                  <a:noFill/>
+                </a:ln>
+                <a:solidFill>
+                  <a:srgbClr val="BCBEC4"/>
+                </a:solidFill>
+                <a:effectLst/>
+                <a:latin typeface="JetBrains Mono"/>
+              </a:rPr>
+              <a:t>&lt;User, String&gt; {</a:t>
+            </a:r>
+            <a:br>
+              <a:rPr kumimoji="0" lang="en-US" altLang="en-US" sz="1200" b="0" i="1" u="none" strike="noStrike" cap="none" normalizeH="0" baseline="0" dirty="0">
+                <a:ln>
+                  <a:noFill/>
+                </a:ln>
+                <a:solidFill>
+                  <a:srgbClr val="BCBEC4"/>
+                </a:solidFill>
+                <a:effectLst/>
+                <a:latin typeface="JetBrains Mono"/>
+              </a:rPr>
+            </a:br>
+            <a:r>
+              <a:rPr kumimoji="0" lang="en-US" altLang="en-US" sz="1200" b="0" i="1" u="none" strike="noStrike" cap="none" normalizeH="0" baseline="0" dirty="0">
+                <a:ln>
+                  <a:noFill/>
+                </a:ln>
+                <a:solidFill>
+                  <a:srgbClr val="BCBEC4"/>
+                </a:solidFill>
+                <a:effectLst/>
+                <a:latin typeface="JetBrains Mono"/>
+              </a:rPr>
+              <a:t>    </a:t>
+            </a:r>
+            <a:br>
+              <a:rPr kumimoji="0" lang="en-US" altLang="en-US" sz="1200" b="0" i="1" u="none" strike="noStrike" cap="none" normalizeH="0" baseline="0" dirty="0">
+                <a:ln>
+                  <a:noFill/>
+                </a:ln>
+                <a:solidFill>
+                  <a:srgbClr val="BCBEC4"/>
+                </a:solidFill>
+                <a:effectLst/>
+                <a:latin typeface="JetBrains Mono"/>
+              </a:rPr>
+            </a:br>
+            <a:r>
+              <a:rPr kumimoji="0" lang="en-US" altLang="en-US" sz="1200" b="0" i="1" u="none" strike="noStrike" cap="none" normalizeH="0" baseline="0" dirty="0">
+                <a:ln>
+                  <a:noFill/>
+                </a:ln>
+                <a:solidFill>
+                  <a:srgbClr val="BCBEC4"/>
+                </a:solidFill>
+                <a:effectLst/>
+                <a:latin typeface="JetBrains Mono"/>
+              </a:rPr>
+              <a:t>    Optional&lt;User&gt; </a:t>
+            </a:r>
+            <a:r>
+              <a:rPr kumimoji="0" lang="en-US" altLang="en-US" sz="1200" b="0" i="1" u="none" strike="noStrike" cap="none" normalizeH="0" baseline="0" dirty="0" err="1">
+                <a:ln>
+                  <a:noFill/>
+                </a:ln>
+                <a:solidFill>
+                  <a:srgbClr val="56A8F5"/>
+                </a:solidFill>
+                <a:effectLst/>
+                <a:latin typeface="JetBrains Mono"/>
+              </a:rPr>
+              <a:t>findByFirstNameAndLastNameAndBirthDate</a:t>
+            </a:r>
+            <a:r>
+              <a:rPr kumimoji="0" lang="en-US" altLang="en-US" sz="1200" b="0" i="1" u="none" strike="noStrike" cap="none" normalizeH="0" baseline="0" dirty="0">
+                <a:ln>
+                  <a:noFill/>
+                </a:ln>
+                <a:solidFill>
+                  <a:srgbClr val="BCBEC4"/>
+                </a:solidFill>
+                <a:effectLst/>
+                <a:latin typeface="JetBrains Mono"/>
+              </a:rPr>
+              <a:t>(String </a:t>
+            </a:r>
+            <a:r>
+              <a:rPr kumimoji="0" lang="en-US" altLang="en-US" sz="1200" b="0" i="1" u="none" strike="noStrike" cap="none" normalizeH="0" baseline="0" dirty="0" err="1">
+                <a:ln>
+                  <a:noFill/>
+                </a:ln>
+                <a:solidFill>
+                  <a:srgbClr val="BCBEC4"/>
+                </a:solidFill>
+                <a:effectLst/>
+                <a:latin typeface="JetBrains Mono"/>
+              </a:rPr>
+              <a:t>firstName</a:t>
+            </a:r>
+            <a:r>
+              <a:rPr kumimoji="0" lang="en-US" altLang="en-US" sz="1200" b="0" i="1" u="none" strike="noStrike" cap="none" normalizeH="0" baseline="0" dirty="0">
+                <a:ln>
+                  <a:noFill/>
+                </a:ln>
+                <a:solidFill>
+                  <a:srgbClr val="BCBEC4"/>
+                </a:solidFill>
+                <a:effectLst/>
+                <a:latin typeface="JetBrains Mono"/>
+              </a:rPr>
+              <a:t>, String </a:t>
+            </a:r>
+            <a:r>
+              <a:rPr kumimoji="0" lang="en-US" altLang="en-US" sz="1200" b="0" i="1" u="none" strike="noStrike" cap="none" normalizeH="0" baseline="0" dirty="0" err="1">
+                <a:ln>
+                  <a:noFill/>
+                </a:ln>
+                <a:solidFill>
+                  <a:srgbClr val="BCBEC4"/>
+                </a:solidFill>
+                <a:effectLst/>
+                <a:latin typeface="JetBrains Mono"/>
+              </a:rPr>
+              <a:t>lastName</a:t>
+            </a:r>
+            <a:r>
+              <a:rPr kumimoji="0" lang="en-US" altLang="en-US" sz="1200" b="0" i="1" u="none" strike="noStrike" cap="none" normalizeH="0" baseline="0" dirty="0">
+                <a:ln>
+                  <a:noFill/>
+                </a:ln>
+                <a:solidFill>
+                  <a:srgbClr val="BCBEC4"/>
+                </a:solidFill>
+                <a:effectLst/>
+                <a:latin typeface="JetBrains Mono"/>
+              </a:rPr>
+              <a:t>, </a:t>
+            </a:r>
+            <a:r>
+              <a:rPr kumimoji="0" lang="en-US" altLang="en-US" sz="1200" b="0" i="1" u="none" strike="noStrike" cap="none" normalizeH="0" baseline="0" dirty="0" err="1">
+                <a:ln>
+                  <a:noFill/>
+                </a:ln>
+                <a:solidFill>
+                  <a:srgbClr val="BCBEC4"/>
+                </a:solidFill>
+                <a:effectLst/>
+                <a:latin typeface="JetBrains Mono"/>
+              </a:rPr>
+              <a:t>LocalDate</a:t>
+            </a:r>
+            <a:r>
+              <a:rPr kumimoji="0" lang="en-US" altLang="en-US" sz="1200" b="0" i="1" u="none" strike="noStrike" cap="none" normalizeH="0" baseline="0" dirty="0">
+                <a:ln>
+                  <a:noFill/>
+                </a:ln>
+                <a:solidFill>
+                  <a:srgbClr val="BCBEC4"/>
+                </a:solidFill>
+                <a:effectLst/>
+                <a:latin typeface="JetBrains Mono"/>
+              </a:rPr>
+              <a:t> </a:t>
+            </a:r>
+            <a:r>
+              <a:rPr kumimoji="0" lang="en-US" altLang="en-US" sz="1200" b="0" i="1" u="none" strike="noStrike" cap="none" normalizeH="0" baseline="0" dirty="0" err="1">
+                <a:ln>
+                  <a:noFill/>
+                </a:ln>
+                <a:solidFill>
+                  <a:srgbClr val="BCBEC4"/>
+                </a:solidFill>
+                <a:effectLst/>
+                <a:latin typeface="JetBrains Mono"/>
+              </a:rPr>
+              <a:t>birthDate</a:t>
+            </a:r>
+            <a:r>
+              <a:rPr kumimoji="0" lang="en-US" altLang="en-US" sz="1200" b="0" i="1" u="none" strike="noStrike" cap="none" normalizeH="0" baseline="0" dirty="0">
+                <a:ln>
+                  <a:noFill/>
+                </a:ln>
+                <a:solidFill>
+                  <a:srgbClr val="BCBEC4"/>
+                </a:solidFill>
+                <a:effectLst/>
+                <a:latin typeface="JetBrains Mono"/>
+              </a:rPr>
+              <a:t>);</a:t>
+            </a:r>
+            <a:br>
+              <a:rPr kumimoji="0" lang="en-US" altLang="en-US" sz="1200" b="0" i="1" u="none" strike="noStrike" cap="none" normalizeH="0" baseline="0" dirty="0">
+                <a:ln>
+                  <a:noFill/>
+                </a:ln>
+                <a:solidFill>
+                  <a:srgbClr val="BCBEC4"/>
+                </a:solidFill>
+                <a:effectLst/>
+                <a:latin typeface="JetBrains Mono"/>
+              </a:rPr>
+            </a:br>
+            <a:r>
+              <a:rPr kumimoji="0" lang="en-US" altLang="en-US" sz="1200" b="0" i="1" u="none" strike="noStrike" cap="none" normalizeH="0" baseline="0" dirty="0">
+                <a:ln>
+                  <a:noFill/>
+                </a:ln>
+                <a:solidFill>
+                  <a:srgbClr val="BCBEC4"/>
+                </a:solidFill>
+                <a:effectLst/>
+                <a:latin typeface="JetBrains Mono"/>
+              </a:rPr>
+              <a:t>    </a:t>
+            </a:r>
+            <a:br>
+              <a:rPr kumimoji="0" lang="en-US" altLang="en-US" sz="1200" b="0" i="1" u="none" strike="noStrike" cap="none" normalizeH="0" baseline="0" dirty="0">
+                <a:ln>
+                  <a:noFill/>
+                </a:ln>
+                <a:solidFill>
+                  <a:srgbClr val="BCBEC4"/>
+                </a:solidFill>
+                <a:effectLst/>
+                <a:latin typeface="JetBrains Mono"/>
+              </a:rPr>
+            </a:br>
+            <a:r>
+              <a:rPr kumimoji="0" lang="en-US" altLang="en-US" sz="1200" b="0" i="1" u="none" strike="noStrike" cap="none" normalizeH="0" baseline="0" dirty="0">
+                <a:ln>
+                  <a:noFill/>
+                </a:ln>
+                <a:solidFill>
+                  <a:srgbClr val="BCBEC4"/>
+                </a:solidFill>
+                <a:effectLst/>
+                <a:latin typeface="JetBrains Mono"/>
+              </a:rPr>
+              <a:t>    Stream&lt;User&gt; </a:t>
+            </a:r>
+            <a:r>
+              <a:rPr kumimoji="0" lang="en-US" altLang="en-US" sz="1200" b="0" i="1" u="none" strike="noStrike" cap="none" normalizeH="0" baseline="0" dirty="0" err="1">
+                <a:ln>
+                  <a:noFill/>
+                </a:ln>
+                <a:solidFill>
+                  <a:srgbClr val="56A8F5"/>
+                </a:solidFill>
+                <a:effectLst/>
+                <a:latin typeface="JetBrains Mono"/>
+              </a:rPr>
+              <a:t>findByLastName</a:t>
+            </a:r>
+            <a:r>
+              <a:rPr kumimoji="0" lang="en-US" altLang="en-US" sz="1200" b="0" i="1" u="none" strike="noStrike" cap="none" normalizeH="0" baseline="0" dirty="0">
+                <a:ln>
+                  <a:noFill/>
+                </a:ln>
+                <a:solidFill>
+                  <a:srgbClr val="BCBEC4"/>
+                </a:solidFill>
+                <a:effectLst/>
+                <a:latin typeface="JetBrains Mono"/>
+              </a:rPr>
+              <a:t>(String </a:t>
+            </a:r>
+            <a:r>
+              <a:rPr kumimoji="0" lang="en-US" altLang="en-US" sz="1200" b="0" i="1" u="none" strike="noStrike" cap="none" normalizeH="0" baseline="0" dirty="0" err="1">
+                <a:ln>
+                  <a:noFill/>
+                </a:ln>
+                <a:solidFill>
+                  <a:srgbClr val="BCBEC4"/>
+                </a:solidFill>
+                <a:effectLst/>
+                <a:latin typeface="JetBrains Mono"/>
+              </a:rPr>
+              <a:t>lastName</a:t>
+            </a:r>
+            <a:r>
+              <a:rPr kumimoji="0" lang="en-US" altLang="en-US" sz="1200" b="0" i="1" u="none" strike="noStrike" cap="none" normalizeH="0" baseline="0" dirty="0">
+                <a:ln>
+                  <a:noFill/>
+                </a:ln>
+                <a:solidFill>
+                  <a:srgbClr val="BCBEC4"/>
+                </a:solidFill>
+                <a:effectLst/>
+                <a:latin typeface="JetBrains Mono"/>
+              </a:rPr>
+              <a:t>);</a:t>
+            </a:r>
+            <a:br>
+              <a:rPr kumimoji="0" lang="en-US" altLang="en-US" sz="1200" b="0" i="1" u="none" strike="noStrike" cap="none" normalizeH="0" baseline="0" dirty="0">
+                <a:ln>
+                  <a:noFill/>
+                </a:ln>
+                <a:solidFill>
+                  <a:srgbClr val="BCBEC4"/>
+                </a:solidFill>
+                <a:effectLst/>
+                <a:latin typeface="JetBrains Mono"/>
+              </a:rPr>
+            </a:br>
+            <a:r>
+              <a:rPr kumimoji="0" lang="en-US" altLang="en-US" sz="1200" b="0" i="1" u="none" strike="noStrike" cap="none" normalizeH="0" baseline="0" dirty="0">
+                <a:ln>
+                  <a:noFill/>
+                </a:ln>
+                <a:solidFill>
+                  <a:srgbClr val="BCBEC4"/>
+                </a:solidFill>
+                <a:effectLst/>
+                <a:latin typeface="JetBrains Mono"/>
+              </a:rPr>
+              <a:t>}</a:t>
+            </a:r>
+            <a:endParaRPr kumimoji="0" lang="en-US" altLang="en-US" sz="1800" b="0" i="1" u="none" strike="noStrike" cap="none" normalizeH="0" baseline="0" dirty="0">
+              <a:ln>
+                <a:noFill/>
+              </a:ln>
+              <a:solidFill>
+                <a:schemeClr val="tx1"/>
+              </a:solidFill>
+              <a:effectLst/>
+              <a:latin typeface="Arial" panose="020B0604020202020204" pitchFamily="34" charset="0"/>
+            </a:endParaRPr>
+          </a:p>
+        </p:txBody>
+      </p:sp>
+    </p:spTree>
+    <p:extLst>
+      <p:ext uri="{BB962C8B-B14F-4D97-AF65-F5344CB8AC3E}">
+        <p14:creationId xmlns:p14="http://schemas.microsoft.com/office/powerpoint/2010/main" val="3409250798"/>
+      </p:ext>
+    </p:extLst>
+  </p:cSld>
+  <p:clrMapOvr>
+    <a:masterClrMapping/>
+  </p:clrMapOvr>
+</p:sld>
+</file>
+
+<file path=ppt/slides/slide7.xml><?xml version="1.0" encoding="utf-8"?>
+<p:sld xmlns:a="http://schemas.openxmlformats.org/drawingml/2006/main" xmlns:r="http://schemas.openxmlformats.org/officeDocument/2006/relationships" xmlns:p="http://schemas.openxmlformats.org/presentationml/2006/main">
+  <p:cSld>
+    <p:spTree>
+      <p:nvGrpSpPr>
+        <p:cNvPr id="1" name=""/>
+        <p:cNvGrpSpPr/>
+        <p:nvPr/>
+      </p:nvGrpSpPr>
+      <p:grpSpPr>
+        <a:xfrm>
+          <a:off x="0" y="0"/>
+          <a:ext cx="0" cy="0"/>
+          <a:chOff x="0" y="0"/>
+          <a:chExt cx="0" cy="0"/>
+        </a:xfrm>
+      </p:grpSpPr>
+      <p:sp>
+        <p:nvSpPr>
+          <p:cNvPr id="19" name="TextBox 18">
+            <a:extLst>
+              <a:ext uri="{FF2B5EF4-FFF2-40B4-BE49-F238E27FC236}">
+                <a16:creationId xmlns:a16="http://schemas.microsoft.com/office/drawing/2014/main" id="{25D04C93-F343-AB2A-40B9-ECB00D065A9A}"/>
+              </a:ext>
+            </a:extLst>
+          </p:cNvPr>
+          <p:cNvSpPr txBox="1"/>
+          <p:nvPr/>
+        </p:nvSpPr>
+        <p:spPr>
+          <a:xfrm>
+            <a:off x="0" y="555414"/>
+            <a:ext cx="12192000" cy="769441"/>
+          </a:xfrm>
+          <a:prstGeom prst="rect">
+            <a:avLst/>
+          </a:prstGeom>
+          <a:noFill/>
+        </p:spPr>
+        <p:txBody>
+          <a:bodyPr wrap="square" rtlCol="0">
+            <a:spAutoFit/>
+          </a:bodyPr>
+          <a:lstStyle/>
+          <a:p>
+            <a:pPr algn="ctr"/>
+            <a:r>
+              <a:rPr lang="en-US" sz="4400" b="1" dirty="0"/>
+              <a:t>Service</a:t>
+            </a:r>
+          </a:p>
+        </p:txBody>
+      </p:sp>
+      <p:sp>
+        <p:nvSpPr>
+          <p:cNvPr id="2" name="Rectangle 1">
+            <a:extLst>
+              <a:ext uri="{FF2B5EF4-FFF2-40B4-BE49-F238E27FC236}">
+                <a16:creationId xmlns:a16="http://schemas.microsoft.com/office/drawing/2014/main" id="{A18784C6-629D-E065-3D67-57A31C290F2A}"/>
+              </a:ext>
+            </a:extLst>
+          </p:cNvPr>
+          <p:cNvSpPr>
+            <a:spLocks noChangeArrowheads="1"/>
+          </p:cNvSpPr>
+          <p:nvPr/>
+        </p:nvSpPr>
+        <p:spPr bwMode="auto">
+          <a:xfrm>
+            <a:off x="4074268" y="2518029"/>
+            <a:ext cx="4043464" cy="2308324"/>
+          </a:xfrm>
+          <a:prstGeom prst="rect">
+            <a:avLst/>
+          </a:prstGeom>
+          <a:solidFill>
+            <a:srgbClr val="1E1F22"/>
+          </a:solidFill>
+          <a:ln>
+            <a:noFill/>
+          </a:ln>
+          <a:effectLst/>
+          <a:extLst>
+            <a:ext uri="{91240B29-F687-4F45-9708-019B960494DF}">
+              <a14:hiddenLine xmlns:a14="http://schemas.microsoft.com/office/drawing/2010/main" w="9525">
+                <a:solidFill>
+                  <a:schemeClr val="tx1"/>
+                </a:solidFill>
+                <a:miter lim="800000"/>
+                <a:headEnd/>
+                <a:tailEnd/>
+              </a14:hiddenLine>
+            </a:ext>
+            <a:ext uri="{AF507438-7753-43E0-B8FC-AC1667EBCBE1}">
+              <a14:hiddenEffects xmlns:a14="http://schemas.microsoft.com/office/drawing/2010/main">
+                <a:effectLst>
+                  <a:outerShdw dist="35921" dir="2700000" algn="ctr" rotWithShape="0">
+                    <a:schemeClr val="bg2"/>
+                  </a:outerShdw>
+                </a:effectLst>
+              </a14:hiddenEffects>
+            </a:ext>
+          </a:extLst>
+        </p:spPr>
+        <p:txBody>
+          <a:bodyPr vert="horz" wrap="square" lIns="91440" tIns="45720" rIns="91440" bIns="45720" numCol="1" anchor="ctr" anchorCtr="0" compatLnSpc="1">
+            <a:prstTxWarp prst="textNoShape">
+              <a:avLst/>
+            </a:prstTxWarp>
+            <a:spAutoFit/>
+          </a:bodyPr>
+          <a:lstStyle/>
+          <a:p>
+            <a:pPr eaLnBrk="0" fontAlgn="base" hangingPunct="0">
+              <a:spcBef>
+                <a:spcPct val="0"/>
+              </a:spcBef>
+              <a:spcAft>
+                <a:spcPct val="0"/>
+              </a:spcAft>
+            </a:pPr>
+            <a:r>
+              <a:rPr kumimoji="0" lang="en-US" altLang="en-US" sz="1200" i="1" u="none" strike="noStrike" cap="none" normalizeH="0" baseline="0" dirty="0">
+                <a:ln>
+                  <a:noFill/>
+                </a:ln>
+                <a:solidFill>
+                  <a:srgbClr val="B3AE60"/>
+                </a:solidFill>
+                <a:effectLst/>
+                <a:latin typeface="JetBrains Mono"/>
+              </a:rPr>
+              <a:t>@Service</a:t>
+            </a:r>
+            <a:br>
+              <a:rPr kumimoji="0" lang="en-US" altLang="en-US" sz="1200" i="1" u="none" strike="noStrike" cap="none" normalizeH="0" baseline="0" dirty="0">
+                <a:ln>
+                  <a:noFill/>
+                </a:ln>
+                <a:solidFill>
+                  <a:srgbClr val="B3AE60"/>
+                </a:solidFill>
+                <a:effectLst/>
+                <a:latin typeface="JetBrains Mono"/>
+              </a:rPr>
+            </a:br>
+            <a:r>
+              <a:rPr kumimoji="0" lang="en-US" altLang="en-US" sz="1200" i="1" u="none" strike="noStrike" cap="none" normalizeH="0" baseline="0" dirty="0">
+                <a:ln>
+                  <a:noFill/>
+                </a:ln>
+                <a:solidFill>
+                  <a:srgbClr val="B3AE60"/>
+                </a:solidFill>
+                <a:effectLst/>
+                <a:latin typeface="JetBrains Mono"/>
+              </a:rPr>
+              <a:t>@AllArgsConstructor</a:t>
+            </a:r>
+            <a:br>
+              <a:rPr kumimoji="0" lang="en-US" altLang="en-US" sz="1200" i="1" u="none" strike="noStrike" cap="none" normalizeH="0" baseline="0" dirty="0">
+                <a:ln>
+                  <a:noFill/>
+                </a:ln>
+                <a:solidFill>
+                  <a:srgbClr val="B3AE60"/>
+                </a:solidFill>
+                <a:effectLst/>
+                <a:latin typeface="JetBrains Mono"/>
+              </a:rPr>
+            </a:br>
+            <a:r>
+              <a:rPr kumimoji="0" lang="en-US" altLang="en-US" sz="1200" i="1" u="none" strike="noStrike" cap="none" normalizeH="0" baseline="0" dirty="0">
+                <a:ln>
+                  <a:noFill/>
+                </a:ln>
+                <a:solidFill>
+                  <a:srgbClr val="CF8E6D"/>
+                </a:solidFill>
+                <a:effectLst/>
+                <a:latin typeface="JetBrains Mono"/>
+              </a:rPr>
+              <a:t>public class </a:t>
+            </a:r>
+            <a:r>
+              <a:rPr kumimoji="0" lang="en-US" altLang="en-US" sz="1200" i="1" u="none" strike="noStrike" cap="none" normalizeH="0" baseline="0" dirty="0" err="1">
+                <a:ln>
+                  <a:noFill/>
+                </a:ln>
+                <a:solidFill>
+                  <a:srgbClr val="BCBEC4"/>
+                </a:solidFill>
+                <a:effectLst/>
+                <a:latin typeface="JetBrains Mono"/>
+              </a:rPr>
+              <a:t>UserService</a:t>
+            </a:r>
+            <a:r>
+              <a:rPr kumimoji="0" lang="en-US" altLang="en-US" sz="1200" i="1" u="none" strike="noStrike" cap="none" normalizeH="0" baseline="0" dirty="0">
+                <a:ln>
+                  <a:noFill/>
+                </a:ln>
+                <a:solidFill>
+                  <a:srgbClr val="BCBEC4"/>
+                </a:solidFill>
+                <a:effectLst/>
+                <a:latin typeface="JetBrains Mono"/>
+              </a:rPr>
+              <a:t> {</a:t>
+            </a:r>
+            <a:br>
+              <a:rPr kumimoji="0" lang="en-US" altLang="en-US" sz="1200" i="1" u="none" strike="noStrike" cap="none" normalizeH="0" baseline="0" dirty="0">
+                <a:ln>
+                  <a:noFill/>
+                </a:ln>
+                <a:solidFill>
+                  <a:srgbClr val="BCBEC4"/>
+                </a:solidFill>
+                <a:effectLst/>
+                <a:latin typeface="JetBrains Mono"/>
+              </a:rPr>
+            </a:br>
+            <a:br>
+              <a:rPr kumimoji="0" lang="en-US" altLang="en-US" sz="1200" i="1" u="none" strike="noStrike" cap="none" normalizeH="0" baseline="0" dirty="0">
+                <a:ln>
+                  <a:noFill/>
+                </a:ln>
+                <a:solidFill>
+                  <a:srgbClr val="BCBEC4"/>
+                </a:solidFill>
+                <a:effectLst/>
+                <a:latin typeface="JetBrains Mono"/>
+              </a:rPr>
+            </a:br>
+            <a:r>
+              <a:rPr kumimoji="0" lang="en-US" altLang="en-US" sz="1200" i="1" u="none" strike="noStrike" cap="none" normalizeH="0" baseline="0" dirty="0">
+                <a:ln>
+                  <a:noFill/>
+                </a:ln>
+                <a:solidFill>
+                  <a:srgbClr val="BCBEC4"/>
+                </a:solidFill>
+                <a:effectLst/>
+                <a:latin typeface="JetBrains Mono"/>
+              </a:rPr>
+              <a:t>    </a:t>
+            </a:r>
+            <a:r>
+              <a:rPr kumimoji="0" lang="en-US" altLang="en-US" sz="1200" i="1" u="none" strike="noStrike" cap="none" normalizeH="0" baseline="0" dirty="0">
+                <a:ln>
+                  <a:noFill/>
+                </a:ln>
+                <a:solidFill>
+                  <a:srgbClr val="CF8E6D"/>
+                </a:solidFill>
+                <a:effectLst/>
+                <a:latin typeface="JetBrains Mono"/>
+              </a:rPr>
+              <a:t>private final </a:t>
+            </a:r>
+            <a:r>
+              <a:rPr kumimoji="0" lang="en-US" altLang="en-US" sz="1200" i="1" u="none" strike="noStrike" cap="none" normalizeH="0" baseline="0" dirty="0" err="1">
+                <a:ln>
+                  <a:noFill/>
+                </a:ln>
+                <a:solidFill>
+                  <a:srgbClr val="BCBEC4"/>
+                </a:solidFill>
+                <a:effectLst/>
+                <a:latin typeface="JetBrains Mono"/>
+              </a:rPr>
+              <a:t>UserRepository</a:t>
+            </a:r>
+            <a:r>
+              <a:rPr kumimoji="0" lang="en-US" altLang="en-US" sz="1200" i="1" u="none" strike="noStrike" cap="none" normalizeH="0" baseline="0" dirty="0">
+                <a:ln>
+                  <a:noFill/>
+                </a:ln>
+                <a:solidFill>
+                  <a:srgbClr val="BCBEC4"/>
+                </a:solidFill>
+                <a:effectLst/>
+                <a:latin typeface="JetBrains Mono"/>
+              </a:rPr>
+              <a:t> </a:t>
+            </a:r>
+            <a:r>
+              <a:rPr kumimoji="0" lang="en-US" altLang="en-US" sz="1200" i="1" u="none" strike="noStrike" cap="none" normalizeH="0" baseline="0" dirty="0" err="1">
+                <a:ln>
+                  <a:noFill/>
+                </a:ln>
+                <a:solidFill>
+                  <a:srgbClr val="C77DBB"/>
+                </a:solidFill>
+                <a:effectLst/>
+                <a:latin typeface="JetBrains Mono"/>
+              </a:rPr>
+              <a:t>userRepository</a:t>
+            </a:r>
+            <a:r>
+              <a:rPr kumimoji="0" lang="en-US" altLang="en-US" sz="1200" i="1" u="none" strike="noStrike" cap="none" normalizeH="0" baseline="0" dirty="0">
+                <a:ln>
+                  <a:noFill/>
+                </a:ln>
+                <a:solidFill>
+                  <a:srgbClr val="BCBEC4"/>
+                </a:solidFill>
+                <a:effectLst/>
+                <a:latin typeface="JetBrains Mono"/>
+              </a:rPr>
+              <a:t>;</a:t>
+            </a:r>
+            <a:br>
+              <a:rPr kumimoji="0" lang="en-US" altLang="en-US" sz="1200" i="1" u="none" strike="noStrike" cap="none" normalizeH="0" baseline="0" dirty="0">
+                <a:ln>
+                  <a:noFill/>
+                </a:ln>
+                <a:solidFill>
+                  <a:srgbClr val="BCBEC4"/>
+                </a:solidFill>
+                <a:effectLst/>
+                <a:latin typeface="JetBrains Mono"/>
+              </a:rPr>
+            </a:br>
+            <a:br>
+              <a:rPr kumimoji="0" lang="en-US" altLang="en-US" sz="1200" b="0" i="0" u="none" strike="noStrike" cap="none" normalizeH="0" baseline="0" dirty="0">
+                <a:ln>
+                  <a:noFill/>
+                </a:ln>
+                <a:solidFill>
+                  <a:srgbClr val="BCBEC4"/>
+                </a:solidFill>
+                <a:effectLst/>
+                <a:latin typeface="JetBrains Mono"/>
+              </a:rPr>
+            </a:br>
+            <a:r>
+              <a:rPr kumimoji="0" lang="en-US" altLang="en-US" sz="1200" b="0" i="0" u="none" strike="noStrike" cap="none" normalizeH="0" baseline="0" dirty="0">
+                <a:ln>
+                  <a:noFill/>
+                </a:ln>
+                <a:solidFill>
+                  <a:srgbClr val="BCBEC4"/>
+                </a:solidFill>
+                <a:effectLst/>
+                <a:latin typeface="JetBrains Mono"/>
+              </a:rPr>
+              <a:t>    </a:t>
+            </a:r>
+            <a:r>
+              <a:rPr kumimoji="0" lang="en-US" altLang="en-US" sz="1200" b="0" i="0" u="none" strike="noStrike" cap="none" normalizeH="0" baseline="0" dirty="0">
+                <a:ln>
+                  <a:noFill/>
+                </a:ln>
+                <a:solidFill>
+                  <a:srgbClr val="B3AE60"/>
+                </a:solidFill>
+                <a:effectLst/>
+                <a:latin typeface="JetBrains Mono"/>
+              </a:rPr>
+              <a:t>@Transactional</a:t>
+            </a:r>
+            <a:r>
+              <a:rPr kumimoji="0" lang="en-US" altLang="en-US" sz="1200" b="0" i="0" u="none" strike="noStrike" cap="none" normalizeH="0" baseline="0" dirty="0">
+                <a:ln>
+                  <a:noFill/>
+                </a:ln>
+                <a:solidFill>
+                  <a:srgbClr val="BCBEC4"/>
+                </a:solidFill>
+                <a:effectLst/>
+                <a:latin typeface="JetBrains Mono"/>
+              </a:rPr>
+              <a:t>(isolation = </a:t>
+            </a:r>
+            <a:r>
+              <a:rPr kumimoji="0" lang="en-US" altLang="en-US" sz="1200" b="0" i="0" u="none" strike="noStrike" cap="none" normalizeH="0" baseline="0" dirty="0" err="1">
+                <a:ln>
+                  <a:noFill/>
+                </a:ln>
+                <a:solidFill>
+                  <a:srgbClr val="BCBEC4"/>
+                </a:solidFill>
+                <a:effectLst/>
+                <a:latin typeface="JetBrains Mono"/>
+              </a:rPr>
+              <a:t>Isolation.</a:t>
+            </a:r>
+            <a:r>
+              <a:rPr kumimoji="0" lang="en-US" altLang="en-US" sz="1200" b="0" i="1" u="none" strike="noStrike" cap="none" normalizeH="0" baseline="0" dirty="0" err="1">
+                <a:ln>
+                  <a:noFill/>
+                </a:ln>
+                <a:solidFill>
+                  <a:srgbClr val="C77DBB"/>
+                </a:solidFill>
+                <a:effectLst/>
+                <a:latin typeface="JetBrains Mono"/>
+              </a:rPr>
+              <a:t>SERIALIZABLE</a:t>
+            </a:r>
+            <a:r>
+              <a:rPr kumimoji="0" lang="en-US" altLang="en-US" sz="1200" b="0" i="0" u="none" strike="noStrike" cap="none" normalizeH="0" baseline="0" dirty="0">
+                <a:ln>
+                  <a:noFill/>
+                </a:ln>
+                <a:solidFill>
+                  <a:srgbClr val="BCBEC4"/>
+                </a:solidFill>
+                <a:effectLst/>
+                <a:latin typeface="JetBrains Mono"/>
+              </a:rPr>
+              <a:t>)</a:t>
+            </a:r>
+            <a:endParaRPr kumimoji="0" lang="en-US" altLang="en-US" sz="1200" i="1" u="none" strike="noStrike" cap="none" normalizeH="0" baseline="0" dirty="0">
+              <a:ln>
+                <a:noFill/>
+              </a:ln>
+              <a:solidFill>
+                <a:srgbClr val="BCBEC4"/>
+              </a:solidFill>
+              <a:effectLst/>
+              <a:latin typeface="JetBrains Mono"/>
+            </a:endParaRPr>
+          </a:p>
+          <a:p>
+            <a:pPr marL="0" marR="0" lvl="0" indent="0" algn="l" defTabSz="914400" rtl="0" eaLnBrk="0" fontAlgn="base" latinLnBrk="0" hangingPunct="0">
+              <a:lnSpc>
+                <a:spcPct val="100000"/>
+              </a:lnSpc>
+              <a:spcBef>
+                <a:spcPct val="0"/>
+              </a:spcBef>
+              <a:spcAft>
+                <a:spcPct val="0"/>
+              </a:spcAft>
+              <a:buClrTx/>
+              <a:buSzTx/>
+              <a:buFontTx/>
+              <a:buNone/>
+              <a:tabLst/>
+              <a:defRPr/>
+            </a:pPr>
+            <a:r>
+              <a:rPr kumimoji="0" lang="en-US" altLang="en-US" sz="1200" i="1" u="none" strike="noStrike" cap="none" normalizeH="0" baseline="0" dirty="0">
+                <a:ln>
+                  <a:noFill/>
+                </a:ln>
+                <a:solidFill>
+                  <a:srgbClr val="BCBEC4"/>
+                </a:solidFill>
+                <a:effectLst/>
+                <a:latin typeface="JetBrains Mono"/>
+              </a:rPr>
+              <a:t>    </a:t>
+            </a:r>
+            <a:r>
+              <a:rPr kumimoji="0" lang="en-US" altLang="en-US" sz="1200" i="1" u="none" strike="noStrike" cap="none" normalizeH="0" baseline="0" dirty="0">
+                <a:ln>
+                  <a:noFill/>
+                </a:ln>
+                <a:solidFill>
+                  <a:srgbClr val="CF8E6D"/>
+                </a:solidFill>
+                <a:effectLst/>
+                <a:latin typeface="JetBrains Mono"/>
+              </a:rPr>
+              <a:t>public </a:t>
+            </a:r>
+            <a:r>
+              <a:rPr kumimoji="0" lang="en-US" altLang="en-US" sz="1200" i="1" u="none" strike="noStrike" cap="none" normalizeH="0" baseline="0" dirty="0" err="1">
+                <a:ln>
+                  <a:noFill/>
+                </a:ln>
+                <a:solidFill>
+                  <a:srgbClr val="BCBEC4"/>
+                </a:solidFill>
+                <a:effectLst/>
+                <a:latin typeface="JetBrains Mono"/>
+              </a:rPr>
+              <a:t>UserDto</a:t>
+            </a:r>
+            <a:r>
+              <a:rPr kumimoji="0" lang="en-US" altLang="en-US" sz="1200" i="1" u="none" strike="noStrike" cap="none" normalizeH="0" baseline="0" dirty="0">
+                <a:ln>
+                  <a:noFill/>
+                </a:ln>
+                <a:solidFill>
+                  <a:srgbClr val="CF8E6D"/>
+                </a:solidFill>
+                <a:effectLst/>
+                <a:latin typeface="JetBrains Mono"/>
+              </a:rPr>
+              <a:t> </a:t>
+            </a:r>
+            <a:r>
+              <a:rPr kumimoji="0" lang="en-US" altLang="en-US" sz="1200" i="1" u="none" strike="noStrike" cap="none" normalizeH="0" baseline="0" dirty="0" err="1">
+                <a:ln>
+                  <a:noFill/>
+                </a:ln>
+                <a:solidFill>
+                  <a:srgbClr val="56A8F5"/>
+                </a:solidFill>
+                <a:effectLst/>
+                <a:latin typeface="JetBrains Mono"/>
+              </a:rPr>
+              <a:t>createUser</a:t>
+            </a:r>
+            <a:r>
+              <a:rPr kumimoji="0" lang="en-US" altLang="en-US" sz="1200" i="1" u="none" strike="noStrike" cap="none" normalizeH="0" baseline="0" dirty="0">
+                <a:ln>
+                  <a:noFill/>
+                </a:ln>
+                <a:solidFill>
+                  <a:srgbClr val="BCBEC4"/>
+                </a:solidFill>
+                <a:effectLst/>
+                <a:latin typeface="JetBrains Mono"/>
+              </a:rPr>
+              <a:t>(</a:t>
+            </a:r>
+            <a:r>
+              <a:rPr kumimoji="0" lang="en-US" altLang="en-US" sz="1200" i="1" u="none" strike="noStrike" cap="none" normalizeH="0" baseline="0" dirty="0" err="1">
+                <a:ln>
+                  <a:noFill/>
+                </a:ln>
+                <a:solidFill>
+                  <a:srgbClr val="BCBEC4"/>
+                </a:solidFill>
+                <a:effectLst/>
+                <a:latin typeface="JetBrains Mono"/>
+              </a:rPr>
+              <a:t>UserDto</a:t>
+            </a:r>
+            <a:r>
+              <a:rPr kumimoji="0" lang="en-US" altLang="en-US" sz="1200" i="1" u="none" strike="noStrike" cap="none" normalizeH="0" baseline="0" dirty="0">
+                <a:ln>
+                  <a:noFill/>
+                </a:ln>
+                <a:solidFill>
+                  <a:srgbClr val="BCBEC4"/>
+                </a:solidFill>
+                <a:effectLst/>
+                <a:latin typeface="JetBrains Mono"/>
+              </a:rPr>
+              <a:t> user) {</a:t>
+            </a:r>
+            <a:br>
+              <a:rPr kumimoji="0" lang="en-US" altLang="en-US" sz="1200" i="1" u="none" strike="noStrike" cap="none" normalizeH="0" baseline="0" dirty="0">
+                <a:ln>
+                  <a:noFill/>
+                </a:ln>
+                <a:solidFill>
+                  <a:srgbClr val="BCBEC4"/>
+                </a:solidFill>
+                <a:effectLst/>
+                <a:latin typeface="JetBrains Mono"/>
+              </a:rPr>
+            </a:br>
+            <a:r>
+              <a:rPr kumimoji="0" lang="en-US" altLang="en-US" sz="1200" i="1" u="none" strike="noStrike" cap="none" normalizeH="0" baseline="0" dirty="0">
+                <a:ln>
+                  <a:noFill/>
+                </a:ln>
+                <a:solidFill>
+                  <a:srgbClr val="BCBEC4"/>
+                </a:solidFill>
+                <a:effectLst/>
+                <a:latin typeface="JetBrains Mono"/>
+              </a:rPr>
+              <a:t>        </a:t>
+            </a:r>
+            <a:r>
+              <a:rPr kumimoji="0" lang="en-US" altLang="en-US" sz="1200" i="1" u="none" strike="noStrike" cap="none" normalizeH="0" baseline="0" dirty="0">
+                <a:ln>
+                  <a:noFill/>
+                </a:ln>
+                <a:solidFill>
+                  <a:srgbClr val="7A7E85"/>
+                </a:solidFill>
+                <a:effectLst/>
+                <a:latin typeface="JetBrains Mono"/>
+              </a:rPr>
+              <a:t>...</a:t>
+            </a:r>
+            <a:br>
+              <a:rPr kumimoji="0" lang="en-US" altLang="en-US" sz="1200" i="1" u="none" strike="noStrike" cap="none" normalizeH="0" baseline="0" dirty="0">
+                <a:ln>
+                  <a:noFill/>
+                </a:ln>
+                <a:solidFill>
+                  <a:srgbClr val="7A7E85"/>
+                </a:solidFill>
+                <a:effectLst/>
+                <a:latin typeface="JetBrains Mono"/>
+              </a:rPr>
+            </a:br>
+            <a:r>
+              <a:rPr kumimoji="0" lang="en-US" altLang="en-US" sz="1200" i="1" u="none" strike="noStrike" cap="none" normalizeH="0" baseline="0" dirty="0">
+                <a:ln>
+                  <a:noFill/>
+                </a:ln>
+                <a:solidFill>
+                  <a:srgbClr val="7A7E85"/>
+                </a:solidFill>
+                <a:effectLst/>
+                <a:latin typeface="JetBrains Mono"/>
+              </a:rPr>
+              <a:t>    </a:t>
+            </a:r>
+            <a:r>
+              <a:rPr kumimoji="0" lang="en-US" altLang="en-US" sz="1200" i="1" u="none" strike="noStrike" cap="none" normalizeH="0" baseline="0" dirty="0">
+                <a:ln>
+                  <a:noFill/>
+                </a:ln>
+                <a:solidFill>
+                  <a:srgbClr val="BCBEC4"/>
+                </a:solidFill>
+                <a:effectLst/>
+                <a:latin typeface="JetBrains Mono"/>
+              </a:rPr>
+              <a:t>}</a:t>
+            </a:r>
+          </a:p>
+          <a:p>
+            <a:pPr marL="0" marR="0" lvl="0" indent="0" algn="l" defTabSz="914400" rtl="0" eaLnBrk="0" fontAlgn="base" latinLnBrk="0" hangingPunct="0">
+              <a:lnSpc>
+                <a:spcPct val="100000"/>
+              </a:lnSpc>
+              <a:spcBef>
+                <a:spcPct val="0"/>
+              </a:spcBef>
+              <a:spcAft>
+                <a:spcPct val="0"/>
+              </a:spcAft>
+              <a:buClrTx/>
+              <a:buSzTx/>
+              <a:buFontTx/>
+              <a:buNone/>
+              <a:tabLst/>
+              <a:defRPr/>
+            </a:pPr>
+            <a:br>
+              <a:rPr kumimoji="0" lang="en-US" altLang="en-US" sz="1200" i="1" u="none" strike="noStrike" cap="none" normalizeH="0" baseline="0" dirty="0">
+                <a:ln>
+                  <a:noFill/>
+                </a:ln>
+                <a:solidFill>
+                  <a:srgbClr val="BCBEC4"/>
+                </a:solidFill>
+                <a:effectLst/>
+                <a:latin typeface="JetBrains Mono"/>
+              </a:rPr>
+            </a:br>
+            <a:r>
+              <a:rPr kumimoji="0" lang="en-US" altLang="en-US" sz="1200" i="1" u="none" strike="noStrike" cap="none" normalizeH="0" baseline="0" dirty="0">
+                <a:ln>
+                  <a:noFill/>
+                </a:ln>
+                <a:solidFill>
+                  <a:srgbClr val="BCBEC4"/>
+                </a:solidFill>
+                <a:effectLst/>
+                <a:latin typeface="JetBrains Mono"/>
+              </a:rPr>
+              <a:t>}</a:t>
+            </a:r>
+            <a:endParaRPr kumimoji="0" lang="en-US" altLang="en-US" sz="1800" i="1" u="none" strike="noStrike" cap="none" normalizeH="0" baseline="0" dirty="0">
+              <a:ln>
+                <a:noFill/>
+              </a:ln>
+              <a:solidFill>
+                <a:schemeClr val="tx1"/>
+              </a:solidFill>
+              <a:effectLst/>
+              <a:latin typeface="Arial" panose="020B0604020202020204" pitchFamily="34" charset="0"/>
+            </a:endParaRPr>
+          </a:p>
+        </p:txBody>
+      </p:sp>
+    </p:spTree>
+    <p:extLst>
+      <p:ext uri="{BB962C8B-B14F-4D97-AF65-F5344CB8AC3E}">
+        <p14:creationId xmlns:p14="http://schemas.microsoft.com/office/powerpoint/2010/main" val="1516357171"/>
+      </p:ext>
+    </p:extLst>
+  </p:cSld>
+  <p:clrMapOvr>
+    <a:masterClrMapping/>
+  </p:clrMapOvr>
+</p:sld>
+</file>
+
+<file path=ppt/slides/slide8.xml><?xml version="1.0" encoding="utf-8"?>
+<p:sld xmlns:a="http://schemas.openxmlformats.org/drawingml/2006/main" xmlns:r="http://schemas.openxmlformats.org/officeDocument/2006/relationships" xmlns:p="http://schemas.openxmlformats.org/presentationml/2006/main">
+  <p:cSld>
+    <p:spTree>
+      <p:nvGrpSpPr>
+        <p:cNvPr id="1" name=""/>
+        <p:cNvGrpSpPr/>
+        <p:nvPr/>
+      </p:nvGrpSpPr>
+      <p:grpSpPr>
+        <a:xfrm>
+          <a:off x="0" y="0"/>
+          <a:ext cx="0" cy="0"/>
+          <a:chOff x="0" y="0"/>
+          <a:chExt cx="0" cy="0"/>
+        </a:xfrm>
+      </p:grpSpPr>
+      <p:sp>
+        <p:nvSpPr>
+          <p:cNvPr id="19" name="TextBox 18">
+            <a:extLst>
+              <a:ext uri="{FF2B5EF4-FFF2-40B4-BE49-F238E27FC236}">
+                <a16:creationId xmlns:a16="http://schemas.microsoft.com/office/drawing/2014/main" id="{25D04C93-F343-AB2A-40B9-ECB00D065A9A}"/>
+              </a:ext>
+            </a:extLst>
+          </p:cNvPr>
+          <p:cNvSpPr txBox="1"/>
+          <p:nvPr/>
+        </p:nvSpPr>
+        <p:spPr>
+          <a:xfrm>
+            <a:off x="0" y="555414"/>
+            <a:ext cx="12192000" cy="769441"/>
+          </a:xfrm>
+          <a:prstGeom prst="rect">
+            <a:avLst/>
+          </a:prstGeom>
+          <a:noFill/>
+        </p:spPr>
+        <p:txBody>
+          <a:bodyPr wrap="square" rtlCol="0">
+            <a:spAutoFit/>
+          </a:bodyPr>
+          <a:lstStyle/>
+          <a:p>
+            <a:pPr algn="ctr"/>
+            <a:r>
+              <a:rPr lang="en-US" sz="4400" b="1" dirty="0"/>
+              <a:t>Controller</a:t>
+            </a:r>
+          </a:p>
+        </p:txBody>
+      </p:sp>
+      <p:sp>
+        <p:nvSpPr>
+          <p:cNvPr id="5" name="Rectangle 3">
+            <a:extLst>
+              <a:ext uri="{FF2B5EF4-FFF2-40B4-BE49-F238E27FC236}">
+                <a16:creationId xmlns:a16="http://schemas.microsoft.com/office/drawing/2014/main" id="{8CA6F484-B968-C59E-A6D7-9292E4E46439}"/>
+              </a:ext>
+            </a:extLst>
+          </p:cNvPr>
+          <p:cNvSpPr>
+            <a:spLocks noChangeArrowheads="1"/>
+          </p:cNvSpPr>
+          <p:nvPr/>
+        </p:nvSpPr>
+        <p:spPr bwMode="auto">
+          <a:xfrm>
+            <a:off x="4056434" y="2699613"/>
+            <a:ext cx="4079132" cy="2308324"/>
+          </a:xfrm>
+          <a:prstGeom prst="rect">
+            <a:avLst/>
+          </a:prstGeom>
+          <a:solidFill>
+            <a:srgbClr val="1E1F22"/>
+          </a:solidFill>
+          <a:ln>
+            <a:noFill/>
+          </a:ln>
+          <a:effectLst/>
+          <a:extLst>
+            <a:ext uri="{91240B29-F687-4F45-9708-019B960494DF}">
+              <a14:hiddenLine xmlns:a14="http://schemas.microsoft.com/office/drawing/2010/main" w="9525">
+                <a:solidFill>
+                  <a:schemeClr val="tx1"/>
+                </a:solidFill>
+                <a:miter lim="800000"/>
+                <a:headEnd/>
+                <a:tailEnd/>
+              </a14:hiddenLine>
+            </a:ext>
+            <a:ext uri="{AF507438-7753-43E0-B8FC-AC1667EBCBE1}">
+              <a14:hiddenEffects xmlns:a14="http://schemas.microsoft.com/office/drawing/2010/main">
+                <a:effectLst>
+                  <a:outerShdw dist="35921" dir="2700000" algn="ctr" rotWithShape="0">
+                    <a:schemeClr val="bg2"/>
+                  </a:outerShdw>
+                </a:effectLst>
+              </a14:hiddenEffects>
+            </a:ext>
+          </a:extLst>
+        </p:spPr>
+        <p:txBody>
+          <a:bodyPr vert="horz" wrap="square" lIns="91440" tIns="45720" rIns="91440" bIns="45720" numCol="1" anchor="ctr" anchorCtr="0" compatLnSpc="1">
+            <a:prstTxWarp prst="textNoShape">
+              <a:avLst/>
+            </a:prstTxWarp>
+            <a:spAutoFit/>
+          </a:bodyPr>
+          <a:lstStyle/>
+          <a:p>
+            <a:pPr marL="0" marR="0" lvl="0" indent="0" algn="l" defTabSz="914400" rtl="0" eaLnBrk="0" fontAlgn="base" latinLnBrk="0" hangingPunct="0">
+              <a:lnSpc>
+                <a:spcPct val="100000"/>
+              </a:lnSpc>
+              <a:spcBef>
+                <a:spcPct val="0"/>
+              </a:spcBef>
+              <a:spcAft>
+                <a:spcPct val="0"/>
+              </a:spcAft>
+              <a:buClrTx/>
+              <a:buSzTx/>
+              <a:buFontTx/>
+              <a:buNone/>
+              <a:tabLst/>
+            </a:pPr>
+            <a:r>
+              <a:rPr kumimoji="0" lang="en-US" altLang="en-US" sz="1200" b="0" i="1" u="none" strike="noStrike" cap="none" normalizeH="0" baseline="0" dirty="0">
+                <a:ln>
+                  <a:noFill/>
+                </a:ln>
+                <a:solidFill>
+                  <a:srgbClr val="B3AE60"/>
+                </a:solidFill>
+                <a:effectLst/>
+                <a:latin typeface="JetBrains Mono"/>
+              </a:rPr>
+              <a:t>@RestController</a:t>
+            </a:r>
+            <a:br>
+              <a:rPr kumimoji="0" lang="en-US" altLang="en-US" sz="1200" b="0" i="1" u="none" strike="noStrike" cap="none" normalizeH="0" baseline="0" dirty="0">
+                <a:ln>
+                  <a:noFill/>
+                </a:ln>
+                <a:solidFill>
+                  <a:srgbClr val="B3AE60"/>
+                </a:solidFill>
+                <a:effectLst/>
+                <a:latin typeface="JetBrains Mono"/>
+              </a:rPr>
+            </a:br>
+            <a:r>
+              <a:rPr kumimoji="0" lang="en-US" altLang="en-US" sz="1200" b="0" i="1" u="none" strike="noStrike" cap="none" normalizeH="0" baseline="0" dirty="0">
+                <a:ln>
+                  <a:noFill/>
+                </a:ln>
+                <a:solidFill>
+                  <a:srgbClr val="B3AE60"/>
+                </a:solidFill>
+                <a:effectLst/>
+                <a:latin typeface="JetBrains Mono"/>
+              </a:rPr>
+              <a:t>@RequestMapping</a:t>
+            </a:r>
+            <a:r>
+              <a:rPr kumimoji="0" lang="en-US" altLang="en-US" sz="1200" b="0" i="1" u="none" strike="noStrike" cap="none" normalizeH="0" baseline="0" dirty="0">
+                <a:ln>
+                  <a:noFill/>
+                </a:ln>
+                <a:solidFill>
+                  <a:srgbClr val="BCBEC4"/>
+                </a:solidFill>
+                <a:effectLst/>
+                <a:latin typeface="JetBrains Mono"/>
+              </a:rPr>
+              <a:t>(</a:t>
+            </a:r>
+            <a:r>
+              <a:rPr kumimoji="0" lang="en-US" altLang="en-US" sz="1200" b="0" i="1" u="none" strike="noStrike" cap="none" normalizeH="0" baseline="0" dirty="0">
+                <a:ln>
+                  <a:noFill/>
+                </a:ln>
+                <a:solidFill>
+                  <a:srgbClr val="6AAB73"/>
+                </a:solidFill>
+                <a:effectLst/>
+                <a:latin typeface="JetBrains Mono"/>
+              </a:rPr>
+              <a:t>"users"</a:t>
+            </a:r>
+            <a:r>
+              <a:rPr kumimoji="0" lang="en-US" altLang="en-US" sz="1200" b="0" i="1" u="none" strike="noStrike" cap="none" normalizeH="0" baseline="0" dirty="0">
+                <a:ln>
+                  <a:noFill/>
+                </a:ln>
+                <a:solidFill>
+                  <a:srgbClr val="BCBEC4"/>
+                </a:solidFill>
+                <a:effectLst/>
+                <a:latin typeface="JetBrains Mono"/>
+              </a:rPr>
+              <a:t>)</a:t>
+            </a:r>
+            <a:br>
+              <a:rPr kumimoji="0" lang="en-US" altLang="en-US" sz="1200" b="0" i="1" u="none" strike="noStrike" cap="none" normalizeH="0" baseline="0" dirty="0">
+                <a:ln>
+                  <a:noFill/>
+                </a:ln>
+                <a:solidFill>
+                  <a:srgbClr val="BCBEC4"/>
+                </a:solidFill>
+                <a:effectLst/>
+                <a:latin typeface="JetBrains Mono"/>
+              </a:rPr>
+            </a:br>
+            <a:r>
+              <a:rPr kumimoji="0" lang="en-US" altLang="en-US" sz="1200" b="0" i="1" u="none" strike="noStrike" cap="none" normalizeH="0" baseline="0" dirty="0">
+                <a:ln>
+                  <a:noFill/>
+                </a:ln>
+                <a:solidFill>
+                  <a:srgbClr val="B3AE60"/>
+                </a:solidFill>
+                <a:effectLst/>
+                <a:latin typeface="JetBrains Mono"/>
+              </a:rPr>
+              <a:t>@AllArgsConstructor</a:t>
+            </a:r>
+            <a:br>
+              <a:rPr kumimoji="0" lang="en-US" altLang="en-US" sz="1200" b="0" i="1" u="none" strike="noStrike" cap="none" normalizeH="0" baseline="0" dirty="0">
+                <a:ln>
+                  <a:noFill/>
+                </a:ln>
+                <a:solidFill>
+                  <a:srgbClr val="B3AE60"/>
+                </a:solidFill>
+                <a:effectLst/>
+                <a:latin typeface="JetBrains Mono"/>
+              </a:rPr>
+            </a:br>
+            <a:r>
+              <a:rPr kumimoji="0" lang="en-US" altLang="en-US" sz="1200" b="0" i="1" u="none" strike="noStrike" cap="none" normalizeH="0" baseline="0" dirty="0">
+                <a:ln>
+                  <a:noFill/>
+                </a:ln>
+                <a:solidFill>
+                  <a:srgbClr val="CF8E6D"/>
+                </a:solidFill>
+                <a:effectLst/>
+                <a:latin typeface="JetBrains Mono"/>
+              </a:rPr>
+              <a:t>public class </a:t>
+            </a:r>
+            <a:r>
+              <a:rPr kumimoji="0" lang="en-US" altLang="en-US" sz="1200" b="0" i="1" u="none" strike="noStrike" cap="none" normalizeH="0" baseline="0" dirty="0" err="1">
+                <a:ln>
+                  <a:noFill/>
+                </a:ln>
+                <a:solidFill>
+                  <a:srgbClr val="BCBEC4"/>
+                </a:solidFill>
+                <a:effectLst/>
+                <a:latin typeface="JetBrains Mono"/>
+              </a:rPr>
+              <a:t>UserController</a:t>
+            </a:r>
+            <a:r>
+              <a:rPr kumimoji="0" lang="en-US" altLang="en-US" sz="1200" b="0" i="1" u="none" strike="noStrike" cap="none" normalizeH="0" baseline="0" dirty="0">
+                <a:ln>
+                  <a:noFill/>
+                </a:ln>
+                <a:solidFill>
+                  <a:srgbClr val="BCBEC4"/>
+                </a:solidFill>
+                <a:effectLst/>
+                <a:latin typeface="JetBrains Mono"/>
+              </a:rPr>
+              <a:t> {</a:t>
+            </a:r>
+            <a:br>
+              <a:rPr kumimoji="0" lang="en-US" altLang="en-US" sz="1200" b="0" i="1" u="none" strike="noStrike" cap="none" normalizeH="0" baseline="0" dirty="0">
+                <a:ln>
+                  <a:noFill/>
+                </a:ln>
+                <a:solidFill>
+                  <a:srgbClr val="BCBEC4"/>
+                </a:solidFill>
+                <a:effectLst/>
+                <a:latin typeface="JetBrains Mono"/>
+              </a:rPr>
+            </a:br>
+            <a:r>
+              <a:rPr kumimoji="0" lang="en-US" altLang="en-US" sz="1200" b="0" i="1" u="none" strike="noStrike" cap="none" normalizeH="0" baseline="0" dirty="0">
+                <a:ln>
+                  <a:noFill/>
+                </a:ln>
+                <a:solidFill>
+                  <a:srgbClr val="BCBEC4"/>
+                </a:solidFill>
+                <a:effectLst/>
+                <a:latin typeface="JetBrains Mono"/>
+              </a:rPr>
+              <a:t>    </a:t>
+            </a:r>
+            <a:br>
+              <a:rPr kumimoji="0" lang="en-US" altLang="en-US" sz="1200" b="0" i="1" u="none" strike="noStrike" cap="none" normalizeH="0" baseline="0" dirty="0">
+                <a:ln>
+                  <a:noFill/>
+                </a:ln>
+                <a:solidFill>
+                  <a:srgbClr val="BCBEC4"/>
+                </a:solidFill>
+                <a:effectLst/>
+                <a:latin typeface="JetBrains Mono"/>
+              </a:rPr>
+            </a:br>
+            <a:r>
+              <a:rPr kumimoji="0" lang="en-US" altLang="en-US" sz="1200" b="0" i="1" u="none" strike="noStrike" cap="none" normalizeH="0" baseline="0" dirty="0">
+                <a:ln>
+                  <a:noFill/>
+                </a:ln>
+                <a:solidFill>
+                  <a:srgbClr val="BCBEC4"/>
+                </a:solidFill>
+                <a:effectLst/>
+                <a:latin typeface="JetBrains Mono"/>
+              </a:rPr>
+              <a:t>    </a:t>
+            </a:r>
+            <a:r>
+              <a:rPr kumimoji="0" lang="en-US" altLang="en-US" sz="1200" b="0" i="1" u="none" strike="noStrike" cap="none" normalizeH="0" baseline="0" dirty="0">
+                <a:ln>
+                  <a:noFill/>
+                </a:ln>
+                <a:solidFill>
+                  <a:srgbClr val="CF8E6D"/>
+                </a:solidFill>
+                <a:effectLst/>
+                <a:latin typeface="JetBrains Mono"/>
+              </a:rPr>
+              <a:t>private final </a:t>
+            </a:r>
+            <a:r>
+              <a:rPr kumimoji="0" lang="en-US" altLang="en-US" sz="1200" b="0" i="1" u="none" strike="noStrike" cap="none" normalizeH="0" baseline="0" dirty="0" err="1">
+                <a:ln>
+                  <a:noFill/>
+                </a:ln>
+                <a:solidFill>
+                  <a:srgbClr val="BCBEC4"/>
+                </a:solidFill>
+                <a:effectLst/>
+                <a:latin typeface="JetBrains Mono"/>
+              </a:rPr>
+              <a:t>UserService</a:t>
+            </a:r>
+            <a:r>
+              <a:rPr kumimoji="0" lang="en-US" altLang="en-US" sz="1200" b="0" i="1" u="none" strike="noStrike" cap="none" normalizeH="0" baseline="0" dirty="0">
+                <a:ln>
+                  <a:noFill/>
+                </a:ln>
+                <a:solidFill>
+                  <a:srgbClr val="BCBEC4"/>
+                </a:solidFill>
+                <a:effectLst/>
+                <a:latin typeface="JetBrains Mono"/>
+              </a:rPr>
+              <a:t> </a:t>
+            </a:r>
+            <a:r>
+              <a:rPr kumimoji="0" lang="en-US" altLang="en-US" sz="1200" b="0" i="1" u="none" strike="noStrike" cap="none" normalizeH="0" baseline="0" dirty="0" err="1">
+                <a:ln>
+                  <a:noFill/>
+                </a:ln>
+                <a:solidFill>
+                  <a:srgbClr val="C77DBB"/>
+                </a:solidFill>
+                <a:effectLst/>
+                <a:latin typeface="JetBrains Mono"/>
+              </a:rPr>
+              <a:t>userService</a:t>
+            </a:r>
+            <a:r>
+              <a:rPr kumimoji="0" lang="en-US" altLang="en-US" sz="1200" b="0" i="1" u="none" strike="noStrike" cap="none" normalizeH="0" baseline="0" dirty="0">
+                <a:ln>
+                  <a:noFill/>
+                </a:ln>
+                <a:solidFill>
+                  <a:srgbClr val="BCBEC4"/>
+                </a:solidFill>
+                <a:effectLst/>
+                <a:latin typeface="JetBrains Mono"/>
+              </a:rPr>
+              <a:t>;</a:t>
+            </a:r>
+            <a:br>
+              <a:rPr kumimoji="0" lang="en-US" altLang="en-US" sz="1200" b="0" i="1" u="none" strike="noStrike" cap="none" normalizeH="0" baseline="0" dirty="0">
+                <a:ln>
+                  <a:noFill/>
+                </a:ln>
+                <a:solidFill>
+                  <a:srgbClr val="BCBEC4"/>
+                </a:solidFill>
+                <a:effectLst/>
+                <a:latin typeface="JetBrains Mono"/>
+              </a:rPr>
+            </a:br>
+            <a:r>
+              <a:rPr kumimoji="0" lang="en-US" altLang="en-US" sz="1200" b="0" i="1" u="none" strike="noStrike" cap="none" normalizeH="0" baseline="0" dirty="0">
+                <a:ln>
+                  <a:noFill/>
+                </a:ln>
+                <a:solidFill>
+                  <a:srgbClr val="BCBEC4"/>
+                </a:solidFill>
+                <a:effectLst/>
+                <a:latin typeface="JetBrains Mono"/>
+              </a:rPr>
+              <a:t>    </a:t>
+            </a:r>
+            <a:br>
+              <a:rPr kumimoji="0" lang="en-US" altLang="en-US" sz="1200" b="0" i="1" u="none" strike="noStrike" cap="none" normalizeH="0" baseline="0" dirty="0">
+                <a:ln>
+                  <a:noFill/>
+                </a:ln>
+                <a:solidFill>
+                  <a:srgbClr val="BCBEC4"/>
+                </a:solidFill>
+                <a:effectLst/>
+                <a:latin typeface="JetBrains Mono"/>
+              </a:rPr>
+            </a:br>
+            <a:r>
+              <a:rPr kumimoji="0" lang="en-US" altLang="en-US" sz="1200" b="0" i="1" u="none" strike="noStrike" cap="none" normalizeH="0" baseline="0" dirty="0">
+                <a:ln>
+                  <a:noFill/>
+                </a:ln>
+                <a:solidFill>
+                  <a:srgbClr val="BCBEC4"/>
+                </a:solidFill>
+                <a:effectLst/>
+                <a:latin typeface="JetBrains Mono"/>
+              </a:rPr>
+              <a:t>    </a:t>
+            </a:r>
+            <a:r>
+              <a:rPr kumimoji="0" lang="en-US" altLang="en-US" sz="1200" b="0" i="1" u="none" strike="noStrike" cap="none" normalizeH="0" baseline="0" dirty="0">
+                <a:ln>
+                  <a:noFill/>
+                </a:ln>
+                <a:solidFill>
+                  <a:srgbClr val="B3AE60"/>
+                </a:solidFill>
+                <a:effectLst/>
+                <a:latin typeface="JetBrains Mono"/>
+              </a:rPr>
+              <a:t>@PostMapping</a:t>
+            </a:r>
+            <a:br>
+              <a:rPr kumimoji="0" lang="en-US" altLang="en-US" sz="1200" b="0" i="1" u="none" strike="noStrike" cap="none" normalizeH="0" baseline="0" dirty="0">
+                <a:ln>
+                  <a:noFill/>
+                </a:ln>
+                <a:solidFill>
+                  <a:srgbClr val="B3AE60"/>
+                </a:solidFill>
+                <a:effectLst/>
+                <a:latin typeface="JetBrains Mono"/>
+              </a:rPr>
+            </a:br>
+            <a:r>
+              <a:rPr kumimoji="0" lang="en-US" altLang="en-US" sz="1200" b="0" i="1" u="none" strike="noStrike" cap="none" normalizeH="0" baseline="0" dirty="0">
+                <a:ln>
+                  <a:noFill/>
+                </a:ln>
+                <a:solidFill>
+                  <a:srgbClr val="B3AE60"/>
+                </a:solidFill>
+                <a:effectLst/>
+                <a:latin typeface="JetBrains Mono"/>
+              </a:rPr>
+              <a:t>    </a:t>
+            </a:r>
+            <a:r>
+              <a:rPr kumimoji="0" lang="en-US" altLang="en-US" sz="1200" b="0" i="1" u="none" strike="noStrike" cap="none" normalizeH="0" baseline="0" dirty="0">
+                <a:ln>
+                  <a:noFill/>
+                </a:ln>
+                <a:solidFill>
+                  <a:srgbClr val="CF8E6D"/>
+                </a:solidFill>
+                <a:effectLst/>
+                <a:latin typeface="JetBrains Mono"/>
+              </a:rPr>
+              <a:t>public </a:t>
+            </a:r>
+            <a:r>
+              <a:rPr kumimoji="0" lang="en-US" altLang="en-US" sz="1200" b="0" i="1" u="none" strike="noStrike" cap="none" normalizeH="0" baseline="0" dirty="0" err="1">
+                <a:ln>
+                  <a:noFill/>
+                </a:ln>
+                <a:solidFill>
+                  <a:srgbClr val="BCBEC4"/>
+                </a:solidFill>
+                <a:effectLst/>
+                <a:latin typeface="JetBrains Mono"/>
+              </a:rPr>
+              <a:t>UserDto</a:t>
+            </a:r>
+            <a:r>
+              <a:rPr kumimoji="0" lang="en-US" altLang="en-US" sz="1200" b="0" i="1" u="none" strike="noStrike" cap="none" normalizeH="0" baseline="0" dirty="0">
+                <a:ln>
+                  <a:noFill/>
+                </a:ln>
+                <a:solidFill>
+                  <a:srgbClr val="BCBEC4"/>
+                </a:solidFill>
+                <a:effectLst/>
+                <a:latin typeface="JetBrains Mono"/>
+              </a:rPr>
+              <a:t> </a:t>
+            </a:r>
+            <a:r>
+              <a:rPr kumimoji="0" lang="en-US" altLang="en-US" sz="1200" b="0" i="1" u="none" strike="noStrike" cap="none" normalizeH="0" baseline="0" dirty="0" err="1">
+                <a:ln>
+                  <a:noFill/>
+                </a:ln>
+                <a:solidFill>
+                  <a:srgbClr val="56A8F5"/>
+                </a:solidFill>
+                <a:effectLst/>
+                <a:latin typeface="JetBrains Mono"/>
+              </a:rPr>
+              <a:t>createUser</a:t>
+            </a:r>
+            <a:r>
+              <a:rPr kumimoji="0" lang="en-US" altLang="en-US" sz="1200" b="0" i="1" u="none" strike="noStrike" cap="none" normalizeH="0" baseline="0" dirty="0">
+                <a:ln>
+                  <a:noFill/>
+                </a:ln>
+                <a:solidFill>
+                  <a:srgbClr val="BCBEC4"/>
+                </a:solidFill>
+                <a:effectLst/>
+                <a:latin typeface="JetBrains Mono"/>
+              </a:rPr>
+              <a:t>(</a:t>
+            </a:r>
+            <a:r>
+              <a:rPr kumimoji="0" lang="en-US" altLang="en-US" sz="1200" b="0" i="1" u="none" strike="noStrike" cap="none" normalizeH="0" baseline="0" dirty="0">
+                <a:ln>
+                  <a:noFill/>
+                </a:ln>
+                <a:solidFill>
+                  <a:srgbClr val="B3AE60"/>
+                </a:solidFill>
+                <a:effectLst/>
+                <a:latin typeface="JetBrains Mono"/>
+              </a:rPr>
+              <a:t>@RequestBody </a:t>
+            </a:r>
+            <a:r>
+              <a:rPr kumimoji="0" lang="en-US" altLang="en-US" sz="1200" b="0" i="1" u="none" strike="noStrike" cap="none" normalizeH="0" baseline="0" dirty="0" err="1">
+                <a:ln>
+                  <a:noFill/>
+                </a:ln>
+                <a:solidFill>
+                  <a:srgbClr val="BCBEC4"/>
+                </a:solidFill>
+                <a:effectLst/>
+                <a:latin typeface="JetBrains Mono"/>
+              </a:rPr>
+              <a:t>UserDto</a:t>
+            </a:r>
+            <a:r>
+              <a:rPr kumimoji="0" lang="en-US" altLang="en-US" sz="1200" b="0" i="1" u="none" strike="noStrike" cap="none" normalizeH="0" baseline="0" dirty="0">
+                <a:ln>
+                  <a:noFill/>
+                </a:ln>
+                <a:solidFill>
+                  <a:srgbClr val="BCBEC4"/>
+                </a:solidFill>
+                <a:effectLst/>
+                <a:latin typeface="JetBrains Mono"/>
+              </a:rPr>
+              <a:t> user) {</a:t>
+            </a:r>
+            <a:br>
+              <a:rPr kumimoji="0" lang="en-US" altLang="en-US" sz="1200" b="0" i="1" u="none" strike="noStrike" cap="none" normalizeH="0" baseline="0" dirty="0">
+                <a:ln>
+                  <a:noFill/>
+                </a:ln>
+                <a:solidFill>
+                  <a:srgbClr val="BCBEC4"/>
+                </a:solidFill>
+                <a:effectLst/>
+                <a:latin typeface="JetBrains Mono"/>
+              </a:rPr>
+            </a:br>
+            <a:r>
+              <a:rPr kumimoji="0" lang="en-US" altLang="en-US" sz="1200" b="0" i="1" u="none" strike="noStrike" cap="none" normalizeH="0" baseline="0" dirty="0">
+                <a:ln>
+                  <a:noFill/>
+                </a:ln>
+                <a:solidFill>
+                  <a:srgbClr val="BCBEC4"/>
+                </a:solidFill>
+                <a:effectLst/>
+                <a:latin typeface="JetBrains Mono"/>
+              </a:rPr>
+              <a:t>        </a:t>
+            </a:r>
+            <a:r>
+              <a:rPr kumimoji="0" lang="en-US" altLang="en-US" sz="1200" b="0" i="1" u="none" strike="noStrike" cap="none" normalizeH="0" baseline="0" dirty="0">
+                <a:ln>
+                  <a:noFill/>
+                </a:ln>
+                <a:solidFill>
+                  <a:srgbClr val="CF8E6D"/>
+                </a:solidFill>
+                <a:effectLst/>
+                <a:latin typeface="JetBrains Mono"/>
+              </a:rPr>
+              <a:t>return </a:t>
+            </a:r>
+            <a:r>
+              <a:rPr kumimoji="0" lang="en-US" altLang="en-US" sz="1200" b="0" i="1" u="none" strike="noStrike" cap="none" normalizeH="0" baseline="0" dirty="0" err="1">
+                <a:ln>
+                  <a:noFill/>
+                </a:ln>
+                <a:solidFill>
+                  <a:srgbClr val="C77DBB"/>
+                </a:solidFill>
+                <a:effectLst/>
+                <a:latin typeface="JetBrains Mono"/>
+              </a:rPr>
+              <a:t>userService</a:t>
+            </a:r>
+            <a:r>
+              <a:rPr kumimoji="0" lang="en-US" altLang="en-US" sz="1200" b="0" i="1" u="none" strike="noStrike" cap="none" normalizeH="0" baseline="0" dirty="0" err="1">
+                <a:ln>
+                  <a:noFill/>
+                </a:ln>
+                <a:solidFill>
+                  <a:srgbClr val="BCBEC4"/>
+                </a:solidFill>
+                <a:effectLst/>
+                <a:latin typeface="JetBrains Mono"/>
+              </a:rPr>
+              <a:t>.createUser</a:t>
+            </a:r>
+            <a:r>
+              <a:rPr kumimoji="0" lang="en-US" altLang="en-US" sz="1200" b="0" i="1" u="none" strike="noStrike" cap="none" normalizeH="0" baseline="0" dirty="0">
+                <a:ln>
+                  <a:noFill/>
+                </a:ln>
+                <a:solidFill>
+                  <a:srgbClr val="BCBEC4"/>
+                </a:solidFill>
+                <a:effectLst/>
+                <a:latin typeface="JetBrains Mono"/>
+              </a:rPr>
+              <a:t>(user);</a:t>
+            </a:r>
+            <a:br>
+              <a:rPr kumimoji="0" lang="en-US" altLang="en-US" sz="1200" b="0" i="1" u="none" strike="noStrike" cap="none" normalizeH="0" baseline="0" dirty="0">
+                <a:ln>
+                  <a:noFill/>
+                </a:ln>
+                <a:solidFill>
+                  <a:srgbClr val="BCBEC4"/>
+                </a:solidFill>
+                <a:effectLst/>
+                <a:latin typeface="JetBrains Mono"/>
+              </a:rPr>
+            </a:br>
+            <a:r>
+              <a:rPr kumimoji="0" lang="en-US" altLang="en-US" sz="1200" b="0" i="1" u="none" strike="noStrike" cap="none" normalizeH="0" baseline="0" dirty="0">
+                <a:ln>
+                  <a:noFill/>
+                </a:ln>
+                <a:solidFill>
+                  <a:srgbClr val="BCBEC4"/>
+                </a:solidFill>
+                <a:effectLst/>
+                <a:latin typeface="JetBrains Mono"/>
+              </a:rPr>
+              <a:t>    }</a:t>
+            </a:r>
+            <a:br>
+              <a:rPr kumimoji="0" lang="en-US" altLang="en-US" sz="1200" b="0" i="1" u="none" strike="noStrike" cap="none" normalizeH="0" baseline="0" dirty="0">
+                <a:ln>
+                  <a:noFill/>
+                </a:ln>
+                <a:solidFill>
+                  <a:srgbClr val="BCBEC4"/>
+                </a:solidFill>
+                <a:effectLst/>
+                <a:latin typeface="JetBrains Mono"/>
+              </a:rPr>
+            </a:br>
+            <a:r>
+              <a:rPr kumimoji="0" lang="en-US" altLang="en-US" sz="1200" b="0" i="1" u="none" strike="noStrike" cap="none" normalizeH="0" baseline="0" dirty="0">
+                <a:ln>
+                  <a:noFill/>
+                </a:ln>
+                <a:solidFill>
+                  <a:srgbClr val="BCBEC4"/>
+                </a:solidFill>
+                <a:effectLst/>
+                <a:latin typeface="JetBrains Mono"/>
+              </a:rPr>
+              <a:t>}</a:t>
+            </a:r>
+            <a:endParaRPr kumimoji="0" lang="en-US" altLang="en-US" sz="1800" b="0" i="1" u="none" strike="noStrike" cap="none" normalizeH="0" baseline="0" dirty="0">
+              <a:ln>
+                <a:noFill/>
+              </a:ln>
+              <a:solidFill>
+                <a:schemeClr val="tx1"/>
+              </a:solidFill>
+              <a:effectLst/>
+              <a:latin typeface="Arial" panose="020B0604020202020204" pitchFamily="34" charset="0"/>
+            </a:endParaRPr>
+          </a:p>
+        </p:txBody>
+      </p:sp>
+    </p:spTree>
+    <p:extLst>
+      <p:ext uri="{BB962C8B-B14F-4D97-AF65-F5344CB8AC3E}">
+        <p14:creationId xmlns:p14="http://schemas.microsoft.com/office/powerpoint/2010/main" val="1964095133"/>
+      </p:ext>
+    </p:extLst>
+  </p:cSld>
+  <p:clrMapOvr>
+    <a:masterClrMapping/>
+  </p:clrMapOvr>
+</p:sld>
+</file>
+
+<file path=ppt/slides/slide9.xml><?xml version="1.0" encoding="utf-8"?>
+<p:sld xmlns:a="http://schemas.openxmlformats.org/drawingml/2006/main" xmlns:r="http://schemas.openxmlformats.org/officeDocument/2006/relationships" xmlns:p="http://schemas.openxmlformats.org/presentationml/2006/main">
+  <p:cSld>
+    <p:spTree>
+      <p:nvGrpSpPr>
+        <p:cNvPr id="1" name=""/>
+        <p:cNvGrpSpPr/>
+        <p:nvPr/>
+      </p:nvGrpSpPr>
+      <p:grpSpPr>
+        <a:xfrm>
+          <a:off x="0" y="0"/>
+          <a:ext cx="0" cy="0"/>
+          <a:chOff x="0" y="0"/>
+          <a:chExt cx="0" cy="0"/>
+        </a:xfrm>
+      </p:grpSpPr>
+      <p:sp>
+        <p:nvSpPr>
+          <p:cNvPr id="19" name="TextBox 18">
+            <a:extLst>
+              <a:ext uri="{FF2B5EF4-FFF2-40B4-BE49-F238E27FC236}">
+                <a16:creationId xmlns:a16="http://schemas.microsoft.com/office/drawing/2014/main" id="{25D04C93-F343-AB2A-40B9-ECB00D065A9A}"/>
+              </a:ext>
+            </a:extLst>
+          </p:cNvPr>
+          <p:cNvSpPr txBox="1"/>
+          <p:nvPr/>
+        </p:nvSpPr>
+        <p:spPr>
+          <a:xfrm>
+            <a:off x="0" y="555414"/>
+            <a:ext cx="12192000" cy="769441"/>
+          </a:xfrm>
+          <a:prstGeom prst="rect">
+            <a:avLst/>
+          </a:prstGeom>
+          <a:noFill/>
+        </p:spPr>
+        <p:txBody>
+          <a:bodyPr wrap="square" rtlCol="0">
+            <a:spAutoFit/>
+          </a:bodyPr>
+          <a:lstStyle/>
+          <a:p>
+            <a:pPr algn="ctr"/>
+            <a:r>
+              <a:rPr lang="en-US" sz="4400" b="1" dirty="0"/>
+              <a:t>Spring Project Structure</a:t>
             </a:r>
           </a:p>
         </p:txBody>
       </p:sp>
       <p:pic>
         <p:nvPicPr>
-          <p:cNvPr id="4" name="Picture 3">
+          <p:cNvPr id="3" name="Picture 2">
             <a:extLst>
               <a:ext uri="{FF2B5EF4-FFF2-40B4-BE49-F238E27FC236}">
-                <a16:creationId xmlns:a16="http://schemas.microsoft.com/office/drawing/2014/main" id="{01771DAB-4C48-CDCA-12C5-12652B664607}"/>
+                <a16:creationId xmlns:a16="http://schemas.microsoft.com/office/drawing/2014/main" id="{3427CCA9-37E1-205F-16F8-FC25FDB67495}"/>
               </a:ext>
             </a:extLst>
           </p:cNvPr>
@@ -10066,8 +12450,8 @@
         </p:blipFill>
         <p:spPr>
           <a:xfrm>
-            <a:off x="4524155" y="1640267"/>
-            <a:ext cx="3143689" cy="5010849"/>
+            <a:off x="4947902" y="1608306"/>
+            <a:ext cx="2296195" cy="4873557"/>
           </a:xfrm>
           <a:prstGeom prst="rect">
             <a:avLst/>

--- a/spring.pptx
+++ b/spring.pptx
@@ -5,7 +5,7 @@
     <p:sldMasterId id="2147483648" r:id="rId1"/>
   </p:sldMasterIdLst>
   <p:notesMasterIdLst>
-    <p:notesMasterId r:id="rId11"/>
+    <p:notesMasterId r:id="rId14"/>
   </p:notesMasterIdLst>
   <p:sldIdLst>
     <p:sldId id="256" r:id="rId2"/>
@@ -16,7 +16,10 @@
     <p:sldId id="280" r:id="rId7"/>
     <p:sldId id="275" r:id="rId8"/>
     <p:sldId id="276" r:id="rId9"/>
-    <p:sldId id="277" r:id="rId10"/>
+    <p:sldId id="281" r:id="rId10"/>
+    <p:sldId id="282" r:id="rId11"/>
+    <p:sldId id="283" r:id="rId12"/>
+    <p:sldId id="277" r:id="rId13"/>
   </p:sldIdLst>
   <p:sldSz cx="12192000" cy="6858000"/>
   <p:notesSz cx="6858000" cy="9144000"/>
@@ -126,7 +129,7 @@
 <file path=ppt/revisionInfo.xml><?xml version="1.0" encoding="utf-8"?>
 <p1510:revInfo xmlns:a="http://schemas.openxmlformats.org/drawingml/2006/main" xmlns:r="http://schemas.openxmlformats.org/officeDocument/2006/relationships" xmlns:p1510="http://schemas.microsoft.com/office/powerpoint/2015/10/main">
   <p1510:revLst>
-    <p1510:client id="{280ACB38-255A-46C4-8476-5EBED5F8E428}" v="80" dt="2024-09-16T01:43:25.378"/>
+    <p1510:client id="{280ACB38-255A-46C4-8476-5EBED5F8E428}" v="134" dt="2024-09-22T11:56:45.167"/>
   </p1510:revLst>
 </p1510:revInfo>
 </file>
@@ -136,7 +139,7 @@
   <pc:docChgLst>
     <pc:chgData name="Mohammed Amine BAGDOURI" userId="e89d4c646e9a864e" providerId="LiveId" clId="{280ACB38-255A-46C4-8476-5EBED5F8E428}"/>
     <pc:docChg chg="undo redo custSel addSld delSld modSld sldOrd">
-      <pc:chgData name="Mohammed Amine BAGDOURI" userId="e89d4c646e9a864e" providerId="LiveId" clId="{280ACB38-255A-46C4-8476-5EBED5F8E428}" dt="2024-09-16T01:43:34.812" v="911"/>
+      <pc:chgData name="Mohammed Amine BAGDOURI" userId="e89d4c646e9a864e" providerId="LiveId" clId="{280ACB38-255A-46C4-8476-5EBED5F8E428}" dt="2024-09-22T11:56:45.152" v="1177" actId="1076"/>
       <pc:docMkLst>
         <pc:docMk/>
       </pc:docMkLst>
@@ -1574,6 +1577,179 @@
           </ac:spMkLst>
         </pc:spChg>
       </pc:sldChg>
+      <pc:sldChg chg="addSp delSp modSp add mod ord">
+        <pc:chgData name="Mohammed Amine BAGDOURI" userId="e89d4c646e9a864e" providerId="LiveId" clId="{280ACB38-255A-46C4-8476-5EBED5F8E428}" dt="2024-09-22T11:54:07.599" v="1145" actId="20577"/>
+        <pc:sldMkLst>
+          <pc:docMk/>
+          <pc:sldMk cId="1964869686" sldId="281"/>
+        </pc:sldMkLst>
+        <pc:spChg chg="add del mod">
+          <ac:chgData name="Mohammed Amine BAGDOURI" userId="e89d4c646e9a864e" providerId="LiveId" clId="{280ACB38-255A-46C4-8476-5EBED5F8E428}" dt="2024-09-22T11:40:55.855" v="928" actId="478"/>
+          <ac:spMkLst>
+            <pc:docMk/>
+            <pc:sldMk cId="1964869686" sldId="281"/>
+            <ac:spMk id="2" creationId="{B7E8E5DF-B5F4-21E1-82BC-1778AE9A69FD}"/>
+          </ac:spMkLst>
+        </pc:spChg>
+        <pc:spChg chg="add del mod">
+          <ac:chgData name="Mohammed Amine BAGDOURI" userId="e89d4c646e9a864e" providerId="LiveId" clId="{280ACB38-255A-46C4-8476-5EBED5F8E428}" dt="2024-09-22T11:41:22.544" v="961" actId="478"/>
+          <ac:spMkLst>
+            <pc:docMk/>
+            <pc:sldMk cId="1964869686" sldId="281"/>
+            <ac:spMk id="4" creationId="{C4ED9EBA-825D-FD3A-7089-55E9FDF38016}"/>
+          </ac:spMkLst>
+        </pc:spChg>
+        <pc:spChg chg="add del mod">
+          <ac:chgData name="Mohammed Amine BAGDOURI" userId="e89d4c646e9a864e" providerId="LiveId" clId="{280ACB38-255A-46C4-8476-5EBED5F8E428}" dt="2024-09-22T11:41:21.319" v="960" actId="478"/>
+          <ac:spMkLst>
+            <pc:docMk/>
+            <pc:sldMk cId="1964869686" sldId="281"/>
+            <ac:spMk id="5" creationId="{ADC34B3A-5E33-906F-3D57-887AF0C31A1E}"/>
+          </ac:spMkLst>
+        </pc:spChg>
+        <pc:spChg chg="add mod">
+          <ac:chgData name="Mohammed Amine BAGDOURI" userId="e89d4c646e9a864e" providerId="LiveId" clId="{280ACB38-255A-46C4-8476-5EBED5F8E428}" dt="2024-09-22T11:49:24.231" v="995" actId="1076"/>
+          <ac:spMkLst>
+            <pc:docMk/>
+            <pc:sldMk cId="1964869686" sldId="281"/>
+            <ac:spMk id="6" creationId="{14B1DE42-84D7-0267-8C19-95ED650F363B}"/>
+          </ac:spMkLst>
+        </pc:spChg>
+        <pc:spChg chg="add del mod">
+          <ac:chgData name="Mohammed Amine BAGDOURI" userId="e89d4c646e9a864e" providerId="LiveId" clId="{280ACB38-255A-46C4-8476-5EBED5F8E428}" dt="2024-09-22T11:49:07.055" v="985" actId="478"/>
+          <ac:spMkLst>
+            <pc:docMk/>
+            <pc:sldMk cId="1964869686" sldId="281"/>
+            <ac:spMk id="7" creationId="{222270B6-1FF8-6E62-7C37-D815CE95B27D}"/>
+          </ac:spMkLst>
+        </pc:spChg>
+        <pc:spChg chg="add mod">
+          <ac:chgData name="Mohammed Amine BAGDOURI" userId="e89d4c646e9a864e" providerId="LiveId" clId="{280ACB38-255A-46C4-8476-5EBED5F8E428}" dt="2024-09-22T11:54:07.599" v="1145" actId="20577"/>
+          <ac:spMkLst>
+            <pc:docMk/>
+            <pc:sldMk cId="1964869686" sldId="281"/>
+            <ac:spMk id="8" creationId="{DC98A203-3E48-D748-7812-FEEF5615395A}"/>
+          </ac:spMkLst>
+        </pc:spChg>
+        <pc:spChg chg="mod">
+          <ac:chgData name="Mohammed Amine BAGDOURI" userId="e89d4c646e9a864e" providerId="LiveId" clId="{280ACB38-255A-46C4-8476-5EBED5F8E428}" dt="2024-09-22T11:53:50.819" v="1142" actId="20577"/>
+          <ac:spMkLst>
+            <pc:docMk/>
+            <pc:sldMk cId="1964869686" sldId="281"/>
+            <ac:spMk id="19" creationId="{25D04C93-F343-AB2A-40B9-ECB00D065A9A}"/>
+          </ac:spMkLst>
+        </pc:spChg>
+        <pc:picChg chg="del">
+          <ac:chgData name="Mohammed Amine BAGDOURI" userId="e89d4c646e9a864e" providerId="LiveId" clId="{280ACB38-255A-46C4-8476-5EBED5F8E428}" dt="2024-09-22T11:40:47.712" v="926" actId="478"/>
+          <ac:picMkLst>
+            <pc:docMk/>
+            <pc:sldMk cId="1964869686" sldId="281"/>
+            <ac:picMk id="3" creationId="{3427CCA9-37E1-205F-16F8-FC25FDB67495}"/>
+          </ac:picMkLst>
+        </pc:picChg>
+      </pc:sldChg>
+      <pc:sldChg chg="addSp delSp modSp add mod">
+        <pc:chgData name="Mohammed Amine BAGDOURI" userId="e89d4c646e9a864e" providerId="LiveId" clId="{280ACB38-255A-46C4-8476-5EBED5F8E428}" dt="2024-09-22T11:54:28.162" v="1148" actId="113"/>
+        <pc:sldMkLst>
+          <pc:docMk/>
+          <pc:sldMk cId="382081568" sldId="282"/>
+        </pc:sldMkLst>
+        <pc:spChg chg="add mod">
+          <ac:chgData name="Mohammed Amine BAGDOURI" userId="e89d4c646e9a864e" providerId="LiveId" clId="{280ACB38-255A-46C4-8476-5EBED5F8E428}" dt="2024-09-22T11:51:32.672" v="1043" actId="5793"/>
+          <ac:spMkLst>
+            <pc:docMk/>
+            <pc:sldMk cId="382081568" sldId="282"/>
+            <ac:spMk id="2" creationId="{2B6FDF10-775A-74B7-5CC5-7A2D3086784E}"/>
+          </ac:spMkLst>
+        </pc:spChg>
+        <pc:spChg chg="add mod">
+          <ac:chgData name="Mohammed Amine BAGDOURI" userId="e89d4c646e9a864e" providerId="LiveId" clId="{280ACB38-255A-46C4-8476-5EBED5F8E428}" dt="2024-09-22T11:54:28.162" v="1148" actId="113"/>
+          <ac:spMkLst>
+            <pc:docMk/>
+            <pc:sldMk cId="382081568" sldId="282"/>
+            <ac:spMk id="3" creationId="{C25A8911-A867-D886-0FA5-BFE5B768AAE1}"/>
+          </ac:spMkLst>
+        </pc:spChg>
+        <pc:spChg chg="add mod">
+          <ac:chgData name="Mohammed Amine BAGDOURI" userId="e89d4c646e9a864e" providerId="LiveId" clId="{280ACB38-255A-46C4-8476-5EBED5F8E428}" dt="2024-09-22T11:52:57.820" v="1081" actId="1076"/>
+          <ac:spMkLst>
+            <pc:docMk/>
+            <pc:sldMk cId="382081568" sldId="282"/>
+            <ac:spMk id="4" creationId="{90F02CCC-BE70-95E1-A08E-86BF2AD61DC5}"/>
+          </ac:spMkLst>
+        </pc:spChg>
+        <pc:spChg chg="del">
+          <ac:chgData name="Mohammed Amine BAGDOURI" userId="e89d4c646e9a864e" providerId="LiveId" clId="{280ACB38-255A-46C4-8476-5EBED5F8E428}" dt="2024-09-22T11:51:19.456" v="1039" actId="478"/>
+          <ac:spMkLst>
+            <pc:docMk/>
+            <pc:sldMk cId="382081568" sldId="282"/>
+            <ac:spMk id="6" creationId="{14B1DE42-84D7-0267-8C19-95ED650F363B}"/>
+          </ac:spMkLst>
+        </pc:spChg>
+        <pc:spChg chg="del">
+          <ac:chgData name="Mohammed Amine BAGDOURI" userId="e89d4c646e9a864e" providerId="LiveId" clId="{280ACB38-255A-46C4-8476-5EBED5F8E428}" dt="2024-09-22T11:52:24.101" v="1044" actId="478"/>
+          <ac:spMkLst>
+            <pc:docMk/>
+            <pc:sldMk cId="382081568" sldId="282"/>
+            <ac:spMk id="8" creationId="{DC98A203-3E48-D748-7812-FEEF5615395A}"/>
+          </ac:spMkLst>
+        </pc:spChg>
+        <pc:spChg chg="mod">
+          <ac:chgData name="Mohammed Amine BAGDOURI" userId="e89d4c646e9a864e" providerId="LiveId" clId="{280ACB38-255A-46C4-8476-5EBED5F8E428}" dt="2024-09-22T11:50:23.107" v="1032" actId="20577"/>
+          <ac:spMkLst>
+            <pc:docMk/>
+            <pc:sldMk cId="382081568" sldId="282"/>
+            <ac:spMk id="19" creationId="{25D04C93-F343-AB2A-40B9-ECB00D065A9A}"/>
+          </ac:spMkLst>
+        </pc:spChg>
+      </pc:sldChg>
+      <pc:sldChg chg="addSp delSp modSp add mod">
+        <pc:chgData name="Mohammed Amine BAGDOURI" userId="e89d4c646e9a864e" providerId="LiveId" clId="{280ACB38-255A-46C4-8476-5EBED5F8E428}" dt="2024-09-22T11:56:45.152" v="1177" actId="1076"/>
+        <pc:sldMkLst>
+          <pc:docMk/>
+          <pc:sldMk cId="3271259979" sldId="283"/>
+        </pc:sldMkLst>
+        <pc:spChg chg="del">
+          <ac:chgData name="Mohammed Amine BAGDOURI" userId="e89d4c646e9a864e" providerId="LiveId" clId="{280ACB38-255A-46C4-8476-5EBED5F8E428}" dt="2024-09-22T11:56:00.287" v="1166" actId="478"/>
+          <ac:spMkLst>
+            <pc:docMk/>
+            <pc:sldMk cId="3271259979" sldId="283"/>
+            <ac:spMk id="2" creationId="{2B6FDF10-775A-74B7-5CC5-7A2D3086784E}"/>
+          </ac:spMkLst>
+        </pc:spChg>
+        <pc:spChg chg="del">
+          <ac:chgData name="Mohammed Amine BAGDOURI" userId="e89d4c646e9a864e" providerId="LiveId" clId="{280ACB38-255A-46C4-8476-5EBED5F8E428}" dt="2024-09-22T11:56:00.287" v="1166" actId="478"/>
+          <ac:spMkLst>
+            <pc:docMk/>
+            <pc:sldMk cId="3271259979" sldId="283"/>
+            <ac:spMk id="3" creationId="{C25A8911-A867-D886-0FA5-BFE5B768AAE1}"/>
+          </ac:spMkLst>
+        </pc:spChg>
+        <pc:spChg chg="del">
+          <ac:chgData name="Mohammed Amine BAGDOURI" userId="e89d4c646e9a864e" providerId="LiveId" clId="{280ACB38-255A-46C4-8476-5EBED5F8E428}" dt="2024-09-22T11:56:00.287" v="1166" actId="478"/>
+          <ac:spMkLst>
+            <pc:docMk/>
+            <pc:sldMk cId="3271259979" sldId="283"/>
+            <ac:spMk id="4" creationId="{90F02CCC-BE70-95E1-A08E-86BF2AD61DC5}"/>
+          </ac:spMkLst>
+        </pc:spChg>
+        <pc:spChg chg="add mod">
+          <ac:chgData name="Mohammed Amine BAGDOURI" userId="e89d4c646e9a864e" providerId="LiveId" clId="{280ACB38-255A-46C4-8476-5EBED5F8E428}" dt="2024-09-22T11:56:45.152" v="1177" actId="1076"/>
+          <ac:spMkLst>
+            <pc:docMk/>
+            <pc:sldMk cId="3271259979" sldId="283"/>
+            <ac:spMk id="5" creationId="{F5BF4595-3B89-3E2E-518E-47C8983F656F}"/>
+          </ac:spMkLst>
+        </pc:spChg>
+        <pc:spChg chg="mod">
+          <ac:chgData name="Mohammed Amine BAGDOURI" userId="e89d4c646e9a864e" providerId="LiveId" clId="{280ACB38-255A-46C4-8476-5EBED5F8E428}" dt="2024-09-22T11:55:57.684" v="1165" actId="20577"/>
+          <ac:spMkLst>
+            <pc:docMk/>
+            <pc:sldMk cId="3271259979" sldId="283"/>
+            <ac:spMk id="19" creationId="{25D04C93-F343-AB2A-40B9-ECB00D065A9A}"/>
+          </ac:spMkLst>
+        </pc:spChg>
+      </pc:sldChg>
     </pc:docChg>
   </pc:docChgLst>
 </pc:chgInfo>
@@ -1661,7 +1837,7 @@
           <a:p>
             <a:fld id="{D7555D10-7538-40E9-AAF0-FAB234593202}" type="datetimeFigureOut">
               <a:rPr lang="en-US" smtClean="0"/>
-              <a:t>2024-09-16</a:t>
+              <a:t>2024-09-22</a:t>
             </a:fld>
             <a:endParaRPr lang="en-US"/>
           </a:p>
@@ -2012,6 +2188,174 @@
 </p:notes>
 </file>
 
+<file path=ppt/notesSlides/notesSlide10.xml><?xml version="1.0" encoding="utf-8"?>
+<p:notes xmlns:a="http://schemas.openxmlformats.org/drawingml/2006/main" xmlns:r="http://schemas.openxmlformats.org/officeDocument/2006/relationships" xmlns:p="http://schemas.openxmlformats.org/presentationml/2006/main">
+  <p:cSld>
+    <p:spTree>
+      <p:nvGrpSpPr>
+        <p:cNvPr id="1" name=""/>
+        <p:cNvGrpSpPr/>
+        <p:nvPr/>
+      </p:nvGrpSpPr>
+      <p:grpSpPr>
+        <a:xfrm>
+          <a:off x="0" y="0"/>
+          <a:ext cx="0" cy="0"/>
+          <a:chOff x="0" y="0"/>
+          <a:chExt cx="0" cy="0"/>
+        </a:xfrm>
+      </p:grpSpPr>
+      <p:sp>
+        <p:nvSpPr>
+          <p:cNvPr id="2" name="Slide Image Placeholder 1"/>
+          <p:cNvSpPr>
+            <a:spLocks noGrp="1" noRot="1" noChangeAspect="1"/>
+          </p:cNvSpPr>
+          <p:nvPr>
+            <p:ph type="sldImg"/>
+          </p:nvPr>
+        </p:nvSpPr>
+        <p:spPr/>
+      </p:sp>
+      <p:sp>
+        <p:nvSpPr>
+          <p:cNvPr id="3" name="Notes Placeholder 2"/>
+          <p:cNvSpPr>
+            <a:spLocks noGrp="1"/>
+          </p:cNvSpPr>
+          <p:nvPr>
+            <p:ph type="body" idx="1"/>
+          </p:nvPr>
+        </p:nvSpPr>
+        <p:spPr/>
+        <p:txBody>
+          <a:bodyPr/>
+          <a:lstStyle/>
+          <a:p>
+            <a:endParaRPr lang="en-US"/>
+          </a:p>
+        </p:txBody>
+      </p:sp>
+      <p:sp>
+        <p:nvSpPr>
+          <p:cNvPr id="4" name="Slide Number Placeholder 3"/>
+          <p:cNvSpPr>
+            <a:spLocks noGrp="1"/>
+          </p:cNvSpPr>
+          <p:nvPr>
+            <p:ph type="sldNum" sz="quarter" idx="5"/>
+          </p:nvPr>
+        </p:nvSpPr>
+        <p:spPr/>
+        <p:txBody>
+          <a:bodyPr/>
+          <a:lstStyle/>
+          <a:p>
+            <a:fld id="{3972A699-31B3-45FC-B984-BCDED1A6FD7F}" type="slidenum">
+              <a:rPr lang="en-US" smtClean="0"/>
+              <a:t>11</a:t>
+            </a:fld>
+            <a:endParaRPr lang="en-US"/>
+          </a:p>
+        </p:txBody>
+      </p:sp>
+    </p:spTree>
+    <p:extLst>
+      <p:ext uri="{BB962C8B-B14F-4D97-AF65-F5344CB8AC3E}">
+        <p14:creationId xmlns:p14="http://schemas.microsoft.com/office/powerpoint/2010/main" val="3130265080"/>
+      </p:ext>
+    </p:extLst>
+  </p:cSld>
+  <p:clrMapOvr>
+    <a:masterClrMapping/>
+  </p:clrMapOvr>
+</p:notes>
+</file>
+
+<file path=ppt/notesSlides/notesSlide11.xml><?xml version="1.0" encoding="utf-8"?>
+<p:notes xmlns:a="http://schemas.openxmlformats.org/drawingml/2006/main" xmlns:r="http://schemas.openxmlformats.org/officeDocument/2006/relationships" xmlns:p="http://schemas.openxmlformats.org/presentationml/2006/main">
+  <p:cSld>
+    <p:spTree>
+      <p:nvGrpSpPr>
+        <p:cNvPr id="1" name=""/>
+        <p:cNvGrpSpPr/>
+        <p:nvPr/>
+      </p:nvGrpSpPr>
+      <p:grpSpPr>
+        <a:xfrm>
+          <a:off x="0" y="0"/>
+          <a:ext cx="0" cy="0"/>
+          <a:chOff x="0" y="0"/>
+          <a:chExt cx="0" cy="0"/>
+        </a:xfrm>
+      </p:grpSpPr>
+      <p:sp>
+        <p:nvSpPr>
+          <p:cNvPr id="2" name="Slide Image Placeholder 1"/>
+          <p:cNvSpPr>
+            <a:spLocks noGrp="1" noRot="1" noChangeAspect="1"/>
+          </p:cNvSpPr>
+          <p:nvPr>
+            <p:ph type="sldImg"/>
+          </p:nvPr>
+        </p:nvSpPr>
+        <p:spPr/>
+      </p:sp>
+      <p:sp>
+        <p:nvSpPr>
+          <p:cNvPr id="3" name="Notes Placeholder 2"/>
+          <p:cNvSpPr>
+            <a:spLocks noGrp="1"/>
+          </p:cNvSpPr>
+          <p:nvPr>
+            <p:ph type="body" idx="1"/>
+          </p:nvPr>
+        </p:nvSpPr>
+        <p:spPr/>
+        <p:txBody>
+          <a:bodyPr/>
+          <a:lstStyle/>
+          <a:p>
+            <a:endParaRPr lang="en-US"/>
+          </a:p>
+        </p:txBody>
+      </p:sp>
+      <p:sp>
+        <p:nvSpPr>
+          <p:cNvPr id="4" name="Slide Number Placeholder 3"/>
+          <p:cNvSpPr>
+            <a:spLocks noGrp="1"/>
+          </p:cNvSpPr>
+          <p:nvPr>
+            <p:ph type="sldNum" sz="quarter" idx="5"/>
+          </p:nvPr>
+        </p:nvSpPr>
+        <p:spPr/>
+        <p:txBody>
+          <a:bodyPr/>
+          <a:lstStyle/>
+          <a:p>
+            <a:fld id="{3972A699-31B3-45FC-B984-BCDED1A6FD7F}" type="slidenum">
+              <a:rPr lang="en-US" smtClean="0"/>
+              <a:t>12</a:t>
+            </a:fld>
+            <a:endParaRPr lang="en-US"/>
+          </a:p>
+        </p:txBody>
+      </p:sp>
+    </p:spTree>
+    <p:extLst>
+      <p:ext uri="{BB962C8B-B14F-4D97-AF65-F5344CB8AC3E}">
+        <p14:creationId xmlns:p14="http://schemas.microsoft.com/office/powerpoint/2010/main" val="4056713928"/>
+      </p:ext>
+    </p:extLst>
+  </p:cSld>
+  <p:clrMapOvr>
+    <a:masterClrMapping/>
+  </p:clrMapOvr>
+</p:notes>
+</file>
+
 <file path=ppt/notesSlides/notesSlide2.xml><?xml version="1.0" encoding="utf-8"?>
 <p:notes xmlns:a="http://schemas.openxmlformats.org/drawingml/2006/main" xmlns:r="http://schemas.openxmlformats.org/officeDocument/2006/relationships" xmlns:p="http://schemas.openxmlformats.org/presentationml/2006/main">
   <p:cSld>
@@ -2476,7 +2820,7 @@
           <a:bodyPr/>
           <a:lstStyle/>
           <a:p>
-            <a:endParaRPr lang="en-US"/>
+            <a:endParaRPr lang="en-US" dirty="0"/>
           </a:p>
         </p:txBody>
       </p:sp>
@@ -2590,7 +2934,91 @@
     </p:spTree>
     <p:extLst>
       <p:ext uri="{BB962C8B-B14F-4D97-AF65-F5344CB8AC3E}">
-        <p14:creationId xmlns:p14="http://schemas.microsoft.com/office/powerpoint/2010/main" val="4056713928"/>
+        <p14:creationId xmlns:p14="http://schemas.microsoft.com/office/powerpoint/2010/main" val="4103849525"/>
+      </p:ext>
+    </p:extLst>
+  </p:cSld>
+  <p:clrMapOvr>
+    <a:masterClrMapping/>
+  </p:clrMapOvr>
+</p:notes>
+</file>
+
+<file path=ppt/notesSlides/notesSlide9.xml><?xml version="1.0" encoding="utf-8"?>
+<p:notes xmlns:a="http://schemas.openxmlformats.org/drawingml/2006/main" xmlns:r="http://schemas.openxmlformats.org/officeDocument/2006/relationships" xmlns:p="http://schemas.openxmlformats.org/presentationml/2006/main">
+  <p:cSld>
+    <p:spTree>
+      <p:nvGrpSpPr>
+        <p:cNvPr id="1" name=""/>
+        <p:cNvGrpSpPr/>
+        <p:nvPr/>
+      </p:nvGrpSpPr>
+      <p:grpSpPr>
+        <a:xfrm>
+          <a:off x="0" y="0"/>
+          <a:ext cx="0" cy="0"/>
+          <a:chOff x="0" y="0"/>
+          <a:chExt cx="0" cy="0"/>
+        </a:xfrm>
+      </p:grpSpPr>
+      <p:sp>
+        <p:nvSpPr>
+          <p:cNvPr id="2" name="Slide Image Placeholder 1"/>
+          <p:cNvSpPr>
+            <a:spLocks noGrp="1" noRot="1" noChangeAspect="1"/>
+          </p:cNvSpPr>
+          <p:nvPr>
+            <p:ph type="sldImg"/>
+          </p:nvPr>
+        </p:nvSpPr>
+        <p:spPr/>
+      </p:sp>
+      <p:sp>
+        <p:nvSpPr>
+          <p:cNvPr id="3" name="Notes Placeholder 2"/>
+          <p:cNvSpPr>
+            <a:spLocks noGrp="1"/>
+          </p:cNvSpPr>
+          <p:nvPr>
+            <p:ph type="body" idx="1"/>
+          </p:nvPr>
+        </p:nvSpPr>
+        <p:spPr/>
+        <p:txBody>
+          <a:bodyPr/>
+          <a:lstStyle/>
+          <a:p>
+            <a:endParaRPr lang="en-US"/>
+          </a:p>
+        </p:txBody>
+      </p:sp>
+      <p:sp>
+        <p:nvSpPr>
+          <p:cNvPr id="4" name="Slide Number Placeholder 3"/>
+          <p:cNvSpPr>
+            <a:spLocks noGrp="1"/>
+          </p:cNvSpPr>
+          <p:nvPr>
+            <p:ph type="sldNum" sz="quarter" idx="5"/>
+          </p:nvPr>
+        </p:nvSpPr>
+        <p:spPr/>
+        <p:txBody>
+          <a:bodyPr/>
+          <a:lstStyle/>
+          <a:p>
+            <a:fld id="{3972A699-31B3-45FC-B984-BCDED1A6FD7F}" type="slidenum">
+              <a:rPr lang="en-US" smtClean="0"/>
+              <a:t>10</a:t>
+            </a:fld>
+            <a:endParaRPr lang="en-US"/>
+          </a:p>
+        </p:txBody>
+      </p:sp>
+    </p:spTree>
+    <p:extLst>
+      <p:ext uri="{BB962C8B-B14F-4D97-AF65-F5344CB8AC3E}">
+        <p14:creationId xmlns:p14="http://schemas.microsoft.com/office/powerpoint/2010/main" val="4008812317"/>
       </p:ext>
     </p:extLst>
   </p:cSld>
@@ -2747,7 +3175,7 @@
           <a:p>
             <a:fld id="{4A6147B4-E7DD-4AC4-BAAD-51EE4B9B08EB}" type="datetime1">
               <a:rPr lang="en-US" smtClean="0"/>
-              <a:t>2024-09-16</a:t>
+              <a:t>2024-09-22</a:t>
             </a:fld>
             <a:endParaRPr lang="en-US"/>
           </a:p>
@@ -2945,7 +3373,7 @@
           <a:p>
             <a:fld id="{D23D5D02-40B5-47A6-968B-7DDE7E2FE649}" type="datetime1">
               <a:rPr lang="en-US" smtClean="0"/>
-              <a:t>2024-09-16</a:t>
+              <a:t>2024-09-22</a:t>
             </a:fld>
             <a:endParaRPr lang="en-US"/>
           </a:p>
@@ -3153,7 +3581,7 @@
           <a:p>
             <a:fld id="{BCE36555-30F3-42DB-B8A4-70344020D5E6}" type="datetime1">
               <a:rPr lang="en-US" smtClean="0"/>
-              <a:t>2024-09-16</a:t>
+              <a:t>2024-09-22</a:t>
             </a:fld>
             <a:endParaRPr lang="en-US"/>
           </a:p>
@@ -3351,7 +3779,7 @@
           <a:p>
             <a:fld id="{BE2E8BBC-CE59-4EF0-A8F5-6EDC39203219}" type="datetime1">
               <a:rPr lang="en-US" smtClean="0"/>
-              <a:t>2024-09-16</a:t>
+              <a:t>2024-09-22</a:t>
             </a:fld>
             <a:endParaRPr lang="en-US"/>
           </a:p>
@@ -3626,7 +4054,7 @@
           <a:p>
             <a:fld id="{8D544647-B72D-4DEB-BC44-F072785F550E}" type="datetime1">
               <a:rPr lang="en-US" smtClean="0"/>
-              <a:t>2024-09-16</a:t>
+              <a:t>2024-09-22</a:t>
             </a:fld>
             <a:endParaRPr lang="en-US"/>
           </a:p>
@@ -3891,7 +4319,7 @@
           <a:p>
             <a:fld id="{E57B1BAF-F4DD-48DF-925E-01042C0460AF}" type="datetime1">
               <a:rPr lang="en-US" smtClean="0"/>
-              <a:t>2024-09-16</a:t>
+              <a:t>2024-09-22</a:t>
             </a:fld>
             <a:endParaRPr lang="en-US"/>
           </a:p>
@@ -4303,7 +4731,7 @@
           <a:p>
             <a:fld id="{E49C53FD-BE73-4D65-BE4C-5F924192171F}" type="datetime1">
               <a:rPr lang="en-US" smtClean="0"/>
-              <a:t>2024-09-16</a:t>
+              <a:t>2024-09-22</a:t>
             </a:fld>
             <a:endParaRPr lang="en-US"/>
           </a:p>
@@ -4444,7 +4872,7 @@
           <a:p>
             <a:fld id="{8BB01644-912B-4D6B-A648-4C3A4F875F69}" type="datetime1">
               <a:rPr lang="en-US" smtClean="0"/>
-              <a:t>2024-09-16</a:t>
+              <a:t>2024-09-22</a:t>
             </a:fld>
             <a:endParaRPr lang="en-US"/>
           </a:p>
@@ -4557,7 +4985,7 @@
           <a:p>
             <a:fld id="{F7202A4B-BF76-4AC0-A72E-E6034EA489A3}" type="datetime1">
               <a:rPr lang="en-US" smtClean="0"/>
-              <a:t>2024-09-16</a:t>
+              <a:t>2024-09-22</a:t>
             </a:fld>
             <a:endParaRPr lang="en-US"/>
           </a:p>
@@ -4868,7 +5296,7 @@
           <a:p>
             <a:fld id="{CB066C2F-B7E4-4C4F-A1BB-A68394687FDD}" type="datetime1">
               <a:rPr lang="en-US" smtClean="0"/>
-              <a:t>2024-09-16</a:t>
+              <a:t>2024-09-22</a:t>
             </a:fld>
             <a:endParaRPr lang="en-US"/>
           </a:p>
@@ -5156,7 +5584,7 @@
           <a:p>
             <a:fld id="{2DF42606-6751-4471-9EAA-5E71A7CA8DE9}" type="datetime1">
               <a:rPr lang="en-US" smtClean="0"/>
-              <a:t>2024-09-16</a:t>
+              <a:t>2024-09-22</a:t>
             </a:fld>
             <a:endParaRPr lang="en-US"/>
           </a:p>
@@ -5397,7 +5825,7 @@
           <a:p>
             <a:fld id="{1C940A13-7204-44F5-A053-3C567CA673DB}" type="datetime1">
               <a:rPr lang="en-US" smtClean="0"/>
-              <a:t>2024-09-16</a:t>
+              <a:t>2024-09-22</a:t>
             </a:fld>
             <a:endParaRPr lang="en-US"/>
           </a:p>
@@ -6044,6 +6472,1647 @@
     <p:extLst>
       <p:ext uri="{BB962C8B-B14F-4D97-AF65-F5344CB8AC3E}">
         <p14:creationId xmlns:p14="http://schemas.microsoft.com/office/powerpoint/2010/main" val="993297883"/>
+      </p:ext>
+    </p:extLst>
+  </p:cSld>
+  <p:clrMapOvr>
+    <a:masterClrMapping/>
+  </p:clrMapOvr>
+</p:sld>
+</file>
+
+<file path=ppt/slides/slide10.xml><?xml version="1.0" encoding="utf-8"?>
+<p:sld xmlns:a="http://schemas.openxmlformats.org/drawingml/2006/main" xmlns:r="http://schemas.openxmlformats.org/officeDocument/2006/relationships" xmlns:p="http://schemas.openxmlformats.org/presentationml/2006/main">
+  <p:cSld>
+    <p:spTree>
+      <p:nvGrpSpPr>
+        <p:cNvPr id="1" name=""/>
+        <p:cNvGrpSpPr/>
+        <p:nvPr/>
+      </p:nvGrpSpPr>
+      <p:grpSpPr>
+        <a:xfrm>
+          <a:off x="0" y="0"/>
+          <a:ext cx="0" cy="0"/>
+          <a:chOff x="0" y="0"/>
+          <a:chExt cx="0" cy="0"/>
+        </a:xfrm>
+      </p:grpSpPr>
+      <p:sp>
+        <p:nvSpPr>
+          <p:cNvPr id="19" name="TextBox 18">
+            <a:extLst>
+              <a:ext uri="{FF2B5EF4-FFF2-40B4-BE49-F238E27FC236}">
+                <a16:creationId xmlns:a16="http://schemas.microsoft.com/office/drawing/2014/main" id="{25D04C93-F343-AB2A-40B9-ECB00D065A9A}"/>
+              </a:ext>
+            </a:extLst>
+          </p:cNvPr>
+          <p:cNvSpPr txBox="1"/>
+          <p:nvPr/>
+        </p:nvSpPr>
+        <p:spPr>
+          <a:xfrm>
+            <a:off x="0" y="555414"/>
+            <a:ext cx="12192000" cy="769441"/>
+          </a:xfrm>
+          <a:prstGeom prst="rect">
+            <a:avLst/>
+          </a:prstGeom>
+          <a:noFill/>
+        </p:spPr>
+        <p:txBody>
+          <a:bodyPr wrap="square" rtlCol="0">
+            <a:spAutoFit/>
+          </a:bodyPr>
+          <a:lstStyle/>
+          <a:p>
+            <a:pPr algn="ctr"/>
+            <a:r>
+              <a:rPr lang="en-US" sz="4400" b="1" dirty="0"/>
+              <a:t>Value injection</a:t>
+            </a:r>
+          </a:p>
+        </p:txBody>
+      </p:sp>
+      <p:sp>
+        <p:nvSpPr>
+          <p:cNvPr id="2" name="Rectangle 1">
+            <a:extLst>
+              <a:ext uri="{FF2B5EF4-FFF2-40B4-BE49-F238E27FC236}">
+                <a16:creationId xmlns:a16="http://schemas.microsoft.com/office/drawing/2014/main" id="{2B6FDF10-775A-74B7-5CC5-7A2D3086784E}"/>
+              </a:ext>
+            </a:extLst>
+          </p:cNvPr>
+          <p:cNvSpPr>
+            <a:spLocks noChangeArrowheads="1"/>
+          </p:cNvSpPr>
+          <p:nvPr/>
+        </p:nvSpPr>
+        <p:spPr bwMode="auto">
+          <a:xfrm>
+            <a:off x="1919591" y="3225194"/>
+            <a:ext cx="1017971" cy="830997"/>
+          </a:xfrm>
+          <a:prstGeom prst="rect">
+            <a:avLst/>
+          </a:prstGeom>
+          <a:solidFill>
+            <a:srgbClr val="1E1F22"/>
+          </a:solidFill>
+          <a:ln>
+            <a:noFill/>
+          </a:ln>
+          <a:effectLst/>
+          <a:extLst>
+            <a:ext uri="{91240B29-F687-4F45-9708-019B960494DF}">
+              <a14:hiddenLine xmlns:a14="http://schemas.microsoft.com/office/drawing/2010/main" w="9525">
+                <a:solidFill>
+                  <a:schemeClr val="tx1"/>
+                </a:solidFill>
+                <a:miter lim="800000"/>
+                <a:headEnd/>
+                <a:tailEnd/>
+              </a14:hiddenLine>
+            </a:ext>
+            <a:ext uri="{AF507438-7753-43E0-B8FC-AC1667EBCBE1}">
+              <a14:hiddenEffects xmlns:a14="http://schemas.microsoft.com/office/drawing/2010/main">
+                <a:effectLst>
+                  <a:outerShdw dist="35921" dir="2700000" algn="ctr" rotWithShape="0">
+                    <a:schemeClr val="bg2"/>
+                  </a:outerShdw>
+                </a:effectLst>
+              </a14:hiddenEffects>
+            </a:ext>
+          </a:extLst>
+        </p:spPr>
+        <p:txBody>
+          <a:bodyPr vert="horz" wrap="none" lIns="91440" tIns="45720" rIns="91440" bIns="45720" numCol="1" anchor="ctr" anchorCtr="0" compatLnSpc="1">
+            <a:prstTxWarp prst="textNoShape">
+              <a:avLst/>
+            </a:prstTxWarp>
+            <a:spAutoFit/>
+          </a:bodyPr>
+          <a:lstStyle/>
+          <a:p>
+            <a:pPr marL="0" marR="0" lvl="0" indent="0" algn="l" defTabSz="914400" rtl="0" eaLnBrk="0" fontAlgn="base" latinLnBrk="0" hangingPunct="0">
+              <a:lnSpc>
+                <a:spcPct val="100000"/>
+              </a:lnSpc>
+              <a:spcBef>
+                <a:spcPct val="0"/>
+              </a:spcBef>
+              <a:spcAft>
+                <a:spcPct val="0"/>
+              </a:spcAft>
+              <a:buClrTx/>
+              <a:buSzTx/>
+              <a:buFontTx/>
+              <a:buNone/>
+              <a:tabLst/>
+            </a:pPr>
+            <a:r>
+              <a:rPr kumimoji="0" lang="en-US" altLang="en-US" sz="1200" b="0" i="0" u="none" strike="noStrike" cap="none" normalizeH="0" baseline="0" dirty="0">
+                <a:ln>
+                  <a:noFill/>
+                </a:ln>
+                <a:solidFill>
+                  <a:srgbClr val="CF8E6D"/>
+                </a:solidFill>
+                <a:effectLst/>
+                <a:latin typeface="JetBrains Mono"/>
+              </a:rPr>
+              <a:t>my-app</a:t>
+            </a:r>
+            <a:r>
+              <a:rPr kumimoji="0" lang="en-US" altLang="en-US" sz="1200" b="0" i="0" u="none" strike="noStrike" cap="none" normalizeH="0" baseline="0" dirty="0">
+                <a:ln>
+                  <a:noFill/>
+                </a:ln>
+                <a:solidFill>
+                  <a:srgbClr val="BCBEC4"/>
+                </a:solidFill>
+                <a:effectLst/>
+                <a:latin typeface="JetBrains Mono"/>
+              </a:rPr>
+              <a:t>:</a:t>
+            </a:r>
+            <a:br>
+              <a:rPr kumimoji="0" lang="en-US" altLang="en-US" sz="1200" b="0" i="0" u="none" strike="noStrike" cap="none" normalizeH="0" baseline="0" dirty="0">
+                <a:ln>
+                  <a:noFill/>
+                </a:ln>
+                <a:solidFill>
+                  <a:srgbClr val="BCBEC4"/>
+                </a:solidFill>
+                <a:effectLst/>
+                <a:latin typeface="JetBrains Mono"/>
+              </a:rPr>
+            </a:br>
+            <a:r>
+              <a:rPr kumimoji="0" lang="en-US" altLang="en-US" sz="1200" b="0" i="0" u="none" strike="noStrike" cap="none" normalizeH="0" baseline="0" dirty="0">
+                <a:ln>
+                  <a:noFill/>
+                </a:ln>
+                <a:solidFill>
+                  <a:srgbClr val="BCBEC4"/>
+                </a:solidFill>
+                <a:effectLst/>
+                <a:latin typeface="JetBrains Mono"/>
+              </a:rPr>
+              <a:t>  </a:t>
+            </a:r>
+            <a:r>
+              <a:rPr kumimoji="0" lang="en-US" altLang="en-US" sz="1200" b="0" i="0" u="none" strike="noStrike" cap="none" normalizeH="0" baseline="0" dirty="0">
+                <a:ln>
+                  <a:noFill/>
+                </a:ln>
+                <a:solidFill>
+                  <a:srgbClr val="CF8E6D"/>
+                </a:solidFill>
+                <a:effectLst/>
+                <a:latin typeface="JetBrains Mono"/>
+              </a:rPr>
+              <a:t>user</a:t>
+            </a:r>
+            <a:r>
+              <a:rPr kumimoji="0" lang="en-US" altLang="en-US" sz="1200" b="0" i="0" u="none" strike="noStrike" cap="none" normalizeH="0" baseline="0" dirty="0">
+                <a:ln>
+                  <a:noFill/>
+                </a:ln>
+                <a:solidFill>
+                  <a:srgbClr val="BCBEC4"/>
+                </a:solidFill>
+                <a:effectLst/>
+                <a:latin typeface="JetBrains Mono"/>
+              </a:rPr>
+              <a:t>:</a:t>
+            </a:r>
+            <a:br>
+              <a:rPr kumimoji="0" lang="en-US" altLang="en-US" sz="1200" b="0" i="0" u="none" strike="noStrike" cap="none" normalizeH="0" baseline="0" dirty="0">
+                <a:ln>
+                  <a:noFill/>
+                </a:ln>
+                <a:solidFill>
+                  <a:srgbClr val="BCBEC4"/>
+                </a:solidFill>
+                <a:effectLst/>
+                <a:latin typeface="JetBrains Mono"/>
+              </a:rPr>
+            </a:br>
+            <a:r>
+              <a:rPr kumimoji="0" lang="en-US" altLang="en-US" sz="1200" b="0" i="0" u="none" strike="noStrike" cap="none" normalizeH="0" baseline="0" dirty="0">
+                <a:ln>
+                  <a:noFill/>
+                </a:ln>
+                <a:solidFill>
+                  <a:srgbClr val="BCBEC4"/>
+                </a:solidFill>
+                <a:effectLst/>
+                <a:latin typeface="JetBrains Mono"/>
+              </a:rPr>
+              <a:t>    </a:t>
+            </a:r>
+            <a:r>
+              <a:rPr kumimoji="0" lang="en-US" altLang="en-US" sz="1200" b="0" i="0" u="none" strike="noStrike" cap="none" normalizeH="0" baseline="0" dirty="0">
+                <a:ln>
+                  <a:noFill/>
+                </a:ln>
+                <a:solidFill>
+                  <a:srgbClr val="CF8E6D"/>
+                </a:solidFill>
+                <a:effectLst/>
+                <a:latin typeface="JetBrains Mono"/>
+              </a:rPr>
+              <a:t>cache</a:t>
+            </a:r>
+            <a:r>
+              <a:rPr kumimoji="0" lang="en-US" altLang="en-US" sz="1200" b="0" i="0" u="none" strike="noStrike" cap="none" normalizeH="0" baseline="0" dirty="0">
+                <a:ln>
+                  <a:noFill/>
+                </a:ln>
+                <a:solidFill>
+                  <a:srgbClr val="BCBEC4"/>
+                </a:solidFill>
+                <a:effectLst/>
+                <a:latin typeface="JetBrains Mono"/>
+              </a:rPr>
+              <a:t>:</a:t>
+            </a:r>
+            <a:br>
+              <a:rPr kumimoji="0" lang="en-US" altLang="en-US" sz="1200" b="0" i="0" u="none" strike="noStrike" cap="none" normalizeH="0" baseline="0" dirty="0">
+                <a:ln>
+                  <a:noFill/>
+                </a:ln>
+                <a:solidFill>
+                  <a:srgbClr val="BCBEC4"/>
+                </a:solidFill>
+                <a:effectLst/>
+                <a:latin typeface="JetBrains Mono"/>
+              </a:rPr>
+            </a:br>
+            <a:r>
+              <a:rPr kumimoji="0" lang="en-US" altLang="en-US" sz="1200" b="0" i="0" u="none" strike="noStrike" cap="none" normalizeH="0" baseline="0" dirty="0">
+                <a:ln>
+                  <a:noFill/>
+                </a:ln>
+                <a:solidFill>
+                  <a:srgbClr val="BCBEC4"/>
+                </a:solidFill>
+                <a:effectLst/>
+                <a:latin typeface="JetBrains Mono"/>
+              </a:rPr>
+              <a:t>      </a:t>
+            </a:r>
+            <a:r>
+              <a:rPr kumimoji="0" lang="en-US" altLang="en-US" sz="1200" b="0" i="0" u="none" strike="noStrike" cap="none" normalizeH="0" baseline="0" dirty="0">
+                <a:ln>
+                  <a:noFill/>
+                </a:ln>
+                <a:solidFill>
+                  <a:srgbClr val="CF8E6D"/>
+                </a:solidFill>
+                <a:effectLst/>
+                <a:latin typeface="JetBrains Mono"/>
+              </a:rPr>
+              <a:t>size</a:t>
+            </a:r>
+            <a:r>
+              <a:rPr kumimoji="0" lang="en-US" altLang="en-US" sz="1200" b="0" i="0" u="none" strike="noStrike" cap="none" normalizeH="0" baseline="0" dirty="0">
+                <a:ln>
+                  <a:noFill/>
+                </a:ln>
+                <a:solidFill>
+                  <a:srgbClr val="BCBEC4"/>
+                </a:solidFill>
+                <a:effectLst/>
+                <a:latin typeface="JetBrains Mono"/>
+              </a:rPr>
+              <a:t>: 1000</a:t>
+            </a:r>
+            <a:endParaRPr kumimoji="0" lang="en-US" altLang="en-US" sz="3200" b="0" i="0" u="none" strike="noStrike" cap="none" normalizeH="0" baseline="0" dirty="0">
+              <a:ln>
+                <a:noFill/>
+              </a:ln>
+              <a:solidFill>
+                <a:schemeClr val="tx1"/>
+              </a:solidFill>
+              <a:effectLst/>
+              <a:latin typeface="Arial" panose="020B0604020202020204" pitchFamily="34" charset="0"/>
+            </a:endParaRPr>
+          </a:p>
+        </p:txBody>
+      </p:sp>
+      <p:sp>
+        <p:nvSpPr>
+          <p:cNvPr id="3" name="Rectangle 2">
+            <a:extLst>
+              <a:ext uri="{FF2B5EF4-FFF2-40B4-BE49-F238E27FC236}">
+                <a16:creationId xmlns:a16="http://schemas.microsoft.com/office/drawing/2014/main" id="{C25A8911-A867-D886-0FA5-BFE5B768AAE1}"/>
+              </a:ext>
+            </a:extLst>
+          </p:cNvPr>
+          <p:cNvSpPr>
+            <a:spLocks noChangeArrowheads="1"/>
+          </p:cNvSpPr>
+          <p:nvPr/>
+        </p:nvSpPr>
+        <p:spPr bwMode="auto">
+          <a:xfrm>
+            <a:off x="4909225" y="2763529"/>
+            <a:ext cx="5946843" cy="1754326"/>
+          </a:xfrm>
+          <a:prstGeom prst="rect">
+            <a:avLst/>
+          </a:prstGeom>
+          <a:solidFill>
+            <a:srgbClr val="1E1F22"/>
+          </a:solidFill>
+          <a:ln>
+            <a:noFill/>
+          </a:ln>
+          <a:effectLst/>
+          <a:extLst>
+            <a:ext uri="{91240B29-F687-4F45-9708-019B960494DF}">
+              <a14:hiddenLine xmlns:a14="http://schemas.microsoft.com/office/drawing/2010/main" w="9525">
+                <a:solidFill>
+                  <a:schemeClr val="tx1"/>
+                </a:solidFill>
+                <a:miter lim="800000"/>
+                <a:headEnd/>
+                <a:tailEnd/>
+              </a14:hiddenLine>
+            </a:ext>
+            <a:ext uri="{AF507438-7753-43E0-B8FC-AC1667EBCBE1}">
+              <a14:hiddenEffects xmlns:a14="http://schemas.microsoft.com/office/drawing/2010/main">
+                <a:effectLst>
+                  <a:outerShdw dist="35921" dir="2700000" algn="ctr" rotWithShape="0">
+                    <a:schemeClr val="bg2"/>
+                  </a:outerShdw>
+                </a:effectLst>
+              </a14:hiddenEffects>
+            </a:ext>
+          </a:extLst>
+        </p:spPr>
+        <p:txBody>
+          <a:bodyPr vert="horz" wrap="square" lIns="91440" tIns="45720" rIns="91440" bIns="45720" numCol="1" anchor="ctr" anchorCtr="0" compatLnSpc="1">
+            <a:prstTxWarp prst="textNoShape">
+              <a:avLst/>
+            </a:prstTxWarp>
+            <a:spAutoFit/>
+          </a:bodyPr>
+          <a:lstStyle/>
+          <a:p>
+            <a:pPr marL="0" marR="0" lvl="0" indent="0" algn="l" defTabSz="914400" rtl="0" eaLnBrk="0" fontAlgn="base" latinLnBrk="0" hangingPunct="0">
+              <a:lnSpc>
+                <a:spcPct val="100000"/>
+              </a:lnSpc>
+              <a:spcBef>
+                <a:spcPct val="0"/>
+              </a:spcBef>
+              <a:spcAft>
+                <a:spcPct val="0"/>
+              </a:spcAft>
+              <a:buClrTx/>
+              <a:buSzTx/>
+              <a:buFontTx/>
+              <a:buNone/>
+              <a:tabLst/>
+            </a:pPr>
+            <a:r>
+              <a:rPr kumimoji="0" lang="en-US" altLang="en-US" sz="1200" b="0" i="0" u="none" strike="noStrike" cap="none" normalizeH="0" baseline="0" dirty="0">
+                <a:ln>
+                  <a:noFill/>
+                </a:ln>
+                <a:solidFill>
+                  <a:srgbClr val="B3AE60"/>
+                </a:solidFill>
+                <a:effectLst/>
+                <a:latin typeface="JetBrains Mono"/>
+              </a:rPr>
+              <a:t>@Configuration</a:t>
+            </a:r>
+            <a:br>
+              <a:rPr kumimoji="0" lang="en-US" altLang="en-US" sz="1200" b="0" i="0" u="none" strike="noStrike" cap="none" normalizeH="0" baseline="0" dirty="0">
+                <a:ln>
+                  <a:noFill/>
+                </a:ln>
+                <a:solidFill>
+                  <a:srgbClr val="B3AE60"/>
+                </a:solidFill>
+                <a:effectLst/>
+                <a:latin typeface="JetBrains Mono"/>
+              </a:rPr>
+            </a:br>
+            <a:r>
+              <a:rPr kumimoji="0" lang="en-US" altLang="en-US" sz="1200" b="0" i="0" u="none" strike="noStrike" cap="none" normalizeH="0" baseline="0" dirty="0">
+                <a:ln>
+                  <a:noFill/>
+                </a:ln>
+                <a:solidFill>
+                  <a:srgbClr val="CF8E6D"/>
+                </a:solidFill>
+                <a:effectLst/>
+                <a:latin typeface="JetBrains Mono"/>
+              </a:rPr>
+              <a:t>public class </a:t>
+            </a:r>
+            <a:r>
+              <a:rPr kumimoji="0" lang="en-US" altLang="en-US" sz="1200" b="0" i="0" u="none" strike="noStrike" cap="none" normalizeH="0" baseline="0" dirty="0" err="1">
+                <a:ln>
+                  <a:noFill/>
+                </a:ln>
+                <a:solidFill>
+                  <a:srgbClr val="BCBEC4"/>
+                </a:solidFill>
+                <a:effectLst/>
+                <a:latin typeface="JetBrains Mono"/>
+              </a:rPr>
+              <a:t>CacheConfiguration</a:t>
+            </a:r>
+            <a:r>
+              <a:rPr kumimoji="0" lang="en-US" altLang="en-US" sz="1200" b="0" i="0" u="none" strike="noStrike" cap="none" normalizeH="0" baseline="0" dirty="0">
+                <a:ln>
+                  <a:noFill/>
+                </a:ln>
+                <a:solidFill>
+                  <a:srgbClr val="BCBEC4"/>
+                </a:solidFill>
+                <a:effectLst/>
+                <a:latin typeface="JetBrains Mono"/>
+              </a:rPr>
+              <a:t> {</a:t>
+            </a:r>
+            <a:br>
+              <a:rPr kumimoji="0" lang="en-US" altLang="en-US" sz="1200" b="0" i="0" u="none" strike="noStrike" cap="none" normalizeH="0" baseline="0" dirty="0">
+                <a:ln>
+                  <a:noFill/>
+                </a:ln>
+                <a:solidFill>
+                  <a:srgbClr val="BCBEC4"/>
+                </a:solidFill>
+                <a:effectLst/>
+                <a:latin typeface="JetBrains Mono"/>
+              </a:rPr>
+            </a:br>
+            <a:br>
+              <a:rPr kumimoji="0" lang="en-US" altLang="en-US" sz="1200" b="0" i="0" u="none" strike="noStrike" cap="none" normalizeH="0" baseline="0" dirty="0">
+                <a:ln>
+                  <a:noFill/>
+                </a:ln>
+                <a:solidFill>
+                  <a:srgbClr val="BCBEC4"/>
+                </a:solidFill>
+                <a:effectLst/>
+                <a:latin typeface="JetBrains Mono"/>
+              </a:rPr>
+            </a:br>
+            <a:r>
+              <a:rPr kumimoji="0" lang="en-US" altLang="en-US" sz="1200" b="0" i="0" u="none" strike="noStrike" cap="none" normalizeH="0" baseline="0" dirty="0">
+                <a:ln>
+                  <a:noFill/>
+                </a:ln>
+                <a:solidFill>
+                  <a:srgbClr val="BCBEC4"/>
+                </a:solidFill>
+                <a:effectLst/>
+                <a:latin typeface="JetBrains Mono"/>
+              </a:rPr>
+              <a:t>    </a:t>
+            </a:r>
+            <a:r>
+              <a:rPr kumimoji="0" lang="en-US" altLang="en-US" sz="1200" b="0" i="0" u="none" strike="noStrike" cap="none" normalizeH="0" baseline="0" dirty="0">
+                <a:ln>
+                  <a:noFill/>
+                </a:ln>
+                <a:solidFill>
+                  <a:srgbClr val="B3AE60"/>
+                </a:solidFill>
+                <a:effectLst/>
+                <a:latin typeface="JetBrains Mono"/>
+              </a:rPr>
+              <a:t>@Bean</a:t>
+            </a:r>
+            <a:br>
+              <a:rPr kumimoji="0" lang="en-US" altLang="en-US" sz="1200" b="0" i="0" u="none" strike="noStrike" cap="none" normalizeH="0" baseline="0" dirty="0">
+                <a:ln>
+                  <a:noFill/>
+                </a:ln>
+                <a:solidFill>
+                  <a:srgbClr val="B3AE60"/>
+                </a:solidFill>
+                <a:effectLst/>
+                <a:latin typeface="JetBrains Mono"/>
+              </a:rPr>
+            </a:br>
+            <a:r>
+              <a:rPr kumimoji="0" lang="en-US" altLang="en-US" sz="1200" b="0" i="0" u="none" strike="noStrike" cap="none" normalizeH="0" baseline="0" dirty="0">
+                <a:ln>
+                  <a:noFill/>
+                </a:ln>
+                <a:solidFill>
+                  <a:srgbClr val="B3AE60"/>
+                </a:solidFill>
+                <a:effectLst/>
+                <a:latin typeface="JetBrains Mono"/>
+              </a:rPr>
+              <a:t>    </a:t>
+            </a:r>
+            <a:r>
+              <a:rPr kumimoji="0" lang="en-US" altLang="en-US" sz="1200" b="0" i="0" u="none" strike="noStrike" cap="none" normalizeH="0" baseline="0" dirty="0">
+                <a:ln>
+                  <a:noFill/>
+                </a:ln>
+                <a:solidFill>
+                  <a:srgbClr val="CF8E6D"/>
+                </a:solidFill>
+                <a:effectLst/>
+                <a:latin typeface="JetBrains Mono"/>
+              </a:rPr>
+              <a:t>public </a:t>
+            </a:r>
+            <a:r>
+              <a:rPr kumimoji="0" lang="en-US" altLang="en-US" sz="1200" b="0" i="0" u="none" strike="noStrike" cap="none" normalizeH="0" baseline="0" dirty="0">
+                <a:ln>
+                  <a:noFill/>
+                </a:ln>
+                <a:solidFill>
+                  <a:srgbClr val="BCBEC4"/>
+                </a:solidFill>
+                <a:effectLst/>
+                <a:latin typeface="JetBrains Mono"/>
+              </a:rPr>
+              <a:t>Cache&lt;String, User&gt; </a:t>
+            </a:r>
+            <a:r>
+              <a:rPr kumimoji="0" lang="en-US" altLang="en-US" sz="1200" b="0" i="0" u="none" strike="noStrike" cap="none" normalizeH="0" baseline="0" dirty="0" err="1">
+                <a:ln>
+                  <a:noFill/>
+                </a:ln>
+                <a:solidFill>
+                  <a:srgbClr val="56A8F5"/>
+                </a:solidFill>
+                <a:effectLst/>
+                <a:latin typeface="JetBrains Mono"/>
+              </a:rPr>
+              <a:t>userCache</a:t>
+            </a:r>
+            <a:r>
+              <a:rPr kumimoji="0" lang="en-US" altLang="en-US" sz="1200" b="0" i="0" u="none" strike="noStrike" cap="none" normalizeH="0" baseline="0" dirty="0">
+                <a:ln>
+                  <a:noFill/>
+                </a:ln>
+                <a:solidFill>
+                  <a:srgbClr val="BCBEC4"/>
+                </a:solidFill>
+                <a:effectLst/>
+                <a:latin typeface="JetBrains Mono"/>
+              </a:rPr>
+              <a:t>(</a:t>
+            </a:r>
+            <a:r>
+              <a:rPr kumimoji="0" lang="en-US" altLang="en-US" sz="1200" i="0" u="none" strike="noStrike" cap="none" normalizeH="0" baseline="0" dirty="0">
+                <a:ln>
+                  <a:noFill/>
+                </a:ln>
+                <a:solidFill>
+                  <a:srgbClr val="B3AE60"/>
+                </a:solidFill>
+                <a:effectLst/>
+                <a:latin typeface="JetBrains Mono"/>
+              </a:rPr>
+              <a:t>@Value</a:t>
+            </a:r>
+            <a:r>
+              <a:rPr kumimoji="0" lang="en-US" altLang="en-US" sz="1200" i="0" u="none" strike="noStrike" cap="none" normalizeH="0" baseline="0" dirty="0">
+                <a:ln>
+                  <a:noFill/>
+                </a:ln>
+                <a:solidFill>
+                  <a:srgbClr val="BCBEC4"/>
+                </a:solidFill>
+                <a:effectLst/>
+                <a:latin typeface="JetBrains Mono"/>
+              </a:rPr>
+              <a:t>(</a:t>
+            </a:r>
+            <a:r>
+              <a:rPr kumimoji="0" lang="en-US" altLang="en-US" sz="1200" i="0" u="none" strike="noStrike" cap="none" normalizeH="0" baseline="0" dirty="0">
+                <a:ln>
+                  <a:noFill/>
+                </a:ln>
+                <a:solidFill>
+                  <a:srgbClr val="6AAB73"/>
+                </a:solidFill>
+                <a:effectLst/>
+                <a:latin typeface="JetBrains Mono"/>
+              </a:rPr>
+              <a:t>"my-app.user.cache.size"</a:t>
+            </a:r>
+            <a:r>
+              <a:rPr kumimoji="0" lang="en-US" altLang="en-US" sz="1200" i="0" u="none" strike="noStrike" cap="none" normalizeH="0" baseline="0" dirty="0">
+                <a:ln>
+                  <a:noFill/>
+                </a:ln>
+                <a:solidFill>
+                  <a:srgbClr val="BCBEC4"/>
+                </a:solidFill>
+                <a:effectLst/>
+                <a:latin typeface="JetBrains Mono"/>
+              </a:rPr>
+              <a:t>) </a:t>
+            </a:r>
+            <a:r>
+              <a:rPr kumimoji="0" lang="en-US" altLang="en-US" sz="1200" b="0" i="0" u="none" strike="noStrike" cap="none" normalizeH="0" baseline="0" dirty="0">
+                <a:ln>
+                  <a:noFill/>
+                </a:ln>
+                <a:solidFill>
+                  <a:srgbClr val="CF8E6D"/>
+                </a:solidFill>
+                <a:effectLst/>
+                <a:latin typeface="JetBrains Mono"/>
+              </a:rPr>
+              <a:t>int </a:t>
+            </a:r>
+            <a:r>
+              <a:rPr kumimoji="0" lang="en-US" altLang="en-US" sz="1200" b="0" i="0" u="none" strike="noStrike" cap="none" normalizeH="0" baseline="0" dirty="0" err="1">
+                <a:ln>
+                  <a:noFill/>
+                </a:ln>
+                <a:solidFill>
+                  <a:srgbClr val="BCBEC4"/>
+                </a:solidFill>
+                <a:effectLst/>
+                <a:latin typeface="JetBrains Mono"/>
+              </a:rPr>
+              <a:t>cacheSize</a:t>
+            </a:r>
+            <a:r>
+              <a:rPr kumimoji="0" lang="en-US" altLang="en-US" sz="1200" b="0" i="0" u="none" strike="noStrike" cap="none" normalizeH="0" baseline="0" dirty="0">
+                <a:ln>
+                  <a:noFill/>
+                </a:ln>
+                <a:solidFill>
+                  <a:srgbClr val="BCBEC4"/>
+                </a:solidFill>
+                <a:effectLst/>
+                <a:latin typeface="JetBrains Mono"/>
+              </a:rPr>
+              <a:t>) {</a:t>
+            </a:r>
+            <a:br>
+              <a:rPr kumimoji="0" lang="en-US" altLang="en-US" sz="1200" b="0" i="0" u="none" strike="noStrike" cap="none" normalizeH="0" baseline="0" dirty="0">
+                <a:ln>
+                  <a:noFill/>
+                </a:ln>
+                <a:solidFill>
+                  <a:srgbClr val="BCBEC4"/>
+                </a:solidFill>
+                <a:effectLst/>
+                <a:latin typeface="JetBrains Mono"/>
+              </a:rPr>
+            </a:br>
+            <a:r>
+              <a:rPr kumimoji="0" lang="en-US" altLang="en-US" sz="1200" b="0" i="0" u="none" strike="noStrike" cap="none" normalizeH="0" baseline="0" dirty="0">
+                <a:ln>
+                  <a:noFill/>
+                </a:ln>
+                <a:solidFill>
+                  <a:srgbClr val="BCBEC4"/>
+                </a:solidFill>
+                <a:effectLst/>
+                <a:latin typeface="JetBrains Mono"/>
+              </a:rPr>
+              <a:t>        </a:t>
+            </a:r>
+            <a:r>
+              <a:rPr kumimoji="0" lang="en-US" altLang="en-US" sz="1200" b="0" i="0" u="none" strike="noStrike" cap="none" normalizeH="0" baseline="0" dirty="0">
+                <a:ln>
+                  <a:noFill/>
+                </a:ln>
+                <a:solidFill>
+                  <a:srgbClr val="CF8E6D"/>
+                </a:solidFill>
+                <a:effectLst/>
+                <a:latin typeface="JetBrains Mono"/>
+              </a:rPr>
+              <a:t>return </a:t>
+            </a:r>
+            <a:r>
+              <a:rPr kumimoji="0" lang="en-US" altLang="en-US" sz="1200" b="0" i="0" u="none" strike="noStrike" cap="none" normalizeH="0" baseline="0" dirty="0" err="1">
+                <a:ln>
+                  <a:noFill/>
+                </a:ln>
+                <a:solidFill>
+                  <a:srgbClr val="BCBEC4"/>
+                </a:solidFill>
+                <a:effectLst/>
+                <a:latin typeface="JetBrains Mono"/>
+              </a:rPr>
+              <a:t>CacheBuilder.</a:t>
+            </a:r>
+            <a:r>
+              <a:rPr kumimoji="0" lang="en-US" altLang="en-US" sz="1200" b="0" i="1" u="none" strike="noStrike" cap="none" normalizeH="0" baseline="0" dirty="0" err="1">
+                <a:ln>
+                  <a:noFill/>
+                </a:ln>
+                <a:solidFill>
+                  <a:srgbClr val="BCBEC4"/>
+                </a:solidFill>
+                <a:effectLst/>
+                <a:latin typeface="JetBrains Mono"/>
+              </a:rPr>
+              <a:t>newBuilder</a:t>
+            </a:r>
+            <a:r>
+              <a:rPr kumimoji="0" lang="en-US" altLang="en-US" sz="1200" b="0" i="0" u="none" strike="noStrike" cap="none" normalizeH="0" baseline="0" dirty="0">
+                <a:ln>
+                  <a:noFill/>
+                </a:ln>
+                <a:solidFill>
+                  <a:srgbClr val="BCBEC4"/>
+                </a:solidFill>
+                <a:effectLst/>
+                <a:latin typeface="JetBrains Mono"/>
+              </a:rPr>
+              <a:t>().</a:t>
+            </a:r>
+            <a:r>
+              <a:rPr kumimoji="0" lang="en-US" altLang="en-US" sz="1200" b="0" i="0" u="none" strike="noStrike" cap="none" normalizeH="0" baseline="0" dirty="0" err="1">
+                <a:ln>
+                  <a:noFill/>
+                </a:ln>
+                <a:solidFill>
+                  <a:srgbClr val="BCBEC4"/>
+                </a:solidFill>
+                <a:effectLst/>
+                <a:latin typeface="JetBrains Mono"/>
+              </a:rPr>
+              <a:t>maximumSize</a:t>
+            </a:r>
+            <a:r>
+              <a:rPr kumimoji="0" lang="en-US" altLang="en-US" sz="1200" b="0" i="0" u="none" strike="noStrike" cap="none" normalizeH="0" baseline="0" dirty="0">
+                <a:ln>
+                  <a:noFill/>
+                </a:ln>
+                <a:solidFill>
+                  <a:srgbClr val="BCBEC4"/>
+                </a:solidFill>
+                <a:effectLst/>
+                <a:latin typeface="JetBrains Mono"/>
+              </a:rPr>
+              <a:t>(</a:t>
+            </a:r>
+            <a:r>
+              <a:rPr kumimoji="0" lang="en-US" altLang="en-US" sz="1200" b="0" i="0" u="none" strike="noStrike" cap="none" normalizeH="0" baseline="0" dirty="0" err="1">
+                <a:ln>
+                  <a:noFill/>
+                </a:ln>
+                <a:solidFill>
+                  <a:srgbClr val="BCBEC4"/>
+                </a:solidFill>
+                <a:effectLst/>
+                <a:latin typeface="JetBrains Mono"/>
+              </a:rPr>
+              <a:t>cacheSize</a:t>
+            </a:r>
+            <a:r>
+              <a:rPr kumimoji="0" lang="en-US" altLang="en-US" sz="1200" b="0" i="0" u="none" strike="noStrike" cap="none" normalizeH="0" baseline="0" dirty="0">
+                <a:ln>
+                  <a:noFill/>
+                </a:ln>
+                <a:solidFill>
+                  <a:srgbClr val="BCBEC4"/>
+                </a:solidFill>
+                <a:effectLst/>
+                <a:latin typeface="JetBrains Mono"/>
+              </a:rPr>
+              <a:t>).build();</a:t>
+            </a:r>
+            <a:br>
+              <a:rPr kumimoji="0" lang="en-US" altLang="en-US" sz="1200" b="0" i="0" u="none" strike="noStrike" cap="none" normalizeH="0" baseline="0" dirty="0">
+                <a:ln>
+                  <a:noFill/>
+                </a:ln>
+                <a:solidFill>
+                  <a:srgbClr val="BCBEC4"/>
+                </a:solidFill>
+                <a:effectLst/>
+                <a:latin typeface="JetBrains Mono"/>
+              </a:rPr>
+            </a:br>
+            <a:r>
+              <a:rPr kumimoji="0" lang="en-US" altLang="en-US" sz="1200" b="0" i="0" u="none" strike="noStrike" cap="none" normalizeH="0" baseline="0" dirty="0">
+                <a:ln>
+                  <a:noFill/>
+                </a:ln>
+                <a:solidFill>
+                  <a:srgbClr val="BCBEC4"/>
+                </a:solidFill>
+                <a:effectLst/>
+                <a:latin typeface="JetBrains Mono"/>
+              </a:rPr>
+              <a:t>    }</a:t>
+            </a:r>
+          </a:p>
+          <a:p>
+            <a:pPr marL="0" marR="0" lvl="0" indent="0" algn="l" defTabSz="914400" rtl="0" eaLnBrk="0" fontAlgn="base" latinLnBrk="0" hangingPunct="0">
+              <a:lnSpc>
+                <a:spcPct val="100000"/>
+              </a:lnSpc>
+              <a:spcBef>
+                <a:spcPct val="0"/>
+              </a:spcBef>
+              <a:spcAft>
+                <a:spcPct val="0"/>
+              </a:spcAft>
+              <a:buClrTx/>
+              <a:buSzTx/>
+              <a:buFontTx/>
+              <a:buNone/>
+              <a:tabLst/>
+            </a:pPr>
+            <a:br>
+              <a:rPr kumimoji="0" lang="en-US" altLang="en-US" sz="1200" b="0" i="0" u="none" strike="noStrike" cap="none" normalizeH="0" baseline="0" dirty="0">
+                <a:ln>
+                  <a:noFill/>
+                </a:ln>
+                <a:solidFill>
+                  <a:srgbClr val="BCBEC4"/>
+                </a:solidFill>
+                <a:effectLst/>
+                <a:latin typeface="JetBrains Mono"/>
+              </a:rPr>
+            </a:br>
+            <a:r>
+              <a:rPr kumimoji="0" lang="en-US" altLang="en-US" sz="1200" b="0" i="0" u="none" strike="noStrike" cap="none" normalizeH="0" baseline="0" dirty="0">
+                <a:ln>
+                  <a:noFill/>
+                </a:ln>
+                <a:solidFill>
+                  <a:srgbClr val="BCBEC4"/>
+                </a:solidFill>
+                <a:effectLst/>
+                <a:latin typeface="JetBrains Mono"/>
+              </a:rPr>
+              <a:t>}</a:t>
+            </a:r>
+            <a:endParaRPr kumimoji="0" lang="en-US" altLang="en-US" sz="3200" b="0" i="0" u="none" strike="noStrike" cap="none" normalizeH="0" baseline="0" dirty="0">
+              <a:ln>
+                <a:noFill/>
+              </a:ln>
+              <a:solidFill>
+                <a:schemeClr val="tx1"/>
+              </a:solidFill>
+              <a:effectLst/>
+              <a:latin typeface="Arial" panose="020B0604020202020204" pitchFamily="34" charset="0"/>
+            </a:endParaRPr>
+          </a:p>
+        </p:txBody>
+      </p:sp>
+      <p:sp>
+        <p:nvSpPr>
+          <p:cNvPr id="4" name="TextBox 3">
+            <a:extLst>
+              <a:ext uri="{FF2B5EF4-FFF2-40B4-BE49-F238E27FC236}">
+                <a16:creationId xmlns:a16="http://schemas.microsoft.com/office/drawing/2014/main" id="{90F02CCC-BE70-95E1-A08E-86BF2AD61DC5}"/>
+              </a:ext>
+            </a:extLst>
+          </p:cNvPr>
+          <p:cNvSpPr txBox="1"/>
+          <p:nvPr/>
+        </p:nvSpPr>
+        <p:spPr>
+          <a:xfrm>
+            <a:off x="1738162" y="4210078"/>
+            <a:ext cx="1380827" cy="307777"/>
+          </a:xfrm>
+          <a:prstGeom prst="rect">
+            <a:avLst/>
+          </a:prstGeom>
+          <a:noFill/>
+        </p:spPr>
+        <p:txBody>
+          <a:bodyPr wrap="none" rtlCol="0">
+            <a:spAutoFit/>
+          </a:bodyPr>
+          <a:lstStyle/>
+          <a:p>
+            <a:r>
+              <a:rPr lang="en-US" sz="1400" dirty="0" err="1"/>
+              <a:t>application.yml</a:t>
+            </a:r>
+            <a:endParaRPr lang="en-US" sz="1400" dirty="0"/>
+          </a:p>
+        </p:txBody>
+      </p:sp>
+    </p:spTree>
+    <p:extLst>
+      <p:ext uri="{BB962C8B-B14F-4D97-AF65-F5344CB8AC3E}">
+        <p14:creationId xmlns:p14="http://schemas.microsoft.com/office/powerpoint/2010/main" val="382081568"/>
+      </p:ext>
+    </p:extLst>
+  </p:cSld>
+  <p:clrMapOvr>
+    <a:masterClrMapping/>
+  </p:clrMapOvr>
+</p:sld>
+</file>
+
+<file path=ppt/slides/slide11.xml><?xml version="1.0" encoding="utf-8"?>
+<p:sld xmlns:a="http://schemas.openxmlformats.org/drawingml/2006/main" xmlns:r="http://schemas.openxmlformats.org/officeDocument/2006/relationships" xmlns:p="http://schemas.openxmlformats.org/presentationml/2006/main">
+  <p:cSld>
+    <p:spTree>
+      <p:nvGrpSpPr>
+        <p:cNvPr id="1" name=""/>
+        <p:cNvGrpSpPr/>
+        <p:nvPr/>
+      </p:nvGrpSpPr>
+      <p:grpSpPr>
+        <a:xfrm>
+          <a:off x="0" y="0"/>
+          <a:ext cx="0" cy="0"/>
+          <a:chOff x="0" y="0"/>
+          <a:chExt cx="0" cy="0"/>
+        </a:xfrm>
+      </p:grpSpPr>
+      <p:sp>
+        <p:nvSpPr>
+          <p:cNvPr id="19" name="TextBox 18">
+            <a:extLst>
+              <a:ext uri="{FF2B5EF4-FFF2-40B4-BE49-F238E27FC236}">
+                <a16:creationId xmlns:a16="http://schemas.microsoft.com/office/drawing/2014/main" id="{25D04C93-F343-AB2A-40B9-ECB00D065A9A}"/>
+              </a:ext>
+            </a:extLst>
+          </p:cNvPr>
+          <p:cNvSpPr txBox="1"/>
+          <p:nvPr/>
+        </p:nvSpPr>
+        <p:spPr>
+          <a:xfrm>
+            <a:off x="0" y="555414"/>
+            <a:ext cx="12192000" cy="769441"/>
+          </a:xfrm>
+          <a:prstGeom prst="rect">
+            <a:avLst/>
+          </a:prstGeom>
+          <a:noFill/>
+        </p:spPr>
+        <p:txBody>
+          <a:bodyPr wrap="square" rtlCol="0">
+            <a:spAutoFit/>
+          </a:bodyPr>
+          <a:lstStyle/>
+          <a:p>
+            <a:pPr algn="ctr"/>
+            <a:r>
+              <a:rPr lang="en-US" sz="4400" b="1" dirty="0"/>
+              <a:t>Scheduled task</a:t>
+            </a:r>
+          </a:p>
+        </p:txBody>
+      </p:sp>
+      <p:sp>
+        <p:nvSpPr>
+          <p:cNvPr id="5" name="Rectangle 1">
+            <a:extLst>
+              <a:ext uri="{FF2B5EF4-FFF2-40B4-BE49-F238E27FC236}">
+                <a16:creationId xmlns:a16="http://schemas.microsoft.com/office/drawing/2014/main" id="{F5BF4595-3B89-3E2E-518E-47C8983F656F}"/>
+              </a:ext>
+            </a:extLst>
+          </p:cNvPr>
+          <p:cNvSpPr>
+            <a:spLocks noChangeArrowheads="1"/>
+          </p:cNvSpPr>
+          <p:nvPr/>
+        </p:nvSpPr>
+        <p:spPr bwMode="auto">
+          <a:xfrm>
+            <a:off x="3981855" y="2728637"/>
+            <a:ext cx="4228290" cy="1938992"/>
+          </a:xfrm>
+          <a:prstGeom prst="rect">
+            <a:avLst/>
+          </a:prstGeom>
+          <a:solidFill>
+            <a:srgbClr val="1E1F22"/>
+          </a:solidFill>
+          <a:ln>
+            <a:noFill/>
+          </a:ln>
+          <a:effectLst/>
+          <a:extLst>
+            <a:ext uri="{91240B29-F687-4F45-9708-019B960494DF}">
+              <a14:hiddenLine xmlns:a14="http://schemas.microsoft.com/office/drawing/2010/main" w="9525">
+                <a:solidFill>
+                  <a:schemeClr val="tx1"/>
+                </a:solidFill>
+                <a:miter lim="800000"/>
+                <a:headEnd/>
+                <a:tailEnd/>
+              </a14:hiddenLine>
+            </a:ext>
+            <a:ext uri="{AF507438-7753-43E0-B8FC-AC1667EBCBE1}">
+              <a14:hiddenEffects xmlns:a14="http://schemas.microsoft.com/office/drawing/2010/main">
+                <a:effectLst>
+                  <a:outerShdw dist="35921" dir="2700000" algn="ctr" rotWithShape="0">
+                    <a:schemeClr val="bg2"/>
+                  </a:outerShdw>
+                </a:effectLst>
+              </a14:hiddenEffects>
+            </a:ext>
+          </a:extLst>
+        </p:spPr>
+        <p:txBody>
+          <a:bodyPr vert="horz" wrap="square" lIns="91440" tIns="45720" rIns="91440" bIns="45720" numCol="1" anchor="ctr" anchorCtr="0" compatLnSpc="1">
+            <a:prstTxWarp prst="textNoShape">
+              <a:avLst/>
+            </a:prstTxWarp>
+            <a:spAutoFit/>
+          </a:bodyPr>
+          <a:lstStyle/>
+          <a:p>
+            <a:pPr marL="0" marR="0" lvl="0" indent="0" algn="l" defTabSz="914400" rtl="0" eaLnBrk="0" fontAlgn="base" latinLnBrk="0" hangingPunct="0">
+              <a:lnSpc>
+                <a:spcPct val="100000"/>
+              </a:lnSpc>
+              <a:spcBef>
+                <a:spcPct val="0"/>
+              </a:spcBef>
+              <a:spcAft>
+                <a:spcPct val="0"/>
+              </a:spcAft>
+              <a:buClrTx/>
+              <a:buSzTx/>
+              <a:buFontTx/>
+              <a:buNone/>
+              <a:tabLst/>
+            </a:pPr>
+            <a:r>
+              <a:rPr kumimoji="0" lang="en-US" altLang="en-US" sz="1200" b="0" i="0" u="none" strike="noStrike" cap="none" normalizeH="0" baseline="0" dirty="0">
+                <a:ln>
+                  <a:noFill/>
+                </a:ln>
+                <a:solidFill>
+                  <a:srgbClr val="B3AE60"/>
+                </a:solidFill>
+                <a:effectLst/>
+                <a:latin typeface="JetBrains Mono"/>
+              </a:rPr>
+              <a:t>@Slf4j</a:t>
+            </a:r>
+            <a:br>
+              <a:rPr kumimoji="0" lang="en-US" altLang="en-US" sz="1200" b="0" i="0" u="none" strike="noStrike" cap="none" normalizeH="0" baseline="0" dirty="0">
+                <a:ln>
+                  <a:noFill/>
+                </a:ln>
+                <a:solidFill>
+                  <a:srgbClr val="B3AE60"/>
+                </a:solidFill>
+                <a:effectLst/>
+                <a:latin typeface="JetBrains Mono"/>
+              </a:rPr>
+            </a:br>
+            <a:r>
+              <a:rPr kumimoji="0" lang="en-US" altLang="en-US" sz="1200" b="0" i="0" u="none" strike="noStrike" cap="none" normalizeH="0" baseline="0" dirty="0">
+                <a:ln>
+                  <a:noFill/>
+                </a:ln>
+                <a:solidFill>
+                  <a:srgbClr val="B3AE60"/>
+                </a:solidFill>
+                <a:effectLst/>
+                <a:latin typeface="JetBrains Mono"/>
+              </a:rPr>
+              <a:t>@Service</a:t>
+            </a:r>
+            <a:br>
+              <a:rPr kumimoji="0" lang="en-US" altLang="en-US" sz="1200" b="0" i="0" u="none" strike="noStrike" cap="none" normalizeH="0" baseline="0" dirty="0">
+                <a:ln>
+                  <a:noFill/>
+                </a:ln>
+                <a:solidFill>
+                  <a:srgbClr val="B3AE60"/>
+                </a:solidFill>
+                <a:effectLst/>
+                <a:latin typeface="JetBrains Mono"/>
+              </a:rPr>
+            </a:br>
+            <a:r>
+              <a:rPr kumimoji="0" lang="en-US" altLang="en-US" sz="1200" b="0" i="0" u="none" strike="noStrike" cap="none" normalizeH="0" baseline="0" dirty="0">
+                <a:ln>
+                  <a:noFill/>
+                </a:ln>
+                <a:solidFill>
+                  <a:srgbClr val="CF8E6D"/>
+                </a:solidFill>
+                <a:effectLst/>
+                <a:latin typeface="JetBrains Mono"/>
+              </a:rPr>
+              <a:t>public class </a:t>
+            </a:r>
+            <a:r>
+              <a:rPr kumimoji="0" lang="en-US" altLang="en-US" sz="1200" b="0" i="0" u="none" strike="noStrike" cap="none" normalizeH="0" baseline="0" dirty="0" err="1">
+                <a:ln>
+                  <a:noFill/>
+                </a:ln>
+                <a:solidFill>
+                  <a:srgbClr val="BCBEC4"/>
+                </a:solidFill>
+                <a:effectLst/>
+                <a:latin typeface="JetBrains Mono"/>
+              </a:rPr>
+              <a:t>UserService</a:t>
+            </a:r>
+            <a:r>
+              <a:rPr kumimoji="0" lang="en-US" altLang="en-US" sz="1200" b="0" i="0" u="none" strike="noStrike" cap="none" normalizeH="0" baseline="0" dirty="0">
+                <a:ln>
+                  <a:noFill/>
+                </a:ln>
+                <a:solidFill>
+                  <a:srgbClr val="BCBEC4"/>
+                </a:solidFill>
+                <a:effectLst/>
+                <a:latin typeface="JetBrains Mono"/>
+              </a:rPr>
+              <a:t> {</a:t>
+            </a:r>
+            <a:br>
+              <a:rPr kumimoji="0" lang="en-US" altLang="en-US" sz="1200" b="0" i="0" u="none" strike="noStrike" cap="none" normalizeH="0" baseline="0" dirty="0">
+                <a:ln>
+                  <a:noFill/>
+                </a:ln>
+                <a:solidFill>
+                  <a:srgbClr val="BCBEC4"/>
+                </a:solidFill>
+                <a:effectLst/>
+                <a:latin typeface="JetBrains Mono"/>
+              </a:rPr>
+            </a:br>
+            <a:br>
+              <a:rPr kumimoji="0" lang="en-US" altLang="en-US" sz="1200" b="0" i="0" u="none" strike="noStrike" cap="none" normalizeH="0" baseline="0" dirty="0">
+                <a:ln>
+                  <a:noFill/>
+                </a:ln>
+                <a:solidFill>
+                  <a:srgbClr val="BCBEC4"/>
+                </a:solidFill>
+                <a:effectLst/>
+                <a:latin typeface="JetBrains Mono"/>
+              </a:rPr>
+            </a:br>
+            <a:r>
+              <a:rPr kumimoji="0" lang="en-US" altLang="en-US" sz="1200" b="0" i="0" u="none" strike="noStrike" cap="none" normalizeH="0" baseline="0" dirty="0">
+                <a:ln>
+                  <a:noFill/>
+                </a:ln>
+                <a:solidFill>
+                  <a:srgbClr val="BCBEC4"/>
+                </a:solidFill>
+                <a:effectLst/>
+                <a:latin typeface="JetBrains Mono"/>
+              </a:rPr>
+              <a:t>    </a:t>
+            </a:r>
+            <a:r>
+              <a:rPr kumimoji="0" lang="en-US" altLang="en-US" sz="1200" b="0" i="0" u="none" strike="noStrike" cap="none" normalizeH="0" baseline="0" dirty="0">
+                <a:ln>
+                  <a:noFill/>
+                </a:ln>
+                <a:solidFill>
+                  <a:srgbClr val="B3AE60"/>
+                </a:solidFill>
+                <a:effectLst/>
+                <a:latin typeface="JetBrains Mono"/>
+              </a:rPr>
+              <a:t>@Scheduled</a:t>
+            </a:r>
+            <a:r>
+              <a:rPr kumimoji="0" lang="en-US" altLang="en-US" sz="1200" b="0" i="0" u="none" strike="noStrike" cap="none" normalizeH="0" baseline="0" dirty="0">
+                <a:ln>
+                  <a:noFill/>
+                </a:ln>
+                <a:solidFill>
+                  <a:srgbClr val="BCBEC4"/>
+                </a:solidFill>
+                <a:effectLst/>
+                <a:latin typeface="JetBrains Mono"/>
+              </a:rPr>
+              <a:t>(fixedRate = </a:t>
+            </a:r>
+            <a:r>
+              <a:rPr kumimoji="0" lang="en-US" altLang="en-US" sz="1200" b="0" i="0" u="none" strike="noStrike" cap="none" normalizeH="0" baseline="0" dirty="0">
+                <a:ln>
+                  <a:noFill/>
+                </a:ln>
+                <a:solidFill>
+                  <a:srgbClr val="2AACB8"/>
+                </a:solidFill>
+                <a:effectLst/>
+                <a:latin typeface="JetBrains Mono"/>
+              </a:rPr>
+              <a:t>5</a:t>
+            </a:r>
+            <a:r>
+              <a:rPr kumimoji="0" lang="en-US" altLang="en-US" sz="1200" b="0" i="0" u="none" strike="noStrike" cap="none" normalizeH="0" baseline="0" dirty="0">
+                <a:ln>
+                  <a:noFill/>
+                </a:ln>
+                <a:solidFill>
+                  <a:srgbClr val="BCBEC4"/>
+                </a:solidFill>
+                <a:effectLst/>
+                <a:latin typeface="JetBrains Mono"/>
+              </a:rPr>
+              <a:t>, </a:t>
+            </a:r>
+            <a:r>
+              <a:rPr kumimoji="0" lang="en-US" altLang="en-US" sz="1200" b="0" i="0" u="none" strike="noStrike" cap="none" normalizeH="0" baseline="0" dirty="0" err="1">
+                <a:ln>
+                  <a:noFill/>
+                </a:ln>
+                <a:solidFill>
+                  <a:srgbClr val="BCBEC4"/>
+                </a:solidFill>
+                <a:effectLst/>
+                <a:latin typeface="JetBrains Mono"/>
+              </a:rPr>
+              <a:t>timeUnit</a:t>
+            </a:r>
+            <a:r>
+              <a:rPr kumimoji="0" lang="en-US" altLang="en-US" sz="1200" b="0" i="0" u="none" strike="noStrike" cap="none" normalizeH="0" baseline="0" dirty="0">
+                <a:ln>
+                  <a:noFill/>
+                </a:ln>
+                <a:solidFill>
+                  <a:srgbClr val="BCBEC4"/>
+                </a:solidFill>
+                <a:effectLst/>
+                <a:latin typeface="JetBrains Mono"/>
+              </a:rPr>
+              <a:t> = </a:t>
+            </a:r>
+            <a:r>
+              <a:rPr kumimoji="0" lang="en-US" altLang="en-US" sz="1200" b="0" i="0" u="none" strike="noStrike" cap="none" normalizeH="0" baseline="0" dirty="0" err="1">
+                <a:ln>
+                  <a:noFill/>
+                </a:ln>
+                <a:solidFill>
+                  <a:srgbClr val="BCBEC4"/>
+                </a:solidFill>
+                <a:effectLst/>
+                <a:latin typeface="JetBrains Mono"/>
+              </a:rPr>
+              <a:t>TimeUnit.</a:t>
+            </a:r>
+            <a:r>
+              <a:rPr kumimoji="0" lang="en-US" altLang="en-US" sz="1200" b="0" i="1" u="none" strike="noStrike" cap="none" normalizeH="0" baseline="0" dirty="0" err="1">
+                <a:ln>
+                  <a:noFill/>
+                </a:ln>
+                <a:solidFill>
+                  <a:srgbClr val="C77DBB"/>
+                </a:solidFill>
+                <a:effectLst/>
+                <a:latin typeface="JetBrains Mono"/>
+              </a:rPr>
+              <a:t>MINUTES</a:t>
+            </a:r>
+            <a:r>
+              <a:rPr kumimoji="0" lang="en-US" altLang="en-US" sz="1200" b="0" i="0" u="none" strike="noStrike" cap="none" normalizeH="0" baseline="0" dirty="0">
+                <a:ln>
+                  <a:noFill/>
+                </a:ln>
+                <a:solidFill>
+                  <a:srgbClr val="BCBEC4"/>
+                </a:solidFill>
+                <a:effectLst/>
+                <a:latin typeface="JetBrains Mono"/>
+              </a:rPr>
+              <a:t>)</a:t>
+            </a:r>
+            <a:br>
+              <a:rPr kumimoji="0" lang="en-US" altLang="en-US" sz="1200" b="0" i="0" u="none" strike="noStrike" cap="none" normalizeH="0" baseline="0" dirty="0">
+                <a:ln>
+                  <a:noFill/>
+                </a:ln>
+                <a:solidFill>
+                  <a:srgbClr val="BCBEC4"/>
+                </a:solidFill>
+                <a:effectLst/>
+                <a:latin typeface="JetBrains Mono"/>
+              </a:rPr>
+            </a:br>
+            <a:r>
+              <a:rPr kumimoji="0" lang="en-US" altLang="en-US" sz="1200" b="0" i="0" u="none" strike="noStrike" cap="none" normalizeH="0" baseline="0" dirty="0">
+                <a:ln>
+                  <a:noFill/>
+                </a:ln>
+                <a:solidFill>
+                  <a:srgbClr val="BCBEC4"/>
+                </a:solidFill>
+                <a:effectLst/>
+                <a:latin typeface="JetBrains Mono"/>
+              </a:rPr>
+              <a:t>    </a:t>
+            </a:r>
+            <a:r>
+              <a:rPr kumimoji="0" lang="en-US" altLang="en-US" sz="1200" b="0" i="0" u="none" strike="noStrike" cap="none" normalizeH="0" baseline="0" dirty="0">
+                <a:ln>
+                  <a:noFill/>
+                </a:ln>
+                <a:solidFill>
+                  <a:srgbClr val="CF8E6D"/>
+                </a:solidFill>
+                <a:effectLst/>
+                <a:latin typeface="JetBrains Mono"/>
+              </a:rPr>
+              <a:t>public void </a:t>
+            </a:r>
+            <a:r>
+              <a:rPr kumimoji="0" lang="en-US" altLang="en-US" sz="1200" b="0" i="0" u="none" strike="noStrike" cap="none" normalizeH="0" baseline="0" dirty="0" err="1">
+                <a:ln>
+                  <a:noFill/>
+                </a:ln>
+                <a:solidFill>
+                  <a:srgbClr val="56A8F5"/>
+                </a:solidFill>
+                <a:effectLst/>
+                <a:latin typeface="JetBrains Mono"/>
+              </a:rPr>
+              <a:t>logHello</a:t>
+            </a:r>
+            <a:r>
+              <a:rPr kumimoji="0" lang="en-US" altLang="en-US" sz="1200" b="0" i="0" u="none" strike="noStrike" cap="none" normalizeH="0" baseline="0" dirty="0">
+                <a:ln>
+                  <a:noFill/>
+                </a:ln>
+                <a:solidFill>
+                  <a:srgbClr val="BCBEC4"/>
+                </a:solidFill>
+                <a:effectLst/>
+                <a:latin typeface="JetBrains Mono"/>
+              </a:rPr>
+              <a:t>() {</a:t>
+            </a:r>
+            <a:br>
+              <a:rPr kumimoji="0" lang="en-US" altLang="en-US" sz="1200" b="0" i="0" u="none" strike="noStrike" cap="none" normalizeH="0" baseline="0" dirty="0">
+                <a:ln>
+                  <a:noFill/>
+                </a:ln>
+                <a:solidFill>
+                  <a:srgbClr val="BCBEC4"/>
+                </a:solidFill>
+                <a:effectLst/>
+                <a:latin typeface="JetBrains Mono"/>
+              </a:rPr>
+            </a:br>
+            <a:r>
+              <a:rPr kumimoji="0" lang="en-US" altLang="en-US" sz="1200" b="0" i="0" u="none" strike="noStrike" cap="none" normalizeH="0" baseline="0" dirty="0">
+                <a:ln>
+                  <a:noFill/>
+                </a:ln>
+                <a:solidFill>
+                  <a:srgbClr val="BCBEC4"/>
+                </a:solidFill>
+                <a:effectLst/>
+                <a:latin typeface="JetBrains Mono"/>
+              </a:rPr>
+              <a:t>        </a:t>
+            </a:r>
+            <a:r>
+              <a:rPr kumimoji="0" lang="en-US" altLang="en-US" sz="1200" b="0" i="1" u="none" strike="noStrike" cap="none" normalizeH="0" baseline="0" dirty="0">
+                <a:ln>
+                  <a:noFill/>
+                </a:ln>
+                <a:solidFill>
+                  <a:srgbClr val="C77DBB"/>
+                </a:solidFill>
+                <a:effectLst/>
+                <a:latin typeface="JetBrains Mono"/>
+              </a:rPr>
+              <a:t>log</a:t>
+            </a:r>
+            <a:r>
+              <a:rPr kumimoji="0" lang="en-US" altLang="en-US" sz="1200" b="0" i="0" u="none" strike="noStrike" cap="none" normalizeH="0" baseline="0" dirty="0">
+                <a:ln>
+                  <a:noFill/>
+                </a:ln>
+                <a:solidFill>
+                  <a:srgbClr val="BCBEC4"/>
+                </a:solidFill>
+                <a:effectLst/>
+                <a:latin typeface="JetBrains Mono"/>
+              </a:rPr>
+              <a:t>.info(</a:t>
+            </a:r>
+            <a:r>
+              <a:rPr kumimoji="0" lang="en-US" altLang="en-US" sz="1200" b="0" i="0" u="none" strike="noStrike" cap="none" normalizeH="0" baseline="0" dirty="0">
+                <a:ln>
+                  <a:noFill/>
+                </a:ln>
+                <a:solidFill>
+                  <a:srgbClr val="6AAB73"/>
+                </a:solidFill>
+                <a:effectLst/>
+                <a:latin typeface="JetBrains Mono"/>
+              </a:rPr>
+              <a:t>"Hello !"</a:t>
+            </a:r>
+            <a:r>
+              <a:rPr kumimoji="0" lang="en-US" altLang="en-US" sz="1200" b="0" i="0" u="none" strike="noStrike" cap="none" normalizeH="0" baseline="0" dirty="0">
+                <a:ln>
+                  <a:noFill/>
+                </a:ln>
+                <a:solidFill>
+                  <a:srgbClr val="BCBEC4"/>
+                </a:solidFill>
+                <a:effectLst/>
+                <a:latin typeface="JetBrains Mono"/>
+              </a:rPr>
+              <a:t>);</a:t>
+            </a:r>
+            <a:br>
+              <a:rPr kumimoji="0" lang="en-US" altLang="en-US" sz="1200" b="0" i="0" u="none" strike="noStrike" cap="none" normalizeH="0" baseline="0" dirty="0">
+                <a:ln>
+                  <a:noFill/>
+                </a:ln>
+                <a:solidFill>
+                  <a:srgbClr val="BCBEC4"/>
+                </a:solidFill>
+                <a:effectLst/>
+                <a:latin typeface="JetBrains Mono"/>
+              </a:rPr>
+            </a:br>
+            <a:r>
+              <a:rPr kumimoji="0" lang="en-US" altLang="en-US" sz="1200" b="0" i="0" u="none" strike="noStrike" cap="none" normalizeH="0" baseline="0" dirty="0">
+                <a:ln>
+                  <a:noFill/>
+                </a:ln>
+                <a:solidFill>
+                  <a:srgbClr val="BCBEC4"/>
+                </a:solidFill>
+                <a:effectLst/>
+                <a:latin typeface="JetBrains Mono"/>
+              </a:rPr>
+              <a:t>    }</a:t>
+            </a:r>
+          </a:p>
+          <a:p>
+            <a:pPr marL="0" marR="0" lvl="0" indent="0" algn="l" defTabSz="914400" rtl="0" eaLnBrk="0" fontAlgn="base" latinLnBrk="0" hangingPunct="0">
+              <a:lnSpc>
+                <a:spcPct val="100000"/>
+              </a:lnSpc>
+              <a:spcBef>
+                <a:spcPct val="0"/>
+              </a:spcBef>
+              <a:spcAft>
+                <a:spcPct val="0"/>
+              </a:spcAft>
+              <a:buClrTx/>
+              <a:buSzTx/>
+              <a:buFontTx/>
+              <a:buNone/>
+              <a:tabLst/>
+            </a:pPr>
+            <a:br>
+              <a:rPr kumimoji="0" lang="en-US" altLang="en-US" sz="1200" b="0" i="0" u="none" strike="noStrike" cap="none" normalizeH="0" baseline="0" dirty="0">
+                <a:ln>
+                  <a:noFill/>
+                </a:ln>
+                <a:solidFill>
+                  <a:srgbClr val="BCBEC4"/>
+                </a:solidFill>
+                <a:effectLst/>
+                <a:latin typeface="JetBrains Mono"/>
+              </a:rPr>
+            </a:br>
+            <a:r>
+              <a:rPr kumimoji="0" lang="en-US" altLang="en-US" sz="1200" b="0" i="0" u="none" strike="noStrike" cap="none" normalizeH="0" baseline="0" dirty="0">
+                <a:ln>
+                  <a:noFill/>
+                </a:ln>
+                <a:solidFill>
+                  <a:srgbClr val="BCBEC4"/>
+                </a:solidFill>
+                <a:effectLst/>
+                <a:latin typeface="JetBrains Mono"/>
+              </a:rPr>
+              <a:t>}</a:t>
+            </a:r>
+            <a:endParaRPr kumimoji="0" lang="en-US" altLang="en-US" sz="3200" b="0" i="0" u="none" strike="noStrike" cap="none" normalizeH="0" baseline="0" dirty="0">
+              <a:ln>
+                <a:noFill/>
+              </a:ln>
+              <a:solidFill>
+                <a:schemeClr val="tx1"/>
+              </a:solidFill>
+              <a:effectLst/>
+              <a:latin typeface="Arial" panose="020B0604020202020204" pitchFamily="34" charset="0"/>
+            </a:endParaRPr>
+          </a:p>
+        </p:txBody>
+      </p:sp>
+    </p:spTree>
+    <p:extLst>
+      <p:ext uri="{BB962C8B-B14F-4D97-AF65-F5344CB8AC3E}">
+        <p14:creationId xmlns:p14="http://schemas.microsoft.com/office/powerpoint/2010/main" val="3271259979"/>
+      </p:ext>
+    </p:extLst>
+  </p:cSld>
+  <p:clrMapOvr>
+    <a:masterClrMapping/>
+  </p:clrMapOvr>
+</p:sld>
+</file>
+
+<file path=ppt/slides/slide12.xml><?xml version="1.0" encoding="utf-8"?>
+<p:sld xmlns:a="http://schemas.openxmlformats.org/drawingml/2006/main" xmlns:r="http://schemas.openxmlformats.org/officeDocument/2006/relationships" xmlns:p="http://schemas.openxmlformats.org/presentationml/2006/main">
+  <p:cSld>
+    <p:spTree>
+      <p:nvGrpSpPr>
+        <p:cNvPr id="1" name=""/>
+        <p:cNvGrpSpPr/>
+        <p:nvPr/>
+      </p:nvGrpSpPr>
+      <p:grpSpPr>
+        <a:xfrm>
+          <a:off x="0" y="0"/>
+          <a:ext cx="0" cy="0"/>
+          <a:chOff x="0" y="0"/>
+          <a:chExt cx="0" cy="0"/>
+        </a:xfrm>
+      </p:grpSpPr>
+      <p:sp>
+        <p:nvSpPr>
+          <p:cNvPr id="19" name="TextBox 18">
+            <a:extLst>
+              <a:ext uri="{FF2B5EF4-FFF2-40B4-BE49-F238E27FC236}">
+                <a16:creationId xmlns:a16="http://schemas.microsoft.com/office/drawing/2014/main" id="{25D04C93-F343-AB2A-40B9-ECB00D065A9A}"/>
+              </a:ext>
+            </a:extLst>
+          </p:cNvPr>
+          <p:cNvSpPr txBox="1"/>
+          <p:nvPr/>
+        </p:nvSpPr>
+        <p:spPr>
+          <a:xfrm>
+            <a:off x="0" y="555414"/>
+            <a:ext cx="12192000" cy="769441"/>
+          </a:xfrm>
+          <a:prstGeom prst="rect">
+            <a:avLst/>
+          </a:prstGeom>
+          <a:noFill/>
+        </p:spPr>
+        <p:txBody>
+          <a:bodyPr wrap="square" rtlCol="0">
+            <a:spAutoFit/>
+          </a:bodyPr>
+          <a:lstStyle/>
+          <a:p>
+            <a:pPr algn="ctr"/>
+            <a:r>
+              <a:rPr lang="en-US" sz="4400" b="1" dirty="0"/>
+              <a:t>Spring Project Structure</a:t>
+            </a:r>
+          </a:p>
+        </p:txBody>
+      </p:sp>
+      <p:pic>
+        <p:nvPicPr>
+          <p:cNvPr id="3" name="Picture 2">
+            <a:extLst>
+              <a:ext uri="{FF2B5EF4-FFF2-40B4-BE49-F238E27FC236}">
+                <a16:creationId xmlns:a16="http://schemas.microsoft.com/office/drawing/2014/main" id="{3427CCA9-37E1-205F-16F8-FC25FDB67495}"/>
+              </a:ext>
+            </a:extLst>
+          </p:cNvPr>
+          <p:cNvPicPr>
+            <a:picLocks noChangeAspect="1"/>
+          </p:cNvPicPr>
+          <p:nvPr/>
+        </p:nvPicPr>
+        <p:blipFill>
+          <a:blip r:embed="rId3"/>
+          <a:stretch>
+            <a:fillRect/>
+          </a:stretch>
+        </p:blipFill>
+        <p:spPr>
+          <a:xfrm>
+            <a:off x="4947902" y="1608306"/>
+            <a:ext cx="2296195" cy="4873557"/>
+          </a:xfrm>
+          <a:prstGeom prst="rect">
+            <a:avLst/>
+          </a:prstGeom>
+        </p:spPr>
+      </p:pic>
+    </p:spTree>
+    <p:extLst>
+      <p:ext uri="{BB962C8B-B14F-4D97-AF65-F5344CB8AC3E}">
+        <p14:creationId xmlns:p14="http://schemas.microsoft.com/office/powerpoint/2010/main" val="1537051593"/>
       </p:ext>
     </p:extLst>
   </p:cSld>
@@ -12423,45 +14492,1384 @@
             <a:pPr algn="ctr"/>
             <a:r>
               <a:rPr lang="en-US" sz="4400" b="1" dirty="0"/>
-              <a:t>Spring Project Structure</a:t>
+              <a:t>Other Beans creation &amp; injection</a:t>
             </a:r>
           </a:p>
         </p:txBody>
       </p:sp>
-      <p:pic>
-        <p:nvPicPr>
-          <p:cNvPr id="3" name="Picture 2">
+      <p:sp>
+        <p:nvSpPr>
+          <p:cNvPr id="6" name="Rectangle 1">
             <a:extLst>
               <a:ext uri="{FF2B5EF4-FFF2-40B4-BE49-F238E27FC236}">
-                <a16:creationId xmlns:a16="http://schemas.microsoft.com/office/drawing/2014/main" id="{3427CCA9-37E1-205F-16F8-FC25FDB67495}"/>
+                <a16:creationId xmlns:a16="http://schemas.microsoft.com/office/drawing/2014/main" id="{14B1DE42-84D7-0267-8C19-95ED650F363B}"/>
               </a:ext>
             </a:extLst>
           </p:cNvPr>
-          <p:cNvPicPr>
-            <a:picLocks noChangeAspect="1"/>
-          </p:cNvPicPr>
+          <p:cNvSpPr>
+            <a:spLocks noChangeArrowheads="1"/>
+          </p:cNvSpPr>
           <p:nvPr/>
-        </p:nvPicPr>
-        <p:blipFill>
-          <a:blip r:embed="rId3"/>
-          <a:stretch>
-            <a:fillRect/>
-          </a:stretch>
-        </p:blipFill>
-        <p:spPr>
+        </p:nvSpPr>
+        <p:spPr bwMode="auto">
           <a:xfrm>
-            <a:off x="4947902" y="1608306"/>
-            <a:ext cx="2296195" cy="4873557"/>
+            <a:off x="1102468" y="2220859"/>
+            <a:ext cx="3307405" cy="3046988"/>
           </a:xfrm>
           <a:prstGeom prst="rect">
             <a:avLst/>
           </a:prstGeom>
+          <a:solidFill>
+            <a:srgbClr val="1E1F22"/>
+          </a:solidFill>
+          <a:ln>
+            <a:noFill/>
+          </a:ln>
+          <a:effectLst/>
+          <a:extLst>
+            <a:ext uri="{91240B29-F687-4F45-9708-019B960494DF}">
+              <a14:hiddenLine xmlns:a14="http://schemas.microsoft.com/office/drawing/2010/main" w="9525">
+                <a:solidFill>
+                  <a:schemeClr val="tx1"/>
+                </a:solidFill>
+                <a:miter lim="800000"/>
+                <a:headEnd/>
+                <a:tailEnd/>
+              </a14:hiddenLine>
+            </a:ext>
+            <a:ext uri="{AF507438-7753-43E0-B8FC-AC1667EBCBE1}">
+              <a14:hiddenEffects xmlns:a14="http://schemas.microsoft.com/office/drawing/2010/main">
+                <a:effectLst>
+                  <a:outerShdw dist="35921" dir="2700000" algn="ctr" rotWithShape="0">
+                    <a:schemeClr val="bg2"/>
+                  </a:outerShdw>
+                </a:effectLst>
+              </a14:hiddenEffects>
+            </a:ext>
+          </a:extLst>
         </p:spPr>
-      </p:pic>
+        <p:txBody>
+          <a:bodyPr vert="horz" wrap="square" lIns="91440" tIns="45720" rIns="91440" bIns="45720" numCol="1" anchor="ctr" anchorCtr="0" compatLnSpc="1">
+            <a:prstTxWarp prst="textNoShape">
+              <a:avLst/>
+            </a:prstTxWarp>
+            <a:spAutoFit/>
+          </a:bodyPr>
+          <a:lstStyle/>
+          <a:p>
+            <a:pPr marL="0" marR="0" lvl="0" indent="0" algn="l" defTabSz="914400" rtl="0" eaLnBrk="0" fontAlgn="base" latinLnBrk="0" hangingPunct="0">
+              <a:lnSpc>
+                <a:spcPct val="100000"/>
+              </a:lnSpc>
+              <a:spcBef>
+                <a:spcPct val="0"/>
+              </a:spcBef>
+              <a:spcAft>
+                <a:spcPct val="0"/>
+              </a:spcAft>
+              <a:buClrTx/>
+              <a:buSzTx/>
+              <a:buFontTx/>
+              <a:buNone/>
+              <a:tabLst/>
+            </a:pPr>
+            <a:r>
+              <a:rPr kumimoji="0" lang="en-US" altLang="en-US" sz="1200" b="0" i="0" u="none" strike="noStrike" cap="none" normalizeH="0" baseline="0" dirty="0">
+                <a:ln>
+                  <a:noFill/>
+                </a:ln>
+                <a:solidFill>
+                  <a:srgbClr val="B3AE60"/>
+                </a:solidFill>
+                <a:effectLst/>
+                <a:latin typeface="JetBrains Mono"/>
+              </a:rPr>
+              <a:t>@Configuration</a:t>
+            </a:r>
+            <a:br>
+              <a:rPr kumimoji="0" lang="en-US" altLang="en-US" sz="1200" b="0" i="0" u="none" strike="noStrike" cap="none" normalizeH="0" baseline="0" dirty="0">
+                <a:ln>
+                  <a:noFill/>
+                </a:ln>
+                <a:solidFill>
+                  <a:srgbClr val="B3AE60"/>
+                </a:solidFill>
+                <a:effectLst/>
+                <a:latin typeface="JetBrains Mono"/>
+              </a:rPr>
+            </a:br>
+            <a:r>
+              <a:rPr kumimoji="0" lang="en-US" altLang="en-US" sz="1200" b="0" i="0" u="none" strike="noStrike" cap="none" normalizeH="0" baseline="0" dirty="0">
+                <a:ln>
+                  <a:noFill/>
+                </a:ln>
+                <a:solidFill>
+                  <a:srgbClr val="CF8E6D"/>
+                </a:solidFill>
+                <a:effectLst/>
+                <a:latin typeface="JetBrains Mono"/>
+              </a:rPr>
+              <a:t>public class </a:t>
+            </a:r>
+            <a:r>
+              <a:rPr kumimoji="0" lang="en-US" altLang="en-US" sz="1200" b="0" i="0" u="none" strike="noStrike" cap="none" normalizeH="0" baseline="0" dirty="0" err="1">
+                <a:ln>
+                  <a:noFill/>
+                </a:ln>
+                <a:solidFill>
+                  <a:srgbClr val="BCBEC4"/>
+                </a:solidFill>
+                <a:effectLst/>
+                <a:latin typeface="JetBrains Mono"/>
+              </a:rPr>
+              <a:t>CacheConfiguration</a:t>
+            </a:r>
+            <a:r>
+              <a:rPr kumimoji="0" lang="en-US" altLang="en-US" sz="1200" b="0" i="0" u="none" strike="noStrike" cap="none" normalizeH="0" baseline="0" dirty="0">
+                <a:ln>
+                  <a:noFill/>
+                </a:ln>
+                <a:solidFill>
+                  <a:srgbClr val="BCBEC4"/>
+                </a:solidFill>
+                <a:effectLst/>
+                <a:latin typeface="JetBrains Mono"/>
+              </a:rPr>
+              <a:t> {</a:t>
+            </a:r>
+            <a:br>
+              <a:rPr kumimoji="0" lang="en-US" altLang="en-US" sz="1200" b="0" i="0" u="none" strike="noStrike" cap="none" normalizeH="0" baseline="0" dirty="0">
+                <a:ln>
+                  <a:noFill/>
+                </a:ln>
+                <a:solidFill>
+                  <a:srgbClr val="BCBEC4"/>
+                </a:solidFill>
+                <a:effectLst/>
+                <a:latin typeface="JetBrains Mono"/>
+              </a:rPr>
+            </a:br>
+            <a:br>
+              <a:rPr kumimoji="0" lang="en-US" altLang="en-US" sz="1200" b="0" i="0" u="none" strike="noStrike" cap="none" normalizeH="0" baseline="0" dirty="0">
+                <a:ln>
+                  <a:noFill/>
+                </a:ln>
+                <a:solidFill>
+                  <a:srgbClr val="BCBEC4"/>
+                </a:solidFill>
+                <a:effectLst/>
+                <a:latin typeface="JetBrains Mono"/>
+              </a:rPr>
+            </a:br>
+            <a:r>
+              <a:rPr kumimoji="0" lang="en-US" altLang="en-US" sz="1200" b="0" i="0" u="none" strike="noStrike" cap="none" normalizeH="0" baseline="0" dirty="0">
+                <a:ln>
+                  <a:noFill/>
+                </a:ln>
+                <a:solidFill>
+                  <a:srgbClr val="BCBEC4"/>
+                </a:solidFill>
+                <a:effectLst/>
+                <a:latin typeface="JetBrains Mono"/>
+              </a:rPr>
+              <a:t>    </a:t>
+            </a:r>
+            <a:r>
+              <a:rPr kumimoji="0" lang="en-US" altLang="en-US" sz="1200" b="0" i="0" u="none" strike="noStrike" cap="none" normalizeH="0" baseline="0" dirty="0">
+                <a:ln>
+                  <a:noFill/>
+                </a:ln>
+                <a:solidFill>
+                  <a:srgbClr val="B3AE60"/>
+                </a:solidFill>
+                <a:effectLst/>
+                <a:latin typeface="JetBrains Mono"/>
+              </a:rPr>
+              <a:t>@Bean</a:t>
+            </a:r>
+            <a:br>
+              <a:rPr kumimoji="0" lang="en-US" altLang="en-US" sz="1200" b="0" i="0" u="none" strike="noStrike" cap="none" normalizeH="0" baseline="0" dirty="0">
+                <a:ln>
+                  <a:noFill/>
+                </a:ln>
+                <a:solidFill>
+                  <a:srgbClr val="B3AE60"/>
+                </a:solidFill>
+                <a:effectLst/>
+                <a:latin typeface="JetBrains Mono"/>
+              </a:rPr>
+            </a:br>
+            <a:r>
+              <a:rPr kumimoji="0" lang="en-US" altLang="en-US" sz="1200" b="0" i="0" u="none" strike="noStrike" cap="none" normalizeH="0" baseline="0" dirty="0">
+                <a:ln>
+                  <a:noFill/>
+                </a:ln>
+                <a:solidFill>
+                  <a:srgbClr val="B3AE60"/>
+                </a:solidFill>
+                <a:effectLst/>
+                <a:latin typeface="JetBrains Mono"/>
+              </a:rPr>
+              <a:t>    @Qualifier</a:t>
+            </a:r>
+            <a:r>
+              <a:rPr kumimoji="0" lang="en-US" altLang="en-US" sz="1200" b="0" i="0" u="none" strike="noStrike" cap="none" normalizeH="0" baseline="0" dirty="0">
+                <a:ln>
+                  <a:noFill/>
+                </a:ln>
+                <a:solidFill>
+                  <a:srgbClr val="BCBEC4"/>
+                </a:solidFill>
+                <a:effectLst/>
+                <a:latin typeface="JetBrains Mono"/>
+              </a:rPr>
+              <a:t>(</a:t>
+            </a:r>
+            <a:r>
+              <a:rPr kumimoji="0" lang="en-US" altLang="en-US" sz="1200" b="0" i="0" u="none" strike="noStrike" cap="none" normalizeH="0" baseline="0" dirty="0">
+                <a:ln>
+                  <a:noFill/>
+                </a:ln>
+                <a:solidFill>
+                  <a:srgbClr val="6AAB73"/>
+                </a:solidFill>
+                <a:effectLst/>
+                <a:latin typeface="JetBrains Mono"/>
+              </a:rPr>
+              <a:t>"userCache"</a:t>
+            </a:r>
+            <a:r>
+              <a:rPr kumimoji="0" lang="en-US" altLang="en-US" sz="1200" b="0" i="0" u="none" strike="noStrike" cap="none" normalizeH="0" baseline="0" dirty="0">
+                <a:ln>
+                  <a:noFill/>
+                </a:ln>
+                <a:solidFill>
+                  <a:srgbClr val="BCBEC4"/>
+                </a:solidFill>
+                <a:effectLst/>
+                <a:latin typeface="JetBrains Mono"/>
+              </a:rPr>
+              <a:t>)</a:t>
+            </a:r>
+            <a:br>
+              <a:rPr kumimoji="0" lang="en-US" altLang="en-US" sz="1200" b="0" i="0" u="none" strike="noStrike" cap="none" normalizeH="0" baseline="0" dirty="0">
+                <a:ln>
+                  <a:noFill/>
+                </a:ln>
+                <a:solidFill>
+                  <a:srgbClr val="BCBEC4"/>
+                </a:solidFill>
+                <a:effectLst/>
+                <a:latin typeface="JetBrains Mono"/>
+              </a:rPr>
+            </a:br>
+            <a:r>
+              <a:rPr kumimoji="0" lang="en-US" altLang="en-US" sz="1200" b="0" i="0" u="none" strike="noStrike" cap="none" normalizeH="0" baseline="0" dirty="0">
+                <a:ln>
+                  <a:noFill/>
+                </a:ln>
+                <a:solidFill>
+                  <a:srgbClr val="BCBEC4"/>
+                </a:solidFill>
+                <a:effectLst/>
+                <a:latin typeface="JetBrains Mono"/>
+              </a:rPr>
+              <a:t>    </a:t>
+            </a:r>
+            <a:r>
+              <a:rPr kumimoji="0" lang="en-US" altLang="en-US" sz="1200" b="0" i="0" u="none" strike="noStrike" cap="none" normalizeH="0" baseline="0" dirty="0">
+                <a:ln>
+                  <a:noFill/>
+                </a:ln>
+                <a:solidFill>
+                  <a:srgbClr val="CF8E6D"/>
+                </a:solidFill>
+                <a:effectLst/>
+                <a:latin typeface="JetBrains Mono"/>
+              </a:rPr>
+              <a:t>public </a:t>
+            </a:r>
+            <a:r>
+              <a:rPr kumimoji="0" lang="en-US" altLang="en-US" sz="1200" b="0" i="0" u="none" strike="noStrike" cap="none" normalizeH="0" baseline="0" dirty="0">
+                <a:ln>
+                  <a:noFill/>
+                </a:ln>
+                <a:solidFill>
+                  <a:srgbClr val="BCBEC4"/>
+                </a:solidFill>
+                <a:effectLst/>
+                <a:latin typeface="JetBrains Mono"/>
+              </a:rPr>
+              <a:t>Cache&lt;String, User&gt; </a:t>
+            </a:r>
+            <a:r>
+              <a:rPr kumimoji="0" lang="en-US" altLang="en-US" sz="1200" b="0" i="0" u="none" strike="noStrike" cap="none" normalizeH="0" baseline="0" dirty="0" err="1">
+                <a:ln>
+                  <a:noFill/>
+                </a:ln>
+                <a:solidFill>
+                  <a:srgbClr val="56A8F5"/>
+                </a:solidFill>
+                <a:effectLst/>
+                <a:latin typeface="JetBrains Mono"/>
+              </a:rPr>
+              <a:t>userCache</a:t>
+            </a:r>
+            <a:r>
+              <a:rPr kumimoji="0" lang="en-US" altLang="en-US" sz="1200" b="0" i="0" u="none" strike="noStrike" cap="none" normalizeH="0" baseline="0" dirty="0">
+                <a:ln>
+                  <a:noFill/>
+                </a:ln>
+                <a:solidFill>
+                  <a:srgbClr val="BCBEC4"/>
+                </a:solidFill>
+                <a:effectLst/>
+                <a:latin typeface="JetBrains Mono"/>
+              </a:rPr>
+              <a:t>() {</a:t>
+            </a:r>
+            <a:br>
+              <a:rPr kumimoji="0" lang="en-US" altLang="en-US" sz="1200" b="0" i="0" u="none" strike="noStrike" cap="none" normalizeH="0" baseline="0" dirty="0">
+                <a:ln>
+                  <a:noFill/>
+                </a:ln>
+                <a:solidFill>
+                  <a:srgbClr val="BCBEC4"/>
+                </a:solidFill>
+                <a:effectLst/>
+                <a:latin typeface="JetBrains Mono"/>
+              </a:rPr>
+            </a:br>
+            <a:r>
+              <a:rPr kumimoji="0" lang="en-US" altLang="en-US" sz="1200" b="0" i="0" u="none" strike="noStrike" cap="none" normalizeH="0" baseline="0" dirty="0">
+                <a:ln>
+                  <a:noFill/>
+                </a:ln>
+                <a:solidFill>
+                  <a:srgbClr val="BCBEC4"/>
+                </a:solidFill>
+                <a:effectLst/>
+                <a:latin typeface="JetBrains Mono"/>
+              </a:rPr>
+              <a:t>        </a:t>
+            </a:r>
+            <a:r>
+              <a:rPr kumimoji="0" lang="en-US" altLang="en-US" sz="1200" b="0" i="0" u="none" strike="noStrike" cap="none" normalizeH="0" baseline="0" dirty="0">
+                <a:ln>
+                  <a:noFill/>
+                </a:ln>
+                <a:solidFill>
+                  <a:srgbClr val="CF8E6D"/>
+                </a:solidFill>
+                <a:effectLst/>
+                <a:latin typeface="JetBrains Mono"/>
+              </a:rPr>
+              <a:t>return </a:t>
+            </a:r>
+            <a:r>
+              <a:rPr kumimoji="0" lang="en-US" altLang="en-US" sz="1200" b="0" i="0" u="none" strike="noStrike" cap="none" normalizeH="0" baseline="0" dirty="0" err="1">
+                <a:ln>
+                  <a:noFill/>
+                </a:ln>
+                <a:solidFill>
+                  <a:srgbClr val="BCBEC4"/>
+                </a:solidFill>
+                <a:effectLst/>
+                <a:latin typeface="JetBrains Mono"/>
+              </a:rPr>
+              <a:t>CacheBuilder.</a:t>
+            </a:r>
+            <a:r>
+              <a:rPr kumimoji="0" lang="en-US" altLang="en-US" sz="1200" b="0" i="1" u="none" strike="noStrike" cap="none" normalizeH="0" baseline="0" dirty="0" err="1">
+                <a:ln>
+                  <a:noFill/>
+                </a:ln>
+                <a:solidFill>
+                  <a:srgbClr val="BCBEC4"/>
+                </a:solidFill>
+                <a:effectLst/>
+                <a:latin typeface="JetBrains Mono"/>
+              </a:rPr>
+              <a:t>newBuilder</a:t>
+            </a:r>
+            <a:r>
+              <a:rPr kumimoji="0" lang="en-US" altLang="en-US" sz="1200" b="0" i="0" u="none" strike="noStrike" cap="none" normalizeH="0" baseline="0" dirty="0">
+                <a:ln>
+                  <a:noFill/>
+                </a:ln>
+                <a:solidFill>
+                  <a:srgbClr val="BCBEC4"/>
+                </a:solidFill>
+                <a:effectLst/>
+                <a:latin typeface="JetBrains Mono"/>
+              </a:rPr>
+              <a:t>().build();</a:t>
+            </a:r>
+            <a:br>
+              <a:rPr kumimoji="0" lang="en-US" altLang="en-US" sz="1200" b="0" i="0" u="none" strike="noStrike" cap="none" normalizeH="0" baseline="0" dirty="0">
+                <a:ln>
+                  <a:noFill/>
+                </a:ln>
+                <a:solidFill>
+                  <a:srgbClr val="BCBEC4"/>
+                </a:solidFill>
+                <a:effectLst/>
+                <a:latin typeface="JetBrains Mono"/>
+              </a:rPr>
+            </a:br>
+            <a:r>
+              <a:rPr kumimoji="0" lang="en-US" altLang="en-US" sz="1200" b="0" i="0" u="none" strike="noStrike" cap="none" normalizeH="0" baseline="0" dirty="0">
+                <a:ln>
+                  <a:noFill/>
+                </a:ln>
+                <a:solidFill>
+                  <a:srgbClr val="BCBEC4"/>
+                </a:solidFill>
+                <a:effectLst/>
+                <a:latin typeface="JetBrains Mono"/>
+              </a:rPr>
+              <a:t>    }</a:t>
+            </a:r>
+            <a:br>
+              <a:rPr kumimoji="0" lang="en-US" altLang="en-US" sz="1200" b="0" i="0" u="none" strike="noStrike" cap="none" normalizeH="0" baseline="0" dirty="0">
+                <a:ln>
+                  <a:noFill/>
+                </a:ln>
+                <a:solidFill>
+                  <a:srgbClr val="BCBEC4"/>
+                </a:solidFill>
+                <a:effectLst/>
+                <a:latin typeface="JetBrains Mono"/>
+              </a:rPr>
+            </a:br>
+            <a:br>
+              <a:rPr kumimoji="0" lang="en-US" altLang="en-US" sz="1200" b="0" i="0" u="none" strike="noStrike" cap="none" normalizeH="0" baseline="0" dirty="0">
+                <a:ln>
+                  <a:noFill/>
+                </a:ln>
+                <a:solidFill>
+                  <a:srgbClr val="BCBEC4"/>
+                </a:solidFill>
+                <a:effectLst/>
+                <a:latin typeface="JetBrains Mono"/>
+              </a:rPr>
+            </a:br>
+            <a:r>
+              <a:rPr kumimoji="0" lang="en-US" altLang="en-US" sz="1200" b="0" i="0" u="none" strike="noStrike" cap="none" normalizeH="0" baseline="0" dirty="0">
+                <a:ln>
+                  <a:noFill/>
+                </a:ln>
+                <a:solidFill>
+                  <a:srgbClr val="BCBEC4"/>
+                </a:solidFill>
+                <a:effectLst/>
+                <a:latin typeface="JetBrains Mono"/>
+              </a:rPr>
+              <a:t>    </a:t>
+            </a:r>
+            <a:r>
+              <a:rPr kumimoji="0" lang="en-US" altLang="en-US" sz="1200" b="0" i="0" u="none" strike="noStrike" cap="none" normalizeH="0" baseline="0" dirty="0">
+                <a:ln>
+                  <a:noFill/>
+                </a:ln>
+                <a:solidFill>
+                  <a:srgbClr val="B3AE60"/>
+                </a:solidFill>
+                <a:effectLst/>
+                <a:latin typeface="JetBrains Mono"/>
+              </a:rPr>
+              <a:t>@Bean</a:t>
+            </a:r>
+            <a:br>
+              <a:rPr kumimoji="0" lang="en-US" altLang="en-US" sz="1200" b="0" i="0" u="none" strike="noStrike" cap="none" normalizeH="0" baseline="0" dirty="0">
+                <a:ln>
+                  <a:noFill/>
+                </a:ln>
+                <a:solidFill>
+                  <a:srgbClr val="B3AE60"/>
+                </a:solidFill>
+                <a:effectLst/>
+                <a:latin typeface="JetBrains Mono"/>
+              </a:rPr>
+            </a:br>
+            <a:r>
+              <a:rPr kumimoji="0" lang="en-US" altLang="en-US" sz="1200" b="0" i="0" u="none" strike="noStrike" cap="none" normalizeH="0" baseline="0" dirty="0">
+                <a:ln>
+                  <a:noFill/>
+                </a:ln>
+                <a:solidFill>
+                  <a:srgbClr val="B3AE60"/>
+                </a:solidFill>
+                <a:effectLst/>
+                <a:latin typeface="JetBrains Mono"/>
+              </a:rPr>
+              <a:t>    @Qualifier</a:t>
+            </a:r>
+            <a:r>
+              <a:rPr kumimoji="0" lang="en-US" altLang="en-US" sz="1200" b="0" i="0" u="none" strike="noStrike" cap="none" normalizeH="0" baseline="0" dirty="0">
+                <a:ln>
+                  <a:noFill/>
+                </a:ln>
+                <a:solidFill>
+                  <a:srgbClr val="BCBEC4"/>
+                </a:solidFill>
+                <a:effectLst/>
+                <a:latin typeface="JetBrains Mono"/>
+              </a:rPr>
+              <a:t>(</a:t>
+            </a:r>
+            <a:r>
+              <a:rPr kumimoji="0" lang="en-US" altLang="en-US" sz="1200" b="0" i="0" u="none" strike="noStrike" cap="none" normalizeH="0" baseline="0" dirty="0">
+                <a:ln>
+                  <a:noFill/>
+                </a:ln>
+                <a:solidFill>
+                  <a:srgbClr val="6AAB73"/>
+                </a:solidFill>
+                <a:effectLst/>
+                <a:latin typeface="JetBrains Mono"/>
+              </a:rPr>
+              <a:t>"imageCache"</a:t>
+            </a:r>
+            <a:r>
+              <a:rPr kumimoji="0" lang="en-US" altLang="en-US" sz="1200" b="0" i="0" u="none" strike="noStrike" cap="none" normalizeH="0" baseline="0" dirty="0">
+                <a:ln>
+                  <a:noFill/>
+                </a:ln>
+                <a:solidFill>
+                  <a:srgbClr val="BCBEC4"/>
+                </a:solidFill>
+                <a:effectLst/>
+                <a:latin typeface="JetBrains Mono"/>
+              </a:rPr>
+              <a:t>)</a:t>
+            </a:r>
+            <a:br>
+              <a:rPr kumimoji="0" lang="en-US" altLang="en-US" sz="1200" b="0" i="0" u="none" strike="noStrike" cap="none" normalizeH="0" baseline="0" dirty="0">
+                <a:ln>
+                  <a:noFill/>
+                </a:ln>
+                <a:solidFill>
+                  <a:srgbClr val="BCBEC4"/>
+                </a:solidFill>
+                <a:effectLst/>
+                <a:latin typeface="JetBrains Mono"/>
+              </a:rPr>
+            </a:br>
+            <a:r>
+              <a:rPr kumimoji="0" lang="en-US" altLang="en-US" sz="1200" b="0" i="0" u="none" strike="noStrike" cap="none" normalizeH="0" baseline="0" dirty="0">
+                <a:ln>
+                  <a:noFill/>
+                </a:ln>
+                <a:solidFill>
+                  <a:srgbClr val="BCBEC4"/>
+                </a:solidFill>
+                <a:effectLst/>
+                <a:latin typeface="JetBrains Mono"/>
+              </a:rPr>
+              <a:t>    </a:t>
+            </a:r>
+            <a:r>
+              <a:rPr kumimoji="0" lang="en-US" altLang="en-US" sz="1200" b="0" i="0" u="none" strike="noStrike" cap="none" normalizeH="0" baseline="0" dirty="0">
+                <a:ln>
+                  <a:noFill/>
+                </a:ln>
+                <a:solidFill>
+                  <a:srgbClr val="CF8E6D"/>
+                </a:solidFill>
+                <a:effectLst/>
+                <a:latin typeface="JetBrains Mono"/>
+              </a:rPr>
+              <a:t>public </a:t>
+            </a:r>
+            <a:r>
+              <a:rPr kumimoji="0" lang="en-US" altLang="en-US" sz="1200" b="0" i="0" u="none" strike="noStrike" cap="none" normalizeH="0" baseline="0" dirty="0">
+                <a:ln>
+                  <a:noFill/>
+                </a:ln>
+                <a:solidFill>
+                  <a:srgbClr val="BCBEC4"/>
+                </a:solidFill>
+                <a:effectLst/>
+                <a:latin typeface="JetBrains Mono"/>
+              </a:rPr>
+              <a:t>Cache&lt;String, Image&gt; </a:t>
+            </a:r>
+            <a:r>
+              <a:rPr kumimoji="0" lang="en-US" altLang="en-US" sz="1200" b="0" i="0" u="none" strike="noStrike" cap="none" normalizeH="0" baseline="0" dirty="0" err="1">
+                <a:ln>
+                  <a:noFill/>
+                </a:ln>
+                <a:solidFill>
+                  <a:srgbClr val="56A8F5"/>
+                </a:solidFill>
+                <a:effectLst/>
+                <a:latin typeface="JetBrains Mono"/>
+              </a:rPr>
+              <a:t>imageCache</a:t>
+            </a:r>
+            <a:r>
+              <a:rPr kumimoji="0" lang="en-US" altLang="en-US" sz="1200" b="0" i="0" u="none" strike="noStrike" cap="none" normalizeH="0" baseline="0" dirty="0">
+                <a:ln>
+                  <a:noFill/>
+                </a:ln>
+                <a:solidFill>
+                  <a:srgbClr val="BCBEC4"/>
+                </a:solidFill>
+                <a:effectLst/>
+                <a:latin typeface="JetBrains Mono"/>
+              </a:rPr>
+              <a:t>() {</a:t>
+            </a:r>
+            <a:br>
+              <a:rPr kumimoji="0" lang="en-US" altLang="en-US" sz="1200" b="0" i="0" u="none" strike="noStrike" cap="none" normalizeH="0" baseline="0" dirty="0">
+                <a:ln>
+                  <a:noFill/>
+                </a:ln>
+                <a:solidFill>
+                  <a:srgbClr val="BCBEC4"/>
+                </a:solidFill>
+                <a:effectLst/>
+                <a:latin typeface="JetBrains Mono"/>
+              </a:rPr>
+            </a:br>
+            <a:r>
+              <a:rPr kumimoji="0" lang="en-US" altLang="en-US" sz="1200" b="0" i="0" u="none" strike="noStrike" cap="none" normalizeH="0" baseline="0" dirty="0">
+                <a:ln>
+                  <a:noFill/>
+                </a:ln>
+                <a:solidFill>
+                  <a:srgbClr val="BCBEC4"/>
+                </a:solidFill>
+                <a:effectLst/>
+                <a:latin typeface="JetBrains Mono"/>
+              </a:rPr>
+              <a:t>        </a:t>
+            </a:r>
+            <a:r>
+              <a:rPr kumimoji="0" lang="en-US" altLang="en-US" sz="1200" b="0" i="0" u="none" strike="noStrike" cap="none" normalizeH="0" baseline="0" dirty="0">
+                <a:ln>
+                  <a:noFill/>
+                </a:ln>
+                <a:solidFill>
+                  <a:srgbClr val="CF8E6D"/>
+                </a:solidFill>
+                <a:effectLst/>
+                <a:latin typeface="JetBrains Mono"/>
+              </a:rPr>
+              <a:t>return </a:t>
+            </a:r>
+            <a:r>
+              <a:rPr kumimoji="0" lang="en-US" altLang="en-US" sz="1200" b="0" i="0" u="none" strike="noStrike" cap="none" normalizeH="0" baseline="0" dirty="0" err="1">
+                <a:ln>
+                  <a:noFill/>
+                </a:ln>
+                <a:solidFill>
+                  <a:srgbClr val="BCBEC4"/>
+                </a:solidFill>
+                <a:effectLst/>
+                <a:latin typeface="JetBrains Mono"/>
+              </a:rPr>
+              <a:t>CacheBuilder.</a:t>
+            </a:r>
+            <a:r>
+              <a:rPr kumimoji="0" lang="en-US" altLang="en-US" sz="1200" b="0" i="1" u="none" strike="noStrike" cap="none" normalizeH="0" baseline="0" dirty="0" err="1">
+                <a:ln>
+                  <a:noFill/>
+                </a:ln>
+                <a:solidFill>
+                  <a:srgbClr val="BCBEC4"/>
+                </a:solidFill>
+                <a:effectLst/>
+                <a:latin typeface="JetBrains Mono"/>
+              </a:rPr>
+              <a:t>newBuilder</a:t>
+            </a:r>
+            <a:r>
+              <a:rPr kumimoji="0" lang="en-US" altLang="en-US" sz="1200" b="0" i="0" u="none" strike="noStrike" cap="none" normalizeH="0" baseline="0" dirty="0">
+                <a:ln>
+                  <a:noFill/>
+                </a:ln>
+                <a:solidFill>
+                  <a:srgbClr val="BCBEC4"/>
+                </a:solidFill>
+                <a:effectLst/>
+                <a:latin typeface="JetBrains Mono"/>
+              </a:rPr>
+              <a:t>().build();</a:t>
+            </a:r>
+            <a:br>
+              <a:rPr kumimoji="0" lang="en-US" altLang="en-US" sz="1200" b="0" i="0" u="none" strike="noStrike" cap="none" normalizeH="0" baseline="0" dirty="0">
+                <a:ln>
+                  <a:noFill/>
+                </a:ln>
+                <a:solidFill>
+                  <a:srgbClr val="BCBEC4"/>
+                </a:solidFill>
+                <a:effectLst/>
+                <a:latin typeface="JetBrains Mono"/>
+              </a:rPr>
+            </a:br>
+            <a:r>
+              <a:rPr kumimoji="0" lang="en-US" altLang="en-US" sz="1200" b="0" i="0" u="none" strike="noStrike" cap="none" normalizeH="0" baseline="0" dirty="0">
+                <a:ln>
+                  <a:noFill/>
+                </a:ln>
+                <a:solidFill>
+                  <a:srgbClr val="BCBEC4"/>
+                </a:solidFill>
+                <a:effectLst/>
+                <a:latin typeface="JetBrains Mono"/>
+              </a:rPr>
+              <a:t>    }</a:t>
+            </a:r>
+            <a:br>
+              <a:rPr kumimoji="0" lang="en-US" altLang="en-US" sz="1200" b="0" i="0" u="none" strike="noStrike" cap="none" normalizeH="0" baseline="0" dirty="0">
+                <a:ln>
+                  <a:noFill/>
+                </a:ln>
+                <a:solidFill>
+                  <a:srgbClr val="BCBEC4"/>
+                </a:solidFill>
+                <a:effectLst/>
+                <a:latin typeface="JetBrains Mono"/>
+              </a:rPr>
+            </a:br>
+            <a:br>
+              <a:rPr kumimoji="0" lang="en-US" altLang="en-US" sz="1200" b="0" i="0" u="none" strike="noStrike" cap="none" normalizeH="0" baseline="0" dirty="0">
+                <a:ln>
+                  <a:noFill/>
+                </a:ln>
+                <a:solidFill>
+                  <a:srgbClr val="BCBEC4"/>
+                </a:solidFill>
+                <a:effectLst/>
+                <a:latin typeface="JetBrains Mono"/>
+              </a:rPr>
+            </a:br>
+            <a:r>
+              <a:rPr kumimoji="0" lang="en-US" altLang="en-US" sz="1200" b="0" i="0" u="none" strike="noStrike" cap="none" normalizeH="0" baseline="0" dirty="0">
+                <a:ln>
+                  <a:noFill/>
+                </a:ln>
+                <a:solidFill>
+                  <a:srgbClr val="BCBEC4"/>
+                </a:solidFill>
+                <a:effectLst/>
+                <a:latin typeface="JetBrains Mono"/>
+              </a:rPr>
+              <a:t>}</a:t>
+            </a:r>
+            <a:endParaRPr kumimoji="0" lang="en-US" altLang="en-US" sz="1200" b="0" i="0" u="none" strike="noStrike" cap="none" normalizeH="0" baseline="0" dirty="0">
+              <a:ln>
+                <a:noFill/>
+              </a:ln>
+              <a:solidFill>
+                <a:schemeClr val="tx1"/>
+              </a:solidFill>
+              <a:effectLst/>
+              <a:latin typeface="Arial" panose="020B0604020202020204" pitchFamily="34" charset="0"/>
+            </a:endParaRPr>
+          </a:p>
+        </p:txBody>
+      </p:sp>
+      <p:sp>
+        <p:nvSpPr>
+          <p:cNvPr id="8" name="Rectangle 2">
+            <a:extLst>
+              <a:ext uri="{FF2B5EF4-FFF2-40B4-BE49-F238E27FC236}">
+                <a16:creationId xmlns:a16="http://schemas.microsoft.com/office/drawing/2014/main" id="{DC98A203-3E48-D748-7812-FEEF5615395A}"/>
+              </a:ext>
+            </a:extLst>
+          </p:cNvPr>
+          <p:cNvSpPr>
+            <a:spLocks noChangeArrowheads="1"/>
+          </p:cNvSpPr>
+          <p:nvPr/>
+        </p:nvSpPr>
+        <p:spPr bwMode="auto">
+          <a:xfrm>
+            <a:off x="5590161" y="2774857"/>
+            <a:ext cx="5395609" cy="1938992"/>
+          </a:xfrm>
+          <a:prstGeom prst="rect">
+            <a:avLst/>
+          </a:prstGeom>
+          <a:solidFill>
+            <a:srgbClr val="1E1F22"/>
+          </a:solidFill>
+          <a:ln>
+            <a:noFill/>
+          </a:ln>
+          <a:effectLst/>
+          <a:extLst>
+            <a:ext uri="{91240B29-F687-4F45-9708-019B960494DF}">
+              <a14:hiddenLine xmlns:a14="http://schemas.microsoft.com/office/drawing/2010/main" w="9525">
+                <a:solidFill>
+                  <a:schemeClr val="tx1"/>
+                </a:solidFill>
+                <a:miter lim="800000"/>
+                <a:headEnd/>
+                <a:tailEnd/>
+              </a14:hiddenLine>
+            </a:ext>
+            <a:ext uri="{AF507438-7753-43E0-B8FC-AC1667EBCBE1}">
+              <a14:hiddenEffects xmlns:a14="http://schemas.microsoft.com/office/drawing/2010/main">
+                <a:effectLst>
+                  <a:outerShdw dist="35921" dir="2700000" algn="ctr" rotWithShape="0">
+                    <a:schemeClr val="bg2"/>
+                  </a:outerShdw>
+                </a:effectLst>
+              </a14:hiddenEffects>
+            </a:ext>
+          </a:extLst>
+        </p:spPr>
+        <p:txBody>
+          <a:bodyPr vert="horz" wrap="square" lIns="91440" tIns="45720" rIns="91440" bIns="45720" numCol="1" anchor="ctr" anchorCtr="0" compatLnSpc="1">
+            <a:prstTxWarp prst="textNoShape">
+              <a:avLst/>
+            </a:prstTxWarp>
+            <a:spAutoFit/>
+          </a:bodyPr>
+          <a:lstStyle/>
+          <a:p>
+            <a:pPr marL="0" marR="0" lvl="0" indent="0" algn="l" defTabSz="914400" rtl="0" eaLnBrk="0" fontAlgn="base" latinLnBrk="0" hangingPunct="0">
+              <a:lnSpc>
+                <a:spcPct val="100000"/>
+              </a:lnSpc>
+              <a:spcBef>
+                <a:spcPct val="0"/>
+              </a:spcBef>
+              <a:spcAft>
+                <a:spcPct val="0"/>
+              </a:spcAft>
+              <a:buClrTx/>
+              <a:buSzTx/>
+              <a:buFontTx/>
+              <a:buNone/>
+              <a:tabLst/>
+            </a:pPr>
+            <a:r>
+              <a:rPr kumimoji="0" lang="en-US" altLang="en-US" sz="1200" b="0" i="0" u="none" strike="noStrike" cap="none" normalizeH="0" baseline="0" dirty="0">
+                <a:ln>
+                  <a:noFill/>
+                </a:ln>
+                <a:solidFill>
+                  <a:srgbClr val="B3AE60"/>
+                </a:solidFill>
+                <a:effectLst/>
+                <a:latin typeface="JetBrains Mono"/>
+              </a:rPr>
+              <a:t>@Service</a:t>
+            </a:r>
+            <a:br>
+              <a:rPr kumimoji="0" lang="en-US" altLang="en-US" sz="1200" b="0" i="0" u="none" strike="noStrike" cap="none" normalizeH="0" baseline="0" dirty="0">
+                <a:ln>
+                  <a:noFill/>
+                </a:ln>
+                <a:solidFill>
+                  <a:srgbClr val="B3AE60"/>
+                </a:solidFill>
+                <a:effectLst/>
+                <a:latin typeface="JetBrains Mono"/>
+              </a:rPr>
+            </a:br>
+            <a:r>
+              <a:rPr kumimoji="0" lang="en-US" altLang="en-US" sz="1200" b="0" i="0" u="none" strike="noStrike" cap="none" normalizeH="0" baseline="0" dirty="0">
+                <a:ln>
+                  <a:noFill/>
+                </a:ln>
+                <a:solidFill>
+                  <a:srgbClr val="CF8E6D"/>
+                </a:solidFill>
+                <a:effectLst/>
+                <a:latin typeface="JetBrains Mono"/>
+              </a:rPr>
+              <a:t>public class </a:t>
+            </a:r>
+            <a:r>
+              <a:rPr kumimoji="0" lang="en-US" altLang="en-US" sz="1200" b="0" i="0" u="none" strike="noStrike" cap="none" normalizeH="0" baseline="0" dirty="0" err="1">
+                <a:ln>
+                  <a:noFill/>
+                </a:ln>
+                <a:solidFill>
+                  <a:srgbClr val="BCBEC4"/>
+                </a:solidFill>
+                <a:effectLst/>
+                <a:latin typeface="JetBrains Mono"/>
+              </a:rPr>
+              <a:t>UserService</a:t>
+            </a:r>
+            <a:r>
+              <a:rPr kumimoji="0" lang="en-US" altLang="en-US" sz="1200" b="0" i="0" u="none" strike="noStrike" cap="none" normalizeH="0" baseline="0" dirty="0">
+                <a:ln>
+                  <a:noFill/>
+                </a:ln>
+                <a:solidFill>
+                  <a:srgbClr val="BCBEC4"/>
+                </a:solidFill>
+                <a:effectLst/>
+                <a:latin typeface="JetBrains Mono"/>
+              </a:rPr>
+              <a:t> {</a:t>
+            </a:r>
+            <a:br>
+              <a:rPr kumimoji="0" lang="en-US" altLang="en-US" sz="1200" b="0" i="0" u="none" strike="noStrike" cap="none" normalizeH="0" baseline="0" dirty="0">
+                <a:ln>
+                  <a:noFill/>
+                </a:ln>
+                <a:solidFill>
+                  <a:srgbClr val="BCBEC4"/>
+                </a:solidFill>
+                <a:effectLst/>
+                <a:latin typeface="JetBrains Mono"/>
+              </a:rPr>
+            </a:br>
+            <a:r>
+              <a:rPr kumimoji="0" lang="en-US" altLang="en-US" sz="1200" b="0" i="0" u="none" strike="noStrike" cap="none" normalizeH="0" baseline="0" dirty="0">
+                <a:ln>
+                  <a:noFill/>
+                </a:ln>
+                <a:solidFill>
+                  <a:srgbClr val="BCBEC4"/>
+                </a:solidFill>
+                <a:effectLst/>
+                <a:latin typeface="JetBrains Mono"/>
+              </a:rPr>
+              <a:t>    </a:t>
+            </a:r>
+            <a:br>
+              <a:rPr kumimoji="0" lang="en-US" altLang="en-US" sz="1200" b="0" i="0" u="none" strike="noStrike" cap="none" normalizeH="0" baseline="0" dirty="0">
+                <a:ln>
+                  <a:noFill/>
+                </a:ln>
+                <a:solidFill>
+                  <a:srgbClr val="BCBEC4"/>
+                </a:solidFill>
+                <a:effectLst/>
+                <a:latin typeface="JetBrains Mono"/>
+              </a:rPr>
+            </a:br>
+            <a:r>
+              <a:rPr kumimoji="0" lang="en-US" altLang="en-US" sz="1200" b="0" i="0" u="none" strike="noStrike" cap="none" normalizeH="0" baseline="0" dirty="0">
+                <a:ln>
+                  <a:noFill/>
+                </a:ln>
+                <a:solidFill>
+                  <a:srgbClr val="BCBEC4"/>
+                </a:solidFill>
+                <a:effectLst/>
+                <a:latin typeface="JetBrains Mono"/>
+              </a:rPr>
+              <a:t>    </a:t>
+            </a:r>
+            <a:r>
+              <a:rPr kumimoji="0" lang="en-US" altLang="en-US" sz="1200" b="0" i="0" u="none" strike="noStrike" cap="none" normalizeH="0" baseline="0" dirty="0">
+                <a:ln>
+                  <a:noFill/>
+                </a:ln>
+                <a:solidFill>
+                  <a:srgbClr val="CF8E6D"/>
+                </a:solidFill>
+                <a:effectLst/>
+                <a:latin typeface="JetBrains Mono"/>
+              </a:rPr>
+              <a:t>private final </a:t>
+            </a:r>
+            <a:r>
+              <a:rPr kumimoji="0" lang="en-US" altLang="en-US" sz="1200" b="0" i="0" u="none" strike="noStrike" cap="none" normalizeH="0" baseline="0" dirty="0">
+                <a:ln>
+                  <a:noFill/>
+                </a:ln>
+                <a:solidFill>
+                  <a:srgbClr val="BCBEC4"/>
+                </a:solidFill>
+                <a:effectLst/>
+                <a:latin typeface="JetBrains Mono"/>
+              </a:rPr>
+              <a:t>Cache&lt;String, User&gt; </a:t>
+            </a:r>
+            <a:r>
+              <a:rPr kumimoji="0" lang="en-US" altLang="en-US" sz="1200" b="0" i="0" u="none" strike="noStrike" cap="none" normalizeH="0" baseline="0" dirty="0" err="1">
+                <a:ln>
+                  <a:noFill/>
+                </a:ln>
+                <a:solidFill>
+                  <a:srgbClr val="C77DBB"/>
+                </a:solidFill>
+                <a:effectLst/>
+                <a:latin typeface="JetBrains Mono"/>
+              </a:rPr>
+              <a:t>userCache</a:t>
+            </a:r>
+            <a:r>
+              <a:rPr kumimoji="0" lang="en-US" altLang="en-US" sz="1200" b="0" i="0" u="none" strike="noStrike" cap="none" normalizeH="0" baseline="0" dirty="0">
+                <a:ln>
+                  <a:noFill/>
+                </a:ln>
+                <a:solidFill>
+                  <a:srgbClr val="BCBEC4"/>
+                </a:solidFill>
+                <a:effectLst/>
+                <a:latin typeface="JetBrains Mono"/>
+              </a:rPr>
+              <a:t>;</a:t>
+            </a:r>
+            <a:br>
+              <a:rPr kumimoji="0" lang="en-US" altLang="en-US" sz="1200" b="0" i="0" u="none" strike="noStrike" cap="none" normalizeH="0" baseline="0" dirty="0">
+                <a:ln>
+                  <a:noFill/>
+                </a:ln>
+                <a:solidFill>
+                  <a:srgbClr val="BCBEC4"/>
+                </a:solidFill>
+                <a:effectLst/>
+                <a:latin typeface="JetBrains Mono"/>
+              </a:rPr>
+            </a:br>
+            <a:br>
+              <a:rPr kumimoji="0" lang="en-US" altLang="en-US" sz="1200" b="0" i="0" u="none" strike="noStrike" cap="none" normalizeH="0" baseline="0" dirty="0">
+                <a:ln>
+                  <a:noFill/>
+                </a:ln>
+                <a:solidFill>
+                  <a:srgbClr val="BCBEC4"/>
+                </a:solidFill>
+                <a:effectLst/>
+                <a:latin typeface="JetBrains Mono"/>
+              </a:rPr>
+            </a:br>
+            <a:r>
+              <a:rPr kumimoji="0" lang="en-US" altLang="en-US" sz="1200" b="0" i="0" u="none" strike="noStrike" cap="none" normalizeH="0" baseline="0" dirty="0">
+                <a:ln>
+                  <a:noFill/>
+                </a:ln>
+                <a:solidFill>
+                  <a:srgbClr val="BCBEC4"/>
+                </a:solidFill>
+                <a:effectLst/>
+                <a:latin typeface="JetBrains Mono"/>
+              </a:rPr>
+              <a:t>    </a:t>
+            </a:r>
+            <a:r>
+              <a:rPr kumimoji="0" lang="en-US" altLang="en-US" sz="1200" b="0" i="0" u="none" strike="noStrike" cap="none" normalizeH="0" baseline="0" dirty="0">
+                <a:ln>
+                  <a:noFill/>
+                </a:ln>
+                <a:solidFill>
+                  <a:srgbClr val="CF8E6D"/>
+                </a:solidFill>
+                <a:effectLst/>
+                <a:latin typeface="JetBrains Mono"/>
+              </a:rPr>
+              <a:t>public </a:t>
+            </a:r>
+            <a:r>
+              <a:rPr kumimoji="0" lang="en-US" altLang="en-US" sz="1200" b="0" i="0" u="none" strike="noStrike" cap="none" normalizeH="0" baseline="0" dirty="0" err="1">
+                <a:ln>
+                  <a:noFill/>
+                </a:ln>
+                <a:solidFill>
+                  <a:srgbClr val="56A8F5"/>
+                </a:solidFill>
+                <a:effectLst/>
+                <a:latin typeface="JetBrains Mono"/>
+              </a:rPr>
+              <a:t>UserService</a:t>
+            </a:r>
+            <a:r>
+              <a:rPr kumimoji="0" lang="en-US" altLang="en-US" sz="1200" b="0" i="0" u="none" strike="noStrike" cap="none" normalizeH="0" baseline="0" dirty="0">
+                <a:ln>
+                  <a:noFill/>
+                </a:ln>
+                <a:solidFill>
+                  <a:srgbClr val="BCBEC4"/>
+                </a:solidFill>
+                <a:effectLst/>
+                <a:latin typeface="JetBrains Mono"/>
+              </a:rPr>
+              <a:t>(</a:t>
+            </a:r>
+            <a:r>
+              <a:rPr kumimoji="0" lang="en-US" altLang="en-US" sz="1200" b="0" i="0" u="none" strike="noStrike" cap="none" normalizeH="0" baseline="0" dirty="0">
+                <a:ln>
+                  <a:noFill/>
+                </a:ln>
+                <a:solidFill>
+                  <a:srgbClr val="B3AE60"/>
+                </a:solidFill>
+                <a:effectLst/>
+                <a:latin typeface="JetBrains Mono"/>
+              </a:rPr>
+              <a:t>@Qualifier</a:t>
+            </a:r>
+            <a:r>
+              <a:rPr kumimoji="0" lang="en-US" altLang="en-US" sz="1200" b="0" i="0" u="none" strike="noStrike" cap="none" normalizeH="0" baseline="0" dirty="0">
+                <a:ln>
+                  <a:noFill/>
+                </a:ln>
+                <a:solidFill>
+                  <a:srgbClr val="BCBEC4"/>
+                </a:solidFill>
+                <a:effectLst/>
+                <a:latin typeface="JetBrains Mono"/>
+              </a:rPr>
+              <a:t>(</a:t>
+            </a:r>
+            <a:r>
+              <a:rPr kumimoji="0" lang="en-US" altLang="en-US" sz="1200" b="0" i="0" u="none" strike="noStrike" cap="none" normalizeH="0" baseline="0" dirty="0">
+                <a:ln>
+                  <a:noFill/>
+                </a:ln>
+                <a:solidFill>
+                  <a:srgbClr val="6AAB73"/>
+                </a:solidFill>
+                <a:effectLst/>
+                <a:latin typeface="JetBrains Mono"/>
+              </a:rPr>
+              <a:t>"userCache"</a:t>
+            </a:r>
+            <a:r>
+              <a:rPr kumimoji="0" lang="en-US" altLang="en-US" sz="1200" b="0" i="0" u="none" strike="noStrike" cap="none" normalizeH="0" baseline="0" dirty="0">
+                <a:ln>
+                  <a:noFill/>
+                </a:ln>
+                <a:solidFill>
+                  <a:srgbClr val="BCBEC4"/>
+                </a:solidFill>
+                <a:effectLst/>
+                <a:latin typeface="JetBrains Mono"/>
+              </a:rPr>
+              <a:t>) Cache&lt;String, User&gt; </a:t>
+            </a:r>
+            <a:r>
+              <a:rPr kumimoji="0" lang="en-US" altLang="en-US" sz="1200" b="0" i="0" u="none" strike="noStrike" cap="none" normalizeH="0" baseline="0" dirty="0" err="1">
+                <a:ln>
+                  <a:noFill/>
+                </a:ln>
+                <a:solidFill>
+                  <a:srgbClr val="BCBEC4"/>
+                </a:solidFill>
+                <a:effectLst/>
+                <a:latin typeface="JetBrains Mono"/>
+              </a:rPr>
+              <a:t>userCache</a:t>
+            </a:r>
+            <a:r>
+              <a:rPr kumimoji="0" lang="en-US" altLang="en-US" sz="1200" b="0" i="0" u="none" strike="noStrike" cap="none" normalizeH="0" baseline="0" dirty="0">
+                <a:ln>
+                  <a:noFill/>
+                </a:ln>
+                <a:solidFill>
+                  <a:srgbClr val="BCBEC4"/>
+                </a:solidFill>
+                <a:effectLst/>
+                <a:latin typeface="JetBrains Mono"/>
+              </a:rPr>
+              <a:t>) {</a:t>
+            </a:r>
+            <a:br>
+              <a:rPr kumimoji="0" lang="en-US" altLang="en-US" sz="1200" b="0" i="0" u="none" strike="noStrike" cap="none" normalizeH="0" baseline="0" dirty="0">
+                <a:ln>
+                  <a:noFill/>
+                </a:ln>
+                <a:solidFill>
+                  <a:srgbClr val="BCBEC4"/>
+                </a:solidFill>
+                <a:effectLst/>
+                <a:latin typeface="JetBrains Mono"/>
+              </a:rPr>
+            </a:br>
+            <a:r>
+              <a:rPr kumimoji="0" lang="en-US" altLang="en-US" sz="1200" b="0" i="0" u="none" strike="noStrike" cap="none" normalizeH="0" baseline="0" dirty="0">
+                <a:ln>
+                  <a:noFill/>
+                </a:ln>
+                <a:solidFill>
+                  <a:srgbClr val="BCBEC4"/>
+                </a:solidFill>
+                <a:effectLst/>
+                <a:latin typeface="JetBrains Mono"/>
+              </a:rPr>
+              <a:t>        </a:t>
+            </a:r>
+            <a:r>
+              <a:rPr kumimoji="0" lang="en-US" altLang="en-US" sz="1200" b="0" i="0" u="none" strike="noStrike" cap="none" normalizeH="0" baseline="0" dirty="0" err="1">
+                <a:ln>
+                  <a:noFill/>
+                </a:ln>
+                <a:solidFill>
+                  <a:srgbClr val="CF8E6D"/>
+                </a:solidFill>
+                <a:effectLst/>
+                <a:latin typeface="JetBrains Mono"/>
+              </a:rPr>
+              <a:t>this</a:t>
+            </a:r>
+            <a:r>
+              <a:rPr kumimoji="0" lang="en-US" altLang="en-US" sz="1200" b="0" i="0" u="none" strike="noStrike" cap="none" normalizeH="0" baseline="0" dirty="0" err="1">
+                <a:ln>
+                  <a:noFill/>
+                </a:ln>
+                <a:solidFill>
+                  <a:srgbClr val="BCBEC4"/>
+                </a:solidFill>
+                <a:effectLst/>
+                <a:latin typeface="JetBrains Mono"/>
+              </a:rPr>
+              <a:t>.</a:t>
+            </a:r>
+            <a:r>
+              <a:rPr kumimoji="0" lang="en-US" altLang="en-US" sz="1200" b="0" i="0" u="none" strike="noStrike" cap="none" normalizeH="0" baseline="0" dirty="0" err="1">
+                <a:ln>
+                  <a:noFill/>
+                </a:ln>
+                <a:solidFill>
+                  <a:srgbClr val="C77DBB"/>
+                </a:solidFill>
+                <a:effectLst/>
+                <a:latin typeface="JetBrains Mono"/>
+              </a:rPr>
+              <a:t>userCache</a:t>
+            </a:r>
+            <a:r>
+              <a:rPr kumimoji="0" lang="en-US" altLang="en-US" sz="1200" b="0" i="0" u="none" strike="noStrike" cap="none" normalizeH="0" baseline="0" dirty="0">
+                <a:ln>
+                  <a:noFill/>
+                </a:ln>
+                <a:solidFill>
+                  <a:srgbClr val="C77DBB"/>
+                </a:solidFill>
+                <a:effectLst/>
+                <a:latin typeface="JetBrains Mono"/>
+              </a:rPr>
+              <a:t> </a:t>
+            </a:r>
+            <a:r>
+              <a:rPr kumimoji="0" lang="en-US" altLang="en-US" sz="1200" b="0" i="0" u="none" strike="noStrike" cap="none" normalizeH="0" baseline="0" dirty="0">
+                <a:ln>
+                  <a:noFill/>
+                </a:ln>
+                <a:solidFill>
+                  <a:srgbClr val="BCBEC4"/>
+                </a:solidFill>
+                <a:effectLst/>
+                <a:latin typeface="JetBrains Mono"/>
+              </a:rPr>
+              <a:t>= </a:t>
+            </a:r>
+            <a:r>
+              <a:rPr kumimoji="0" lang="en-US" altLang="en-US" sz="1200" b="0" i="0" u="none" strike="noStrike" cap="none" normalizeH="0" baseline="0" dirty="0" err="1">
+                <a:ln>
+                  <a:noFill/>
+                </a:ln>
+                <a:solidFill>
+                  <a:srgbClr val="BCBEC4"/>
+                </a:solidFill>
+                <a:effectLst/>
+                <a:latin typeface="JetBrains Mono"/>
+              </a:rPr>
+              <a:t>userCache</a:t>
+            </a:r>
+            <a:r>
+              <a:rPr kumimoji="0" lang="en-US" altLang="en-US" sz="1200" b="0" i="0" u="none" strike="noStrike" cap="none" normalizeH="0" baseline="0" dirty="0">
+                <a:ln>
+                  <a:noFill/>
+                </a:ln>
+                <a:solidFill>
+                  <a:srgbClr val="BCBEC4"/>
+                </a:solidFill>
+                <a:effectLst/>
+                <a:latin typeface="JetBrains Mono"/>
+              </a:rPr>
+              <a:t>;</a:t>
+            </a:r>
+            <a:br>
+              <a:rPr kumimoji="0" lang="en-US" altLang="en-US" sz="1200" b="0" i="0" u="none" strike="noStrike" cap="none" normalizeH="0" baseline="0" dirty="0">
+                <a:ln>
+                  <a:noFill/>
+                </a:ln>
+                <a:solidFill>
+                  <a:srgbClr val="BCBEC4"/>
+                </a:solidFill>
+                <a:effectLst/>
+                <a:latin typeface="JetBrains Mono"/>
+              </a:rPr>
+            </a:br>
+            <a:r>
+              <a:rPr kumimoji="0" lang="en-US" altLang="en-US" sz="1200" b="0" i="0" u="none" strike="noStrike" cap="none" normalizeH="0" baseline="0" dirty="0">
+                <a:ln>
+                  <a:noFill/>
+                </a:ln>
+                <a:solidFill>
+                  <a:srgbClr val="BCBEC4"/>
+                </a:solidFill>
+                <a:effectLst/>
+                <a:latin typeface="JetBrains Mono"/>
+              </a:rPr>
+              <a:t>    }</a:t>
+            </a:r>
+          </a:p>
+          <a:p>
+            <a:pPr marL="0" marR="0" lvl="0" indent="0" algn="l" defTabSz="914400" rtl="0" eaLnBrk="0" fontAlgn="base" latinLnBrk="0" hangingPunct="0">
+              <a:lnSpc>
+                <a:spcPct val="100000"/>
+              </a:lnSpc>
+              <a:spcBef>
+                <a:spcPct val="0"/>
+              </a:spcBef>
+              <a:spcAft>
+                <a:spcPct val="0"/>
+              </a:spcAft>
+              <a:buClrTx/>
+              <a:buSzTx/>
+              <a:buFontTx/>
+              <a:buNone/>
+              <a:tabLst/>
+            </a:pPr>
+            <a:br>
+              <a:rPr kumimoji="0" lang="en-US" altLang="en-US" sz="1200" b="0" i="0" u="none" strike="noStrike" cap="none" normalizeH="0" baseline="0" dirty="0">
+                <a:ln>
+                  <a:noFill/>
+                </a:ln>
+                <a:solidFill>
+                  <a:srgbClr val="BCBEC4"/>
+                </a:solidFill>
+                <a:effectLst/>
+                <a:latin typeface="JetBrains Mono"/>
+              </a:rPr>
+            </a:br>
+            <a:r>
+              <a:rPr kumimoji="0" lang="en-US" altLang="en-US" sz="1200" b="0" i="0" u="none" strike="noStrike" cap="none" normalizeH="0" baseline="0" dirty="0">
+                <a:ln>
+                  <a:noFill/>
+                </a:ln>
+                <a:solidFill>
+                  <a:srgbClr val="BCBEC4"/>
+                </a:solidFill>
+                <a:effectLst/>
+                <a:latin typeface="JetBrains Mono"/>
+              </a:rPr>
+              <a:t>}</a:t>
+            </a:r>
+            <a:endParaRPr kumimoji="0" lang="en-US" altLang="en-US" sz="3200" b="0" i="0" u="none" strike="noStrike" cap="none" normalizeH="0" baseline="0" dirty="0">
+              <a:ln>
+                <a:noFill/>
+              </a:ln>
+              <a:solidFill>
+                <a:schemeClr val="tx1"/>
+              </a:solidFill>
+              <a:effectLst/>
+              <a:latin typeface="Arial" panose="020B0604020202020204" pitchFamily="34" charset="0"/>
+            </a:endParaRPr>
+          </a:p>
+        </p:txBody>
+      </p:sp>
     </p:spTree>
     <p:extLst>
       <p:ext uri="{BB962C8B-B14F-4D97-AF65-F5344CB8AC3E}">
-        <p14:creationId xmlns:p14="http://schemas.microsoft.com/office/powerpoint/2010/main" val="1537051593"/>
+        <p14:creationId xmlns:p14="http://schemas.microsoft.com/office/powerpoint/2010/main" val="1964869686"/>
       </p:ext>
     </p:extLst>
   </p:cSld>
